--- a/Materialien/Powerpoint/Einfuehrung in Funktionen.pptx
+++ b/Materialien/Powerpoint/Einfuehrung in Funktionen.pptx
@@ -4,11 +4,18 @@
   <p:sldMasterIdLst>
     <p:sldMasterId id="2147483660" r:id="rId1"/>
   </p:sldMasterIdLst>
+  <p:notesMasterIdLst>
+    <p:notesMasterId r:id="rId10"/>
+  </p:notesMasterIdLst>
   <p:sldIdLst>
     <p:sldId id="256" r:id="rId2"/>
     <p:sldId id="258" r:id="rId3"/>
     <p:sldId id="260" r:id="rId4"/>
-    <p:sldId id="259" r:id="rId5"/>
+    <p:sldId id="261" r:id="rId5"/>
+    <p:sldId id="262" r:id="rId6"/>
+    <p:sldId id="265" r:id="rId7"/>
+    <p:sldId id="266" r:id="rId8"/>
+    <p:sldId id="267" r:id="rId9"/>
   </p:sldIdLst>
   <p:sldSz cx="12192000" cy="6858000"/>
   <p:notesSz cx="6858000" cy="9144000"/>
@@ -125,6 +132,75 @@
 
 <file path=ppt/changesInfos/changesInfo1.xml><?xml version="1.0" encoding="utf-8"?>
 <pc:chgInfo xmlns:a="http://schemas.openxmlformats.org/drawingml/2006/main" xmlns:r="http://schemas.openxmlformats.org/officeDocument/2006/relationships" xmlns:ac="http://schemas.microsoft.com/office/drawing/2013/main/command" xmlns:pc="http://schemas.microsoft.com/office/powerpoint/2013/main/command">
+  <pc:docChgLst>
+    <pc:chgData name="Sebastian Meine" userId="f54488a2a6b7dc9e" providerId="LiveId" clId="{3463DE3F-109F-4A8E-AD2B-568A5C0EC149}"/>
+    <pc:docChg chg="custSel modSld">
+      <pc:chgData name="Sebastian Meine" userId="f54488a2a6b7dc9e" providerId="LiveId" clId="{3463DE3F-109F-4A8E-AD2B-568A5C0EC149}" dt="2021-07-20T19:38:00.434" v="9"/>
+      <pc:docMkLst>
+        <pc:docMk/>
+      </pc:docMkLst>
+      <pc:sldChg chg="modSp">
+        <pc:chgData name="Sebastian Meine" userId="f54488a2a6b7dc9e" providerId="LiveId" clId="{3463DE3F-109F-4A8E-AD2B-568A5C0EC149}" dt="2021-07-20T19:37:49.124" v="3" actId="6549"/>
+        <pc:sldMkLst>
+          <pc:docMk/>
+          <pc:sldMk cId="238189655" sldId="256"/>
+        </pc:sldMkLst>
+        <pc:spChg chg="mod">
+          <ac:chgData name="Sebastian Meine" userId="f54488a2a6b7dc9e" providerId="LiveId" clId="{3463DE3F-109F-4A8E-AD2B-568A5C0EC149}" dt="2021-07-20T19:37:49.124" v="3" actId="6549"/>
+          <ac:spMkLst>
+            <pc:docMk/>
+            <pc:sldMk cId="238189655" sldId="256"/>
+            <ac:spMk id="2" creationId="{87B2046A-71C6-4A5C-90F4-24A921FBE6F2}"/>
+          </ac:spMkLst>
+        </pc:spChg>
+      </pc:sldChg>
+      <pc:sldChg chg="modSp mod">
+        <pc:chgData name="Sebastian Meine" userId="f54488a2a6b7dc9e" providerId="LiveId" clId="{3463DE3F-109F-4A8E-AD2B-568A5C0EC149}" dt="2021-07-20T19:37:56.333" v="7" actId="20577"/>
+        <pc:sldMkLst>
+          <pc:docMk/>
+          <pc:sldMk cId="2109793123" sldId="258"/>
+        </pc:sldMkLst>
+        <pc:spChg chg="mod">
+          <ac:chgData name="Sebastian Meine" userId="f54488a2a6b7dc9e" providerId="LiveId" clId="{3463DE3F-109F-4A8E-AD2B-568A5C0EC149}" dt="2021-07-20T19:37:56.333" v="7" actId="20577"/>
+          <ac:spMkLst>
+            <pc:docMk/>
+            <pc:sldMk cId="2109793123" sldId="258"/>
+            <ac:spMk id="8" creationId="{6833897F-8945-43C1-8EE1-2E83FF8331D9}"/>
+          </ac:spMkLst>
+        </pc:spChg>
+      </pc:sldChg>
+      <pc:sldChg chg="modSp mod">
+        <pc:chgData name="Sebastian Meine" userId="f54488a2a6b7dc9e" providerId="LiveId" clId="{3463DE3F-109F-4A8E-AD2B-568A5C0EC149}" dt="2021-07-20T19:38:00.434" v="9"/>
+        <pc:sldMkLst>
+          <pc:docMk/>
+          <pc:sldMk cId="583026924" sldId="259"/>
+        </pc:sldMkLst>
+        <pc:spChg chg="mod">
+          <ac:chgData name="Sebastian Meine" userId="f54488a2a6b7dc9e" providerId="LiveId" clId="{3463DE3F-109F-4A8E-AD2B-568A5C0EC149}" dt="2021-07-20T19:38:00.434" v="9"/>
+          <ac:spMkLst>
+            <pc:docMk/>
+            <pc:sldMk cId="583026924" sldId="259"/>
+            <ac:spMk id="8" creationId="{3B4D951D-CFCF-46C6-91EB-50913F6DFC4D}"/>
+          </ac:spMkLst>
+        </pc:spChg>
+      </pc:sldChg>
+      <pc:sldChg chg="modSp mod">
+        <pc:chgData name="Sebastian Meine" userId="f54488a2a6b7dc9e" providerId="LiveId" clId="{3463DE3F-109F-4A8E-AD2B-568A5C0EC149}" dt="2021-07-20T19:37:58.459" v="8"/>
+        <pc:sldMkLst>
+          <pc:docMk/>
+          <pc:sldMk cId="2205865153" sldId="260"/>
+        </pc:sldMkLst>
+        <pc:spChg chg="mod">
+          <ac:chgData name="Sebastian Meine" userId="f54488a2a6b7dc9e" providerId="LiveId" clId="{3463DE3F-109F-4A8E-AD2B-568A5C0EC149}" dt="2021-07-20T19:37:58.459" v="8"/>
+          <ac:spMkLst>
+            <pc:docMk/>
+            <pc:sldMk cId="2205865153" sldId="260"/>
+            <ac:spMk id="8" creationId="{6833897F-8945-43C1-8EE1-2E83FF8331D9}"/>
+          </ac:spMkLst>
+        </pc:spChg>
+      </pc:sldChg>
+    </pc:docChg>
+  </pc:docChgLst>
   <pc:docChgLst>
     <pc:chgData name="Sebastian Meine" userId="f54488a2a6b7dc9e" providerId="LiveId" clId="{BE1DB9F4-E304-4C37-970B-A53B13E8E1BC}"/>
     <pc:docChg chg="custSel addSld delSld modSld">
@@ -297,76 +373,440 @@
       </pc:sldChg>
     </pc:docChg>
   </pc:docChgLst>
-  <pc:docChgLst>
-    <pc:chgData name="Sebastian Meine" userId="f54488a2a6b7dc9e" providerId="LiveId" clId="{3463DE3F-109F-4A8E-AD2B-568A5C0EC149}"/>
-    <pc:docChg chg="custSel modSld">
-      <pc:chgData name="Sebastian Meine" userId="f54488a2a6b7dc9e" providerId="LiveId" clId="{3463DE3F-109F-4A8E-AD2B-568A5C0EC149}" dt="2021-07-20T19:38:00.434" v="9"/>
-      <pc:docMkLst>
-        <pc:docMk/>
-      </pc:docMkLst>
-      <pc:sldChg chg="modSp">
-        <pc:chgData name="Sebastian Meine" userId="f54488a2a6b7dc9e" providerId="LiveId" clId="{3463DE3F-109F-4A8E-AD2B-568A5C0EC149}" dt="2021-07-20T19:37:49.124" v="3" actId="6549"/>
-        <pc:sldMkLst>
-          <pc:docMk/>
-          <pc:sldMk cId="238189655" sldId="256"/>
-        </pc:sldMkLst>
-        <pc:spChg chg="mod">
-          <ac:chgData name="Sebastian Meine" userId="f54488a2a6b7dc9e" providerId="LiveId" clId="{3463DE3F-109F-4A8E-AD2B-568A5C0EC149}" dt="2021-07-20T19:37:49.124" v="3" actId="6549"/>
-          <ac:spMkLst>
-            <pc:docMk/>
-            <pc:sldMk cId="238189655" sldId="256"/>
-            <ac:spMk id="2" creationId="{87B2046A-71C6-4A5C-90F4-24A921FBE6F2}"/>
-          </ac:spMkLst>
-        </pc:spChg>
-      </pc:sldChg>
-      <pc:sldChg chg="modSp mod">
-        <pc:chgData name="Sebastian Meine" userId="f54488a2a6b7dc9e" providerId="LiveId" clId="{3463DE3F-109F-4A8E-AD2B-568A5C0EC149}" dt="2021-07-20T19:37:56.333" v="7" actId="20577"/>
-        <pc:sldMkLst>
-          <pc:docMk/>
-          <pc:sldMk cId="2109793123" sldId="258"/>
-        </pc:sldMkLst>
-        <pc:spChg chg="mod">
-          <ac:chgData name="Sebastian Meine" userId="f54488a2a6b7dc9e" providerId="LiveId" clId="{3463DE3F-109F-4A8E-AD2B-568A5C0EC149}" dt="2021-07-20T19:37:56.333" v="7" actId="20577"/>
-          <ac:spMkLst>
-            <pc:docMk/>
-            <pc:sldMk cId="2109793123" sldId="258"/>
-            <ac:spMk id="8" creationId="{6833897F-8945-43C1-8EE1-2E83FF8331D9}"/>
-          </ac:spMkLst>
-        </pc:spChg>
-      </pc:sldChg>
-      <pc:sldChg chg="modSp mod">
-        <pc:chgData name="Sebastian Meine" userId="f54488a2a6b7dc9e" providerId="LiveId" clId="{3463DE3F-109F-4A8E-AD2B-568A5C0EC149}" dt="2021-07-20T19:38:00.434" v="9"/>
-        <pc:sldMkLst>
-          <pc:docMk/>
-          <pc:sldMk cId="583026924" sldId="259"/>
-        </pc:sldMkLst>
-        <pc:spChg chg="mod">
-          <ac:chgData name="Sebastian Meine" userId="f54488a2a6b7dc9e" providerId="LiveId" clId="{3463DE3F-109F-4A8E-AD2B-568A5C0EC149}" dt="2021-07-20T19:38:00.434" v="9"/>
-          <ac:spMkLst>
-            <pc:docMk/>
-            <pc:sldMk cId="583026924" sldId="259"/>
-            <ac:spMk id="8" creationId="{3B4D951D-CFCF-46C6-91EB-50913F6DFC4D}"/>
-          </ac:spMkLst>
-        </pc:spChg>
-      </pc:sldChg>
-      <pc:sldChg chg="modSp mod">
-        <pc:chgData name="Sebastian Meine" userId="f54488a2a6b7dc9e" providerId="LiveId" clId="{3463DE3F-109F-4A8E-AD2B-568A5C0EC149}" dt="2021-07-20T19:37:58.459" v="8"/>
-        <pc:sldMkLst>
-          <pc:docMk/>
-          <pc:sldMk cId="2205865153" sldId="260"/>
-        </pc:sldMkLst>
-        <pc:spChg chg="mod">
-          <ac:chgData name="Sebastian Meine" userId="f54488a2a6b7dc9e" providerId="LiveId" clId="{3463DE3F-109F-4A8E-AD2B-568A5C0EC149}" dt="2021-07-20T19:37:58.459" v="8"/>
-          <ac:spMkLst>
-            <pc:docMk/>
-            <pc:sldMk cId="2205865153" sldId="260"/>
-            <ac:spMk id="8" creationId="{6833897F-8945-43C1-8EE1-2E83FF8331D9}"/>
-          </ac:spMkLst>
-        </pc:spChg>
-      </pc:sldChg>
-    </pc:docChg>
-  </pc:docChgLst>
 </pc:chgInfo>
+</file>
+
+<file path=ppt/notesMasters/notesMaster1.xml><?xml version="1.0" encoding="utf-8"?>
+<p:notesMaster xmlns:a="http://schemas.openxmlformats.org/drawingml/2006/main" xmlns:r="http://schemas.openxmlformats.org/officeDocument/2006/relationships" xmlns:p="http://schemas.openxmlformats.org/presentationml/2006/main">
+  <p:cSld>
+    <p:bg>
+      <p:bgRef idx="1001">
+        <a:schemeClr val="bg1"/>
+      </p:bgRef>
+    </p:bg>
+    <p:spTree>
+      <p:nvGrpSpPr>
+        <p:cNvPr id="1" name=""/>
+        <p:cNvGrpSpPr/>
+        <p:nvPr/>
+      </p:nvGrpSpPr>
+      <p:grpSpPr>
+        <a:xfrm>
+          <a:off x="0" y="0"/>
+          <a:ext cx="0" cy="0"/>
+          <a:chOff x="0" y="0"/>
+          <a:chExt cx="0" cy="0"/>
+        </a:xfrm>
+      </p:grpSpPr>
+      <p:sp>
+        <p:nvSpPr>
+          <p:cNvPr id="2" name="Kopfzeilenplatzhalter 1"/>
+          <p:cNvSpPr>
+            <a:spLocks noGrp="1"/>
+          </p:cNvSpPr>
+          <p:nvPr>
+            <p:ph type="hdr" sz="quarter"/>
+          </p:nvPr>
+        </p:nvSpPr>
+        <p:spPr>
+          <a:xfrm>
+            <a:off x="0" y="0"/>
+            <a:ext cx="2971800" cy="458788"/>
+          </a:xfrm>
+          <a:prstGeom prst="rect">
+            <a:avLst/>
+          </a:prstGeom>
+        </p:spPr>
+        <p:txBody>
+          <a:bodyPr vert="horz" lIns="91440" tIns="45720" rIns="91440" bIns="45720" rtlCol="0"/>
+          <a:lstStyle>
+            <a:lvl1pPr algn="l">
+              <a:defRPr sz="1200"/>
+            </a:lvl1pPr>
+          </a:lstStyle>
+          <a:p>
+            <a:endParaRPr lang="de-DE"/>
+          </a:p>
+        </p:txBody>
+      </p:sp>
+      <p:sp>
+        <p:nvSpPr>
+          <p:cNvPr id="3" name="Datumsplatzhalter 2"/>
+          <p:cNvSpPr>
+            <a:spLocks noGrp="1"/>
+          </p:cNvSpPr>
+          <p:nvPr>
+            <p:ph type="dt" idx="1"/>
+          </p:nvPr>
+        </p:nvSpPr>
+        <p:spPr>
+          <a:xfrm>
+            <a:off x="3884613" y="0"/>
+            <a:ext cx="2971800" cy="458788"/>
+          </a:xfrm>
+          <a:prstGeom prst="rect">
+            <a:avLst/>
+          </a:prstGeom>
+        </p:spPr>
+        <p:txBody>
+          <a:bodyPr vert="horz" lIns="91440" tIns="45720" rIns="91440" bIns="45720" rtlCol="0"/>
+          <a:lstStyle>
+            <a:lvl1pPr algn="r">
+              <a:defRPr sz="1200"/>
+            </a:lvl1pPr>
+          </a:lstStyle>
+          <a:p>
+            <a:fld id="{6584E7B2-9624-D04F-9833-6D05D714EB80}" type="datetimeFigureOut">
+              <a:rPr lang="de-DE" smtClean="0"/>
+              <a:t>28.07.21</a:t>
+            </a:fld>
+            <a:endParaRPr lang="de-DE"/>
+          </a:p>
+        </p:txBody>
+      </p:sp>
+      <p:sp>
+        <p:nvSpPr>
+          <p:cNvPr id="4" name="Folienbildplatzhalter 3"/>
+          <p:cNvSpPr>
+            <a:spLocks noGrp="1" noRot="1" noChangeAspect="1"/>
+          </p:cNvSpPr>
+          <p:nvPr>
+            <p:ph type="sldImg" idx="2"/>
+          </p:nvPr>
+        </p:nvSpPr>
+        <p:spPr>
+          <a:xfrm>
+            <a:off x="685800" y="1143000"/>
+            <a:ext cx="5486400" cy="3086100"/>
+          </a:xfrm>
+          <a:prstGeom prst="rect">
+            <a:avLst/>
+          </a:prstGeom>
+          <a:noFill/>
+          <a:ln w="12700">
+            <a:solidFill>
+              <a:prstClr val="black"/>
+            </a:solidFill>
+          </a:ln>
+        </p:spPr>
+        <p:txBody>
+          <a:bodyPr vert="horz" lIns="91440" tIns="45720" rIns="91440" bIns="45720" rtlCol="0" anchor="ctr"/>
+          <a:lstStyle/>
+          <a:p>
+            <a:endParaRPr lang="de-DE"/>
+          </a:p>
+        </p:txBody>
+      </p:sp>
+      <p:sp>
+        <p:nvSpPr>
+          <p:cNvPr id="5" name="Notizenplatzhalter 4"/>
+          <p:cNvSpPr>
+            <a:spLocks noGrp="1"/>
+          </p:cNvSpPr>
+          <p:nvPr>
+            <p:ph type="body" sz="quarter" idx="3"/>
+          </p:nvPr>
+        </p:nvSpPr>
+        <p:spPr>
+          <a:xfrm>
+            <a:off x="685800" y="4400550"/>
+            <a:ext cx="5486400" cy="3600450"/>
+          </a:xfrm>
+          <a:prstGeom prst="rect">
+            <a:avLst/>
+          </a:prstGeom>
+        </p:spPr>
+        <p:txBody>
+          <a:bodyPr vert="horz" lIns="91440" tIns="45720" rIns="91440" bIns="45720" rtlCol="0"/>
+          <a:lstStyle/>
+          <a:p>
+            <a:pPr lvl="0"/>
+            <a:r>
+              <a:rPr lang="de-DE"/>
+              <a:t>Mastertextformat bearbeiten</a:t>
+            </a:r>
+          </a:p>
+          <a:p>
+            <a:pPr lvl="1"/>
+            <a:r>
+              <a:rPr lang="de-DE"/>
+              <a:t>Zweite Ebene</a:t>
+            </a:r>
+          </a:p>
+          <a:p>
+            <a:pPr lvl="2"/>
+            <a:r>
+              <a:rPr lang="de-DE"/>
+              <a:t>Dritte Ebene</a:t>
+            </a:r>
+          </a:p>
+          <a:p>
+            <a:pPr lvl="3"/>
+            <a:r>
+              <a:rPr lang="de-DE"/>
+              <a:t>Vierte Ebene</a:t>
+            </a:r>
+          </a:p>
+          <a:p>
+            <a:pPr lvl="4"/>
+            <a:r>
+              <a:rPr lang="de-DE"/>
+              <a:t>Fünfte Ebene</a:t>
+            </a:r>
+          </a:p>
+        </p:txBody>
+      </p:sp>
+      <p:sp>
+        <p:nvSpPr>
+          <p:cNvPr id="6" name="Fußzeilenplatzhalter 5"/>
+          <p:cNvSpPr>
+            <a:spLocks noGrp="1"/>
+          </p:cNvSpPr>
+          <p:nvPr>
+            <p:ph type="ftr" sz="quarter" idx="4"/>
+          </p:nvPr>
+        </p:nvSpPr>
+        <p:spPr>
+          <a:xfrm>
+            <a:off x="0" y="8685213"/>
+            <a:ext cx="2971800" cy="458787"/>
+          </a:xfrm>
+          <a:prstGeom prst="rect">
+            <a:avLst/>
+          </a:prstGeom>
+        </p:spPr>
+        <p:txBody>
+          <a:bodyPr vert="horz" lIns="91440" tIns="45720" rIns="91440" bIns="45720" rtlCol="0" anchor="b"/>
+          <a:lstStyle>
+            <a:lvl1pPr algn="l">
+              <a:defRPr sz="1200"/>
+            </a:lvl1pPr>
+          </a:lstStyle>
+          <a:p>
+            <a:endParaRPr lang="de-DE"/>
+          </a:p>
+        </p:txBody>
+      </p:sp>
+      <p:sp>
+        <p:nvSpPr>
+          <p:cNvPr id="7" name="Foliennummernplatzhalter 6"/>
+          <p:cNvSpPr>
+            <a:spLocks noGrp="1"/>
+          </p:cNvSpPr>
+          <p:nvPr>
+            <p:ph type="sldNum" sz="quarter" idx="5"/>
+          </p:nvPr>
+        </p:nvSpPr>
+        <p:spPr>
+          <a:xfrm>
+            <a:off x="3884613" y="8685213"/>
+            <a:ext cx="2971800" cy="458787"/>
+          </a:xfrm>
+          <a:prstGeom prst="rect">
+            <a:avLst/>
+          </a:prstGeom>
+        </p:spPr>
+        <p:txBody>
+          <a:bodyPr vert="horz" lIns="91440" tIns="45720" rIns="91440" bIns="45720" rtlCol="0" anchor="b"/>
+          <a:lstStyle>
+            <a:lvl1pPr algn="r">
+              <a:defRPr sz="1200"/>
+            </a:lvl1pPr>
+          </a:lstStyle>
+          <a:p>
+            <a:fld id="{A23C4672-8746-0942-A132-FB5FC8CFB8B6}" type="slidenum">
+              <a:rPr lang="de-DE" smtClean="0"/>
+              <a:t>‹Nr.›</a:t>
+            </a:fld>
+            <a:endParaRPr lang="de-DE"/>
+          </a:p>
+        </p:txBody>
+      </p:sp>
+    </p:spTree>
+    <p:extLst>
+      <p:ext uri="{BB962C8B-B14F-4D97-AF65-F5344CB8AC3E}">
+        <p14:creationId xmlns:p14="http://schemas.microsoft.com/office/powerpoint/2010/main" val="621450315"/>
+      </p:ext>
+    </p:extLst>
+  </p:cSld>
+  <p:clrMap bg1="lt1" tx1="dk1" bg2="lt2" tx2="dk2" accent1="accent1" accent2="accent2" accent3="accent3" accent4="accent4" accent5="accent5" accent6="accent6" hlink="hlink" folHlink="folHlink"/>
+  <p:notesStyle>
+    <a:lvl1pPr marL="0" algn="l" defTabSz="914400" rtl="0" eaLnBrk="1" latinLnBrk="0" hangingPunct="1">
+      <a:defRPr sz="1200" kern="1200">
+        <a:solidFill>
+          <a:schemeClr val="tx1"/>
+        </a:solidFill>
+        <a:latin typeface="+mn-lt"/>
+        <a:ea typeface="+mn-ea"/>
+        <a:cs typeface="+mn-cs"/>
+      </a:defRPr>
+    </a:lvl1pPr>
+    <a:lvl2pPr marL="457200" algn="l" defTabSz="914400" rtl="0" eaLnBrk="1" latinLnBrk="0" hangingPunct="1">
+      <a:defRPr sz="1200" kern="1200">
+        <a:solidFill>
+          <a:schemeClr val="tx1"/>
+        </a:solidFill>
+        <a:latin typeface="+mn-lt"/>
+        <a:ea typeface="+mn-ea"/>
+        <a:cs typeface="+mn-cs"/>
+      </a:defRPr>
+    </a:lvl2pPr>
+    <a:lvl3pPr marL="914400" algn="l" defTabSz="914400" rtl="0" eaLnBrk="1" latinLnBrk="0" hangingPunct="1">
+      <a:defRPr sz="1200" kern="1200">
+        <a:solidFill>
+          <a:schemeClr val="tx1"/>
+        </a:solidFill>
+        <a:latin typeface="+mn-lt"/>
+        <a:ea typeface="+mn-ea"/>
+        <a:cs typeface="+mn-cs"/>
+      </a:defRPr>
+    </a:lvl3pPr>
+    <a:lvl4pPr marL="1371600" algn="l" defTabSz="914400" rtl="0" eaLnBrk="1" latinLnBrk="0" hangingPunct="1">
+      <a:defRPr sz="1200" kern="1200">
+        <a:solidFill>
+          <a:schemeClr val="tx1"/>
+        </a:solidFill>
+        <a:latin typeface="+mn-lt"/>
+        <a:ea typeface="+mn-ea"/>
+        <a:cs typeface="+mn-cs"/>
+      </a:defRPr>
+    </a:lvl4pPr>
+    <a:lvl5pPr marL="1828800" algn="l" defTabSz="914400" rtl="0" eaLnBrk="1" latinLnBrk="0" hangingPunct="1">
+      <a:defRPr sz="1200" kern="1200">
+        <a:solidFill>
+          <a:schemeClr val="tx1"/>
+        </a:solidFill>
+        <a:latin typeface="+mn-lt"/>
+        <a:ea typeface="+mn-ea"/>
+        <a:cs typeface="+mn-cs"/>
+      </a:defRPr>
+    </a:lvl5pPr>
+    <a:lvl6pPr marL="2286000" algn="l" defTabSz="914400" rtl="0" eaLnBrk="1" latinLnBrk="0" hangingPunct="1">
+      <a:defRPr sz="1200" kern="1200">
+        <a:solidFill>
+          <a:schemeClr val="tx1"/>
+        </a:solidFill>
+        <a:latin typeface="+mn-lt"/>
+        <a:ea typeface="+mn-ea"/>
+        <a:cs typeface="+mn-cs"/>
+      </a:defRPr>
+    </a:lvl6pPr>
+    <a:lvl7pPr marL="2743200" algn="l" defTabSz="914400" rtl="0" eaLnBrk="1" latinLnBrk="0" hangingPunct="1">
+      <a:defRPr sz="1200" kern="1200">
+        <a:solidFill>
+          <a:schemeClr val="tx1"/>
+        </a:solidFill>
+        <a:latin typeface="+mn-lt"/>
+        <a:ea typeface="+mn-ea"/>
+        <a:cs typeface="+mn-cs"/>
+      </a:defRPr>
+    </a:lvl7pPr>
+    <a:lvl8pPr marL="3200400" algn="l" defTabSz="914400" rtl="0" eaLnBrk="1" latinLnBrk="0" hangingPunct="1">
+      <a:defRPr sz="1200" kern="1200">
+        <a:solidFill>
+          <a:schemeClr val="tx1"/>
+        </a:solidFill>
+        <a:latin typeface="+mn-lt"/>
+        <a:ea typeface="+mn-ea"/>
+        <a:cs typeface="+mn-cs"/>
+      </a:defRPr>
+    </a:lvl8pPr>
+    <a:lvl9pPr marL="3657600" algn="l" defTabSz="914400" rtl="0" eaLnBrk="1" latinLnBrk="0" hangingPunct="1">
+      <a:defRPr sz="1200" kern="1200">
+        <a:solidFill>
+          <a:schemeClr val="tx1"/>
+        </a:solidFill>
+        <a:latin typeface="+mn-lt"/>
+        <a:ea typeface="+mn-ea"/>
+        <a:cs typeface="+mn-cs"/>
+      </a:defRPr>
+    </a:lvl9pPr>
+  </p:notesStyle>
+</p:notesMaster>
+</file>
+
+<file path=ppt/notesSlides/notesSlide1.xml><?xml version="1.0" encoding="utf-8"?>
+<p:notes xmlns:a="http://schemas.openxmlformats.org/drawingml/2006/main" xmlns:r="http://schemas.openxmlformats.org/officeDocument/2006/relationships" xmlns:p="http://schemas.openxmlformats.org/presentationml/2006/main">
+  <p:cSld>
+    <p:spTree>
+      <p:nvGrpSpPr>
+        <p:cNvPr id="1" name=""/>
+        <p:cNvGrpSpPr/>
+        <p:nvPr/>
+      </p:nvGrpSpPr>
+      <p:grpSpPr>
+        <a:xfrm>
+          <a:off x="0" y="0"/>
+          <a:ext cx="0" cy="0"/>
+          <a:chOff x="0" y="0"/>
+          <a:chExt cx="0" cy="0"/>
+        </a:xfrm>
+      </p:grpSpPr>
+      <p:sp>
+        <p:nvSpPr>
+          <p:cNvPr id="2" name="Folienbildplatzhalter 1"/>
+          <p:cNvSpPr>
+            <a:spLocks noGrp="1" noRot="1" noChangeAspect="1"/>
+          </p:cNvSpPr>
+          <p:nvPr>
+            <p:ph type="sldImg"/>
+          </p:nvPr>
+        </p:nvSpPr>
+        <p:spPr/>
+      </p:sp>
+      <p:sp>
+        <p:nvSpPr>
+          <p:cNvPr id="3" name="Notizenplatzhalter 2"/>
+          <p:cNvSpPr>
+            <a:spLocks noGrp="1"/>
+          </p:cNvSpPr>
+          <p:nvPr>
+            <p:ph type="body" idx="1"/>
+          </p:nvPr>
+        </p:nvSpPr>
+        <p:spPr/>
+        <p:txBody>
+          <a:bodyPr/>
+          <a:lstStyle/>
+          <a:p>
+            <a:endParaRPr lang="de-DE" dirty="0"/>
+          </a:p>
+        </p:txBody>
+      </p:sp>
+      <p:sp>
+        <p:nvSpPr>
+          <p:cNvPr id="4" name="Foliennummernplatzhalter 3"/>
+          <p:cNvSpPr>
+            <a:spLocks noGrp="1"/>
+          </p:cNvSpPr>
+          <p:nvPr>
+            <p:ph type="sldNum" sz="quarter" idx="5"/>
+          </p:nvPr>
+        </p:nvSpPr>
+        <p:spPr/>
+        <p:txBody>
+          <a:bodyPr/>
+          <a:lstStyle/>
+          <a:p>
+            <a:fld id="{A23C4672-8746-0942-A132-FB5FC8CFB8B6}" type="slidenum">
+              <a:rPr lang="de-DE" smtClean="0"/>
+              <a:t>4</a:t>
+            </a:fld>
+            <a:endParaRPr lang="de-DE"/>
+          </a:p>
+        </p:txBody>
+      </p:sp>
+    </p:spTree>
+    <p:extLst>
+      <p:ext uri="{BB962C8B-B14F-4D97-AF65-F5344CB8AC3E}">
+        <p14:creationId xmlns:p14="http://schemas.microsoft.com/office/powerpoint/2010/main" val="1839873412"/>
+      </p:ext>
+    </p:extLst>
+  </p:cSld>
+  <p:clrMapOvr>
+    <a:masterClrMapping/>
+  </p:clrMapOvr>
+</p:notes>
 </file>
 
 <file path=ppt/slideLayouts/slideLayout1.xml><?xml version="1.0" encoding="utf-8"?>
@@ -565,7 +1005,7 @@
           <a:p>
             <a:fld id="{D4AD37E9-5A10-49A7-855D-CAA2D2E848B6}" type="datetimeFigureOut">
               <a:rPr lang="de-DE" smtClean="0"/>
-              <a:t>20.07.2021</a:t>
+              <a:t>28.07.21</a:t>
             </a:fld>
             <a:endParaRPr lang="de-DE"/>
           </a:p>
@@ -846,7 +1286,7 @@
           <a:p>
             <a:fld id="{D4AD37E9-5A10-49A7-855D-CAA2D2E848B6}" type="datetimeFigureOut">
               <a:rPr lang="de-DE" smtClean="0"/>
-              <a:t>20.07.2021</a:t>
+              <a:t>28.07.21</a:t>
             </a:fld>
             <a:endParaRPr lang="de-DE"/>
           </a:p>
@@ -1038,7 +1478,7 @@
           <a:p>
             <a:fld id="{D4AD37E9-5A10-49A7-855D-CAA2D2E848B6}" type="datetimeFigureOut">
               <a:rPr lang="de-DE" smtClean="0"/>
-              <a:t>20.07.2021</a:t>
+              <a:t>28.07.21</a:t>
             </a:fld>
             <a:endParaRPr lang="de-DE"/>
           </a:p>
@@ -1299,7 +1739,7 @@
           <a:p>
             <a:fld id="{D4AD37E9-5A10-49A7-855D-CAA2D2E848B6}" type="datetimeFigureOut">
               <a:rPr lang="de-DE" smtClean="0"/>
-              <a:t>20.07.2021</a:t>
+              <a:t>28.07.21</a:t>
             </a:fld>
             <a:endParaRPr lang="de-DE"/>
           </a:p>
@@ -1725,7 +2165,7 @@
           <a:p>
             <a:fld id="{D4AD37E9-5A10-49A7-855D-CAA2D2E848B6}" type="datetimeFigureOut">
               <a:rPr lang="de-DE" smtClean="0"/>
-              <a:t>20.07.2021</a:t>
+              <a:t>28.07.21</a:t>
             </a:fld>
             <a:endParaRPr lang="de-DE"/>
           </a:p>
@@ -2271,7 +2711,7 @@
           <a:p>
             <a:fld id="{D4AD37E9-5A10-49A7-855D-CAA2D2E848B6}" type="datetimeFigureOut">
               <a:rPr lang="de-DE" smtClean="0"/>
-              <a:t>20.07.2021</a:t>
+              <a:t>28.07.21</a:t>
             </a:fld>
             <a:endParaRPr lang="de-DE"/>
           </a:p>
@@ -3102,7 +3542,7 @@
           <a:p>
             <a:fld id="{D4AD37E9-5A10-49A7-855D-CAA2D2E848B6}" type="datetimeFigureOut">
               <a:rPr lang="de-DE" smtClean="0"/>
-              <a:t>20.07.2021</a:t>
+              <a:t>28.07.21</a:t>
             </a:fld>
             <a:endParaRPr lang="de-DE"/>
           </a:p>
@@ -3272,7 +3712,7 @@
           <a:p>
             <a:fld id="{D4AD37E9-5A10-49A7-855D-CAA2D2E848B6}" type="datetimeFigureOut">
               <a:rPr lang="de-DE" smtClean="0"/>
-              <a:t>20.07.2021</a:t>
+              <a:t>28.07.21</a:t>
             </a:fld>
             <a:endParaRPr lang="de-DE"/>
           </a:p>
@@ -3452,7 +3892,7 @@
           <a:p>
             <a:fld id="{D4AD37E9-5A10-49A7-855D-CAA2D2E848B6}" type="datetimeFigureOut">
               <a:rPr lang="de-DE" smtClean="0"/>
-              <a:t>20.07.2021</a:t>
+              <a:t>28.07.21</a:t>
             </a:fld>
             <a:endParaRPr lang="de-DE"/>
           </a:p>
@@ -3622,7 +4062,7 @@
           <a:p>
             <a:fld id="{D4AD37E9-5A10-49A7-855D-CAA2D2E848B6}" type="datetimeFigureOut">
               <a:rPr lang="de-DE" smtClean="0"/>
-              <a:t>20.07.2021</a:t>
+              <a:t>28.07.21</a:t>
             </a:fld>
             <a:endParaRPr lang="de-DE"/>
           </a:p>
@@ -3879,7 +4319,7 @@
           <a:p>
             <a:fld id="{D4AD37E9-5A10-49A7-855D-CAA2D2E848B6}" type="datetimeFigureOut">
               <a:rPr lang="de-DE" smtClean="0"/>
-              <a:t>20.07.2021</a:t>
+              <a:t>28.07.21</a:t>
             </a:fld>
             <a:endParaRPr lang="de-DE"/>
           </a:p>
@@ -4111,7 +4551,7 @@
           <a:p>
             <a:fld id="{D4AD37E9-5A10-49A7-855D-CAA2D2E848B6}" type="datetimeFigureOut">
               <a:rPr lang="de-DE" smtClean="0"/>
-              <a:t>20.07.2021</a:t>
+              <a:t>28.07.21</a:t>
             </a:fld>
             <a:endParaRPr lang="de-DE"/>
           </a:p>
@@ -4504,7 +4944,7 @@
           <a:p>
             <a:fld id="{D4AD37E9-5A10-49A7-855D-CAA2D2E848B6}" type="datetimeFigureOut">
               <a:rPr lang="de-DE" smtClean="0"/>
-              <a:t>20.07.2021</a:t>
+              <a:t>28.07.21</a:t>
             </a:fld>
             <a:endParaRPr lang="de-DE"/>
           </a:p>
@@ -4622,7 +5062,7 @@
           <a:p>
             <a:fld id="{D4AD37E9-5A10-49A7-855D-CAA2D2E848B6}" type="datetimeFigureOut">
               <a:rPr lang="de-DE" smtClean="0"/>
-              <a:t>20.07.2021</a:t>
+              <a:t>28.07.21</a:t>
             </a:fld>
             <a:endParaRPr lang="de-DE"/>
           </a:p>
@@ -4717,7 +5157,7 @@
           <a:p>
             <a:fld id="{D4AD37E9-5A10-49A7-855D-CAA2D2E848B6}" type="datetimeFigureOut">
               <a:rPr lang="de-DE" smtClean="0"/>
-              <a:t>20.07.2021</a:t>
+              <a:t>28.07.21</a:t>
             </a:fld>
             <a:endParaRPr lang="de-DE"/>
           </a:p>
@@ -4990,7 +5430,7 @@
           <a:p>
             <a:fld id="{D4AD37E9-5A10-49A7-855D-CAA2D2E848B6}" type="datetimeFigureOut">
               <a:rPr lang="de-DE" smtClean="0"/>
-              <a:t>20.07.2021</a:t>
+              <a:t>28.07.21</a:t>
             </a:fld>
             <a:endParaRPr lang="de-DE"/>
           </a:p>
@@ -5271,7 +5711,7 @@
           <a:p>
             <a:fld id="{D4AD37E9-5A10-49A7-855D-CAA2D2E848B6}" type="datetimeFigureOut">
               <a:rPr lang="de-DE" smtClean="0"/>
-              <a:t>20.07.2021</a:t>
+              <a:t>28.07.21</a:t>
             </a:fld>
             <a:endParaRPr lang="de-DE"/>
           </a:p>
@@ -5511,7 +5951,7 @@
           <a:p>
             <a:fld id="{D4AD37E9-5A10-49A7-855D-CAA2D2E848B6}" type="datetimeFigureOut">
               <a:rPr lang="de-DE" smtClean="0"/>
-              <a:t>20.07.2021</a:t>
+              <a:t>28.07.21</a:t>
             </a:fld>
             <a:endParaRPr lang="de-DE"/>
           </a:p>
@@ -6187,7 +6627,7 @@
           <a:p>
             <a:fld id="{D4AD37E9-5A10-49A7-855D-CAA2D2E848B6}" type="datetimeFigureOut">
               <a:rPr lang="de-DE" smtClean="0"/>
-              <a:t>20.07.2021</a:t>
+              <a:t>28.07.21</a:t>
             </a:fld>
             <a:endParaRPr lang="de-DE"/>
           </a:p>
@@ -6600,7 +7040,27 @@
                   </a:schemeClr>
                 </a:solidFill>
               </a:rPr>
-              <a:t>Das wirst du Lernen</a:t>
+              <a:t>Table </a:t>
+            </a:r>
+            <a:r>
+              <a:rPr lang="de-DE" sz="4400" dirty="0" err="1">
+                <a:solidFill>
+                  <a:schemeClr val="tx1">
+                    <a:lumMod val="95000"/>
+                  </a:schemeClr>
+                </a:solidFill>
+              </a:rPr>
+              <a:t>of</a:t>
+            </a:r>
+            <a:r>
+              <a:rPr lang="de-DE" sz="4400" dirty="0">
+                <a:solidFill>
+                  <a:schemeClr val="tx1">
+                    <a:lumMod val="95000"/>
+                  </a:schemeClr>
+                </a:solidFill>
+              </a:rPr>
+              <a:t> Content</a:t>
             </a:r>
           </a:p>
         </p:txBody>
@@ -6641,25 +7101,20 @@
                   </a:schemeClr>
                 </a:solidFill>
               </a:rPr>
-              <a:t>Methoden </a:t>
-            </a:r>
-            <a:r>
-              <a:rPr lang="de-DE" sz="2400">
+              <a:t>Was bringen uns Funktionen</a:t>
+            </a:r>
+          </a:p>
+          <a:p>
+            <a:r>
+              <a:rPr lang="de-DE" sz="2400" dirty="0">
                 <a:solidFill>
                   <a:schemeClr val="tx1">
                     <a:lumMod val="95000"/>
                   </a:schemeClr>
                 </a:solidFill>
               </a:rPr>
-              <a:t>definition</a:t>
-            </a:r>
-            <a:endParaRPr lang="de-DE" sz="2400" dirty="0">
-              <a:solidFill>
-                <a:schemeClr val="tx1">
-                  <a:lumMod val="95000"/>
-                </a:schemeClr>
-              </a:solidFill>
-            </a:endParaRPr>
+              <a:t>Aufbau von Funktionen</a:t>
+            </a:r>
           </a:p>
           <a:p>
             <a:r>
@@ -6670,7 +7125,7 @@
                   </a:schemeClr>
                 </a:solidFill>
               </a:rPr>
-              <a:t>Funktionsparameter</a:t>
+              <a:t>Funktions-Parameter</a:t>
             </a:r>
           </a:p>
           <a:p>
@@ -6682,7 +7137,7 @@
                   </a:schemeClr>
                 </a:solidFill>
               </a:rPr>
-              <a:t>Einblick in Objekte</a:t>
+              <a:t>Rückgabewert</a:t>
             </a:r>
           </a:p>
           <a:p>
@@ -6694,7 +7149,19 @@
                   </a:schemeClr>
                 </a:solidFill>
               </a:rPr>
-              <a:t>Default und Variable Parameter</a:t>
+              <a:t>Default-Parameter</a:t>
+            </a:r>
+          </a:p>
+          <a:p>
+            <a:r>
+              <a:rPr lang="de-DE" sz="2400" dirty="0">
+                <a:solidFill>
+                  <a:schemeClr val="tx1">
+                    <a:lumMod val="95000"/>
+                  </a:schemeClr>
+                </a:solidFill>
+              </a:rPr>
+              <a:t>Variable-Parameter</a:t>
             </a:r>
           </a:p>
           <a:p>
@@ -6736,7 +7203,7 @@
           <a:p>
             <a:fld id="{D4AD37E9-5A10-49A7-855D-CAA2D2E848B6}" type="datetimeFigureOut">
               <a:rPr lang="de-DE" smtClean="0"/>
-              <a:t>20.07.2021</a:t>
+              <a:t>28.07.21</a:t>
             </a:fld>
             <a:endParaRPr lang="de-DE"/>
           </a:p>
@@ -6837,9 +7304,6 @@
                     <p:cTn id="3" fill="hold">
                       <p:stCondLst>
                         <p:cond delay="indefinite"/>
-                        <p:cond evt="onBegin" delay="0">
-                          <p:tn val="2"/>
-                        </p:cond>
                       </p:stCondLst>
                       <p:childTnLst>
                         <p:par>
@@ -6849,571 +7313,7 @@
                             </p:stCondLst>
                             <p:childTnLst>
                               <p:par>
-                                <p:cTn id="5" presetID="10" presetClass="entr" presetSubtype="0" fill="hold" grpId="0" nodeType="afterEffect">
-                                  <p:stCondLst>
-                                    <p:cond delay="0"/>
-                                  </p:stCondLst>
-                                  <p:childTnLst>
-                                    <p:set>
-                                      <p:cBhvr>
-                                        <p:cTn id="6" dur="1" fill="hold">
-                                          <p:stCondLst>
-                                            <p:cond delay="0"/>
-                                          </p:stCondLst>
-                                        </p:cTn>
-                                        <p:tgtEl>
-                                          <p:spTgt spid="6">
-                                            <p:txEl>
-                                              <p:pRg st="0" end="0"/>
-                                            </p:txEl>
-                                          </p:spTgt>
-                                        </p:tgtEl>
-                                        <p:attrNameLst>
-                                          <p:attrName>style.visibility</p:attrName>
-                                        </p:attrNameLst>
-                                      </p:cBhvr>
-                                      <p:to>
-                                        <p:strVal val="visible"/>
-                                      </p:to>
-                                    </p:set>
-                                    <p:animEffect transition="in" filter="fade">
-                                      <p:cBhvr>
-                                        <p:cTn id="7" dur="500"/>
-                                        <p:tgtEl>
-                                          <p:spTgt spid="6">
-                                            <p:txEl>
-                                              <p:pRg st="0" end="0"/>
-                                            </p:txEl>
-                                          </p:spTgt>
-                                        </p:tgtEl>
-                                      </p:cBhvr>
-                                    </p:animEffect>
-                                  </p:childTnLst>
-                                </p:cTn>
-                              </p:par>
-                            </p:childTnLst>
-                          </p:cTn>
-                        </p:par>
-                      </p:childTnLst>
-                    </p:cTn>
-                  </p:par>
-                  <p:par>
-                    <p:cTn id="8" fill="hold">
-                      <p:stCondLst>
-                        <p:cond delay="indefinite"/>
-                      </p:stCondLst>
-                      <p:childTnLst>
-                        <p:par>
-                          <p:cTn id="9" fill="hold">
-                            <p:stCondLst>
-                              <p:cond delay="0"/>
-                            </p:stCondLst>
-                            <p:childTnLst>
-                              <p:par>
-                                <p:cTn id="10" presetID="10" presetClass="entr" presetSubtype="0" fill="hold" grpId="0" nodeType="clickEffect">
-                                  <p:stCondLst>
-                                    <p:cond delay="0"/>
-                                  </p:stCondLst>
-                                  <p:childTnLst>
-                                    <p:set>
-                                      <p:cBhvr>
-                                        <p:cTn id="11" dur="1" fill="hold">
-                                          <p:stCondLst>
-                                            <p:cond delay="0"/>
-                                          </p:stCondLst>
-                                        </p:cTn>
-                                        <p:tgtEl>
-                                          <p:spTgt spid="6">
-                                            <p:txEl>
-                                              <p:pRg st="1" end="1"/>
-                                            </p:txEl>
-                                          </p:spTgt>
-                                        </p:tgtEl>
-                                        <p:attrNameLst>
-                                          <p:attrName>style.visibility</p:attrName>
-                                        </p:attrNameLst>
-                                      </p:cBhvr>
-                                      <p:to>
-                                        <p:strVal val="visible"/>
-                                      </p:to>
-                                    </p:set>
-                                    <p:animEffect transition="in" filter="fade">
-                                      <p:cBhvr>
-                                        <p:cTn id="12" dur="500"/>
-                                        <p:tgtEl>
-                                          <p:spTgt spid="6">
-                                            <p:txEl>
-                                              <p:pRg st="1" end="1"/>
-                                            </p:txEl>
-                                          </p:spTgt>
-                                        </p:tgtEl>
-                                      </p:cBhvr>
-                                    </p:animEffect>
-                                  </p:childTnLst>
-                                </p:cTn>
-                              </p:par>
-                            </p:childTnLst>
-                          </p:cTn>
-                        </p:par>
-                      </p:childTnLst>
-                    </p:cTn>
-                  </p:par>
-                  <p:par>
-                    <p:cTn id="13" fill="hold">
-                      <p:stCondLst>
-                        <p:cond delay="indefinite"/>
-                      </p:stCondLst>
-                      <p:childTnLst>
-                        <p:par>
-                          <p:cTn id="14" fill="hold">
-                            <p:stCondLst>
-                              <p:cond delay="0"/>
-                            </p:stCondLst>
-                            <p:childTnLst>
-                              <p:par>
-                                <p:cTn id="15" presetID="10" presetClass="entr" presetSubtype="0" fill="hold" grpId="0" nodeType="clickEffect">
-                                  <p:stCondLst>
-                                    <p:cond delay="0"/>
-                                  </p:stCondLst>
-                                  <p:childTnLst>
-                                    <p:set>
-                                      <p:cBhvr>
-                                        <p:cTn id="16" dur="1" fill="hold">
-                                          <p:stCondLst>
-                                            <p:cond delay="0"/>
-                                          </p:stCondLst>
-                                        </p:cTn>
-                                        <p:tgtEl>
-                                          <p:spTgt spid="6">
-                                            <p:txEl>
-                                              <p:pRg st="2" end="2"/>
-                                            </p:txEl>
-                                          </p:spTgt>
-                                        </p:tgtEl>
-                                        <p:attrNameLst>
-                                          <p:attrName>style.visibility</p:attrName>
-                                        </p:attrNameLst>
-                                      </p:cBhvr>
-                                      <p:to>
-                                        <p:strVal val="visible"/>
-                                      </p:to>
-                                    </p:set>
-                                    <p:animEffect transition="in" filter="fade">
-                                      <p:cBhvr>
-                                        <p:cTn id="17" dur="500"/>
-                                        <p:tgtEl>
-                                          <p:spTgt spid="6">
-                                            <p:txEl>
-                                              <p:pRg st="2" end="2"/>
-                                            </p:txEl>
-                                          </p:spTgt>
-                                        </p:tgtEl>
-                                      </p:cBhvr>
-                                    </p:animEffect>
-                                  </p:childTnLst>
-                                </p:cTn>
-                              </p:par>
-                            </p:childTnLst>
-                          </p:cTn>
-                        </p:par>
-                      </p:childTnLst>
-                    </p:cTn>
-                  </p:par>
-                  <p:par>
-                    <p:cTn id="18" fill="hold">
-                      <p:stCondLst>
-                        <p:cond delay="indefinite"/>
-                      </p:stCondLst>
-                      <p:childTnLst>
-                        <p:par>
-                          <p:cTn id="19" fill="hold">
-                            <p:stCondLst>
-                              <p:cond delay="0"/>
-                            </p:stCondLst>
-                            <p:childTnLst>
-                              <p:par>
-                                <p:cTn id="20" presetID="10" presetClass="entr" presetSubtype="0" fill="hold" grpId="0" nodeType="clickEffect">
-                                  <p:stCondLst>
-                                    <p:cond delay="0"/>
-                                  </p:stCondLst>
-                                  <p:childTnLst>
-                                    <p:set>
-                                      <p:cBhvr>
-                                        <p:cTn id="21" dur="1" fill="hold">
-                                          <p:stCondLst>
-                                            <p:cond delay="0"/>
-                                          </p:stCondLst>
-                                        </p:cTn>
-                                        <p:tgtEl>
-                                          <p:spTgt spid="6">
-                                            <p:txEl>
-                                              <p:pRg st="3" end="3"/>
-                                            </p:txEl>
-                                          </p:spTgt>
-                                        </p:tgtEl>
-                                        <p:attrNameLst>
-                                          <p:attrName>style.visibility</p:attrName>
-                                        </p:attrNameLst>
-                                      </p:cBhvr>
-                                      <p:to>
-                                        <p:strVal val="visible"/>
-                                      </p:to>
-                                    </p:set>
-                                    <p:animEffect transition="in" filter="fade">
-                                      <p:cBhvr>
-                                        <p:cTn id="22" dur="500"/>
-                                        <p:tgtEl>
-                                          <p:spTgt spid="6">
-                                            <p:txEl>
-                                              <p:pRg st="3" end="3"/>
-                                            </p:txEl>
-                                          </p:spTgt>
-                                        </p:tgtEl>
-                                      </p:cBhvr>
-                                    </p:animEffect>
-                                  </p:childTnLst>
-                                </p:cTn>
-                              </p:par>
-                            </p:childTnLst>
-                          </p:cTn>
-                        </p:par>
-                      </p:childTnLst>
-                    </p:cTn>
-                  </p:par>
-                </p:childTnLst>
-              </p:cTn>
-              <p:prevCondLst>
-                <p:cond evt="onPrev" delay="0">
-                  <p:tgtEl>
-                    <p:sldTgt/>
-                  </p:tgtEl>
-                </p:cond>
-              </p:prevCondLst>
-              <p:nextCondLst>
-                <p:cond evt="onNext" delay="0">
-                  <p:tgtEl>
-                    <p:sldTgt/>
-                  </p:tgtEl>
-                </p:cond>
-              </p:nextCondLst>
-            </p:seq>
-          </p:childTnLst>
-        </p:cTn>
-      </p:par>
-    </p:tnLst>
-    <p:bldLst>
-      <p:bldP spid="6" grpId="0" uiExpand="1" build="p"/>
-    </p:bldLst>
-  </p:timing>
-</p:sld>
-</file>
-
-<file path=ppt/slides/slide3.xml><?xml version="1.0" encoding="utf-8"?>
-<p:sld xmlns:a="http://schemas.openxmlformats.org/drawingml/2006/main" xmlns:r="http://schemas.openxmlformats.org/officeDocument/2006/relationships" xmlns:p="http://schemas.openxmlformats.org/presentationml/2006/main">
-  <p:cSld>
-    <p:spTree>
-      <p:nvGrpSpPr>
-        <p:cNvPr id="1" name=""/>
-        <p:cNvGrpSpPr/>
-        <p:nvPr/>
-      </p:nvGrpSpPr>
-      <p:grpSpPr>
-        <a:xfrm>
-          <a:off x="0" y="0"/>
-          <a:ext cx="0" cy="0"/>
-          <a:chOff x="0" y="0"/>
-          <a:chExt cx="0" cy="0"/>
-        </a:xfrm>
-      </p:grpSpPr>
-      <p:sp>
-        <p:nvSpPr>
-          <p:cNvPr id="5" name="Titel 4">
-            <a:extLst>
-              <a:ext uri="{FF2B5EF4-FFF2-40B4-BE49-F238E27FC236}">
-                <a16:creationId xmlns:a16="http://schemas.microsoft.com/office/drawing/2014/main" id="{BDF2C912-E02F-4E1F-82DF-351A88BA5B31}"/>
-              </a:ext>
-            </a:extLst>
-          </p:cNvPr>
-          <p:cNvSpPr>
-            <a:spLocks noGrp="1"/>
-          </p:cNvSpPr>
-          <p:nvPr>
-            <p:ph type="title"/>
-          </p:nvPr>
-        </p:nvSpPr>
-        <p:spPr>
-          <a:xfrm>
-            <a:off x="838200" y="365125"/>
-            <a:ext cx="7958667" cy="1137104"/>
-          </a:xfrm>
-        </p:spPr>
-        <p:txBody>
-          <a:bodyPr anchor="b">
-            <a:normAutofit/>
-          </a:bodyPr>
-          <a:lstStyle/>
-          <a:p>
-            <a:r>
-              <a:rPr lang="de-DE" sz="4400" dirty="0">
-                <a:solidFill>
-                  <a:schemeClr val="tx1">
-                    <a:lumMod val="95000"/>
-                  </a:schemeClr>
-                </a:solidFill>
-              </a:rPr>
-              <a:t>Ohne Funktionen</a:t>
-            </a:r>
-          </a:p>
-        </p:txBody>
-      </p:sp>
-      <p:sp>
-        <p:nvSpPr>
-          <p:cNvPr id="6" name="Inhaltsplatzhalter 5">
-            <a:extLst>
-              <a:ext uri="{FF2B5EF4-FFF2-40B4-BE49-F238E27FC236}">
-                <a16:creationId xmlns:a16="http://schemas.microsoft.com/office/drawing/2014/main" id="{67FD4DD5-46C1-4974-A569-BB95F27DCC4F}"/>
-              </a:ext>
-            </a:extLst>
-          </p:cNvPr>
-          <p:cNvSpPr>
-            <a:spLocks noGrp="1"/>
-          </p:cNvSpPr>
-          <p:nvPr>
-            <p:ph idx="1"/>
-          </p:nvPr>
-        </p:nvSpPr>
-        <p:spPr>
-          <a:xfrm>
-            <a:off x="838200" y="1825625"/>
-            <a:ext cx="7958667" cy="4351338"/>
-          </a:xfrm>
-        </p:spPr>
-        <p:txBody>
-          <a:bodyPr>
-            <a:normAutofit/>
-          </a:bodyPr>
-          <a:lstStyle/>
-          <a:p>
-            <a:r>
-              <a:rPr lang="de-DE" sz="2400" dirty="0">
-                <a:solidFill>
-                  <a:schemeClr val="tx1">
-                    <a:lumMod val="95000"/>
-                  </a:schemeClr>
-                </a:solidFill>
-              </a:rPr>
-              <a:t>Spagetti-Code </a:t>
-            </a:r>
-          </a:p>
-          <a:p>
-            <a:r>
-              <a:rPr lang="de-DE" sz="2400" dirty="0">
-                <a:solidFill>
-                  <a:schemeClr val="tx1">
-                    <a:lumMod val="95000"/>
-                  </a:schemeClr>
-                </a:solidFill>
-              </a:rPr>
-              <a:t>Unübersichtlich</a:t>
-            </a:r>
-          </a:p>
-          <a:p>
-            <a:r>
-              <a:rPr lang="de-DE" sz="2400" dirty="0">
-                <a:solidFill>
-                  <a:schemeClr val="tx1">
-                    <a:lumMod val="95000"/>
-                  </a:schemeClr>
-                </a:solidFill>
-              </a:rPr>
-              <a:t>Im Späteren verlauf nicht mehr Wartbar</a:t>
-            </a:r>
-          </a:p>
-          <a:p>
-            <a:r>
-              <a:rPr lang="de-DE" sz="2400" dirty="0">
-                <a:solidFill>
-                  <a:schemeClr val="tx1">
-                    <a:lumMod val="95000"/>
-                  </a:schemeClr>
-                </a:solidFill>
-              </a:rPr>
-              <a:t>Schlecht bis Nicht Testbar</a:t>
-            </a:r>
-          </a:p>
-          <a:p>
-            <a:r>
-              <a:rPr lang="de-DE" sz="2400" dirty="0">
-                <a:solidFill>
-                  <a:schemeClr val="tx1">
-                    <a:lumMod val="95000"/>
-                  </a:schemeClr>
-                </a:solidFill>
-              </a:rPr>
-              <a:t>Code Duplizierung </a:t>
-            </a:r>
-          </a:p>
-          <a:p>
-            <a:endParaRPr lang="de-DE" sz="2000" dirty="0">
-              <a:solidFill>
-                <a:schemeClr val="tx1">
-                  <a:lumMod val="95000"/>
-                </a:schemeClr>
-              </a:solidFill>
-            </a:endParaRPr>
-          </a:p>
-        </p:txBody>
-      </p:sp>
-      <p:sp>
-        <p:nvSpPr>
-          <p:cNvPr id="7" name="Date Placeholder 3">
-            <a:extLst>
-              <a:ext uri="{FF2B5EF4-FFF2-40B4-BE49-F238E27FC236}">
-                <a16:creationId xmlns:a16="http://schemas.microsoft.com/office/drawing/2014/main" id="{18705B3C-262D-45A3-8C90-9FC26244A8CC}"/>
-              </a:ext>
-            </a:extLst>
-          </p:cNvPr>
-          <p:cNvSpPr>
-            <a:spLocks noGrp="1"/>
-          </p:cNvSpPr>
-          <p:nvPr>
-            <p:ph type="dt" sz="half" idx="10"/>
-          </p:nvPr>
-        </p:nvSpPr>
-        <p:spPr>
-          <a:xfrm>
-            <a:off x="838200" y="6356350"/>
-            <a:ext cx="2743200" cy="365125"/>
-          </a:xfrm>
-        </p:spPr>
-        <p:txBody>
-          <a:bodyPr/>
-          <a:lstStyle/>
-          <a:p>
-            <a:fld id="{D4AD37E9-5A10-49A7-855D-CAA2D2E848B6}" type="datetimeFigureOut">
-              <a:rPr lang="de-DE" smtClean="0"/>
-              <a:t>20.07.2021</a:t>
-            </a:fld>
-            <a:endParaRPr lang="de-DE"/>
-          </a:p>
-        </p:txBody>
-      </p:sp>
-      <p:sp>
-        <p:nvSpPr>
-          <p:cNvPr id="8" name="Footer Placeholder 4">
-            <a:extLst>
-              <a:ext uri="{FF2B5EF4-FFF2-40B4-BE49-F238E27FC236}">
-                <a16:creationId xmlns:a16="http://schemas.microsoft.com/office/drawing/2014/main" id="{6833897F-8945-43C1-8EE1-2E83FF8331D9}"/>
-              </a:ext>
-            </a:extLst>
-          </p:cNvPr>
-          <p:cNvSpPr>
-            <a:spLocks noGrp="1"/>
-          </p:cNvSpPr>
-          <p:nvPr>
-            <p:ph type="ftr" sz="quarter" idx="11"/>
-          </p:nvPr>
-        </p:nvSpPr>
-        <p:spPr>
-          <a:xfrm>
-            <a:off x="4038600" y="6356350"/>
-            <a:ext cx="4114800" cy="365125"/>
-          </a:xfrm>
-        </p:spPr>
-        <p:txBody>
-          <a:bodyPr/>
-          <a:lstStyle/>
-          <a:p>
-            <a:r>
-              <a:rPr lang="de-DE" sz="1200" dirty="0">
-                <a:solidFill>
-                  <a:schemeClr val="tx1">
-                    <a:lumMod val="95000"/>
-                  </a:schemeClr>
-                </a:solidFill>
-              </a:rPr>
-              <a:t>Funktionen </a:t>
-            </a:r>
-            <a:endParaRPr lang="en-US" sz="1200" dirty="0">
-              <a:solidFill>
-                <a:schemeClr val="tx1">
-                  <a:lumMod val="95000"/>
-                </a:schemeClr>
-              </a:solidFill>
-              <a:latin typeface="+mj-lt"/>
-            </a:endParaRPr>
-          </a:p>
-        </p:txBody>
-      </p:sp>
-      <p:sp>
-        <p:nvSpPr>
-          <p:cNvPr id="9" name="Slide Number Placeholder 5">
-            <a:extLst>
-              <a:ext uri="{FF2B5EF4-FFF2-40B4-BE49-F238E27FC236}">
-                <a16:creationId xmlns:a16="http://schemas.microsoft.com/office/drawing/2014/main" id="{4CB1546C-41E9-4CE9-A31D-18CB078FE5F0}"/>
-              </a:ext>
-            </a:extLst>
-          </p:cNvPr>
-          <p:cNvSpPr>
-            <a:spLocks noGrp="1"/>
-          </p:cNvSpPr>
-          <p:nvPr>
-            <p:ph type="sldNum" sz="quarter" idx="12"/>
-          </p:nvPr>
-        </p:nvSpPr>
-        <p:spPr>
-          <a:xfrm>
-            <a:off x="8610600" y="6356350"/>
-            <a:ext cx="2743200" cy="365125"/>
-          </a:xfrm>
-        </p:spPr>
-        <p:txBody>
-          <a:bodyPr/>
-          <a:lstStyle/>
-          <a:p>
-            <a:fld id="{312A73BE-F097-4DBB-AEB2-4CC070160BA0}" type="slidenum">
-              <a:rPr lang="de-DE" smtClean="0"/>
-              <a:t>3</a:t>
-            </a:fld>
-            <a:endParaRPr lang="de-DE"/>
-          </a:p>
-        </p:txBody>
-      </p:sp>
-    </p:spTree>
-    <p:extLst>
-      <p:ext uri="{BB962C8B-B14F-4D97-AF65-F5344CB8AC3E}">
-        <p14:creationId xmlns:p14="http://schemas.microsoft.com/office/powerpoint/2010/main" val="2205865153"/>
-      </p:ext>
-    </p:extLst>
-  </p:cSld>
-  <p:clrMapOvr>
-    <a:masterClrMapping/>
-  </p:clrMapOvr>
-  <p:timing>
-    <p:tnLst>
-      <p:par>
-        <p:cTn id="1" dur="indefinite" restart="never" nodeType="tmRoot">
-          <p:childTnLst>
-            <p:seq concurrent="1" nextAc="seek">
-              <p:cTn id="2" dur="indefinite" nodeType="mainSeq">
-                <p:childTnLst>
-                  <p:par>
-                    <p:cTn id="3" fill="hold">
-                      <p:stCondLst>
-                        <p:cond delay="indefinite"/>
-                        <p:cond evt="onBegin" delay="0">
-                          <p:tn val="2"/>
-                        </p:cond>
-                      </p:stCondLst>
-                      <p:childTnLst>
-                        <p:par>
-                          <p:cTn id="4" fill="hold">
-                            <p:stCondLst>
-                              <p:cond delay="0"/>
-                            </p:stCondLst>
-                            <p:childTnLst>
-                              <p:par>
-                                <p:cTn id="5" presetID="10" presetClass="entr" presetSubtype="0" fill="hold" grpId="0" nodeType="afterEffect">
+                                <p:cTn id="5" presetID="10" presetClass="entr" presetSubtype="0" fill="hold" grpId="0" nodeType="clickEffect">
                                   <p:stCondLst>
                                     <p:cond delay="0"/>
                                   </p:stCondLst>
@@ -7705,6 +7605,67 @@
                       </p:childTnLst>
                     </p:cTn>
                   </p:par>
+                  <p:par>
+                    <p:cTn id="28" fill="hold">
+                      <p:stCondLst>
+                        <p:cond delay="indefinite"/>
+                      </p:stCondLst>
+                      <p:childTnLst>
+                        <p:par>
+                          <p:cTn id="29" fill="hold">
+                            <p:stCondLst>
+                              <p:cond delay="0"/>
+                            </p:stCondLst>
+                            <p:childTnLst>
+                              <p:par>
+                                <p:cTn id="30" presetID="10" presetClass="entr" presetSubtype="0" fill="hold" grpId="0" nodeType="clickEffect">
+                                  <p:stCondLst>
+                                    <p:cond delay="0"/>
+                                  </p:stCondLst>
+                                  <p:childTnLst>
+                                    <p:set>
+                                      <p:cBhvr>
+                                        <p:cTn id="31" dur="1" fill="hold">
+                                          <p:stCondLst>
+                                            <p:cond delay="0"/>
+                                          </p:stCondLst>
+                                        </p:cTn>
+                                        <p:tgtEl>
+                                          <p:spTgt spid="6">
+                                            <p:txEl>
+                                              <p:pRg st="5" end="5"/>
+                                            </p:txEl>
+                                          </p:spTgt>
+                                        </p:tgtEl>
+                                        <p:attrNameLst>
+                                          <p:attrName>style.visibility</p:attrName>
+                                        </p:attrNameLst>
+                                      </p:cBhvr>
+                                      <p:to>
+                                        <p:strVal val="visible"/>
+                                      </p:to>
+                                    </p:set>
+                                    <p:animEffect transition="in" filter="fade">
+                                      <p:cBhvr>
+                                        <p:cTn id="32" dur="500"/>
+                                        <p:tgtEl>
+                                          <p:spTgt spid="6">
+                                            <p:txEl>
+                                              <p:pRg st="5" end="5"/>
+                                            </p:txEl>
+                                          </p:spTgt>
+                                        </p:tgtEl>
+                                      </p:cBhvr>
+                                    </p:animEffect>
+                                  </p:childTnLst>
+                                </p:cTn>
+                              </p:par>
+                            </p:childTnLst>
+                          </p:cTn>
+                        </p:par>
+                      </p:childTnLst>
+                    </p:cTn>
+                  </p:par>
                 </p:childTnLst>
               </p:cTn>
               <p:prevCondLst>
@@ -7733,23 +7694,9 @@
 </p:sld>
 </file>
 
-<file path=ppt/slides/slide4.xml><?xml version="1.0" encoding="utf-8"?>
+<file path=ppt/slides/slide3.xml><?xml version="1.0" encoding="utf-8"?>
 <p:sld xmlns:a="http://schemas.openxmlformats.org/drawingml/2006/main" xmlns:r="http://schemas.openxmlformats.org/officeDocument/2006/relationships" xmlns:p="http://schemas.openxmlformats.org/presentationml/2006/main">
   <p:cSld>
-    <p:bg>
-      <p:bgPr>
-        <a:blipFill dpi="0" rotWithShape="1">
-          <a:blip r:embed="rId2">
-            <a:lum/>
-          </a:blip>
-          <a:srcRect/>
-          <a:stretch>
-            <a:fillRect/>
-          </a:stretch>
-        </a:blipFill>
-        <a:effectLst/>
-      </p:bgPr>
-    </p:bg>
     <p:spTree>
       <p:nvGrpSpPr>
         <p:cNvPr id="1" name=""/>
@@ -7764,160 +7711,6 @@
           <a:chExt cx="0" cy="0"/>
         </a:xfrm>
       </p:grpSpPr>
-      <p:sp useBgFill="1">
-        <p:nvSpPr>
-          <p:cNvPr id="11" name="Rectangle 10">
-            <a:extLst>
-              <a:ext uri="{FF2B5EF4-FFF2-40B4-BE49-F238E27FC236}">
-                <a16:creationId xmlns:a16="http://schemas.microsoft.com/office/drawing/2014/main" id="{6B2275DD-736C-472F-9D1B-3BA6016BFD7F}"/>
-              </a:ext>
-              <a:ext uri="{C183D7F6-B498-43B3-948B-1728B52AA6E4}">
-                <adec:decorative xmlns:adec="http://schemas.microsoft.com/office/drawing/2017/decorative" val="1"/>
-              </a:ext>
-            </a:extLst>
-          </p:cNvPr>
-          <p:cNvSpPr>
-            <a:spLocks noGrp="1" noRot="1" noChangeAspect="1" noMove="1" noResize="1" noEditPoints="1" noAdjustHandles="1" noChangeArrowheads="1" noChangeShapeType="1" noTextEdit="1"/>
-          </p:cNvSpPr>
-          <p:nvPr>
-            <p:extLst>
-              <p:ext uri="{386F3935-93C4-4BCD-93E2-E3B085C9AB24}">
-                <p16:designElem xmlns:p16="http://schemas.microsoft.com/office/powerpoint/2015/main" val="1"/>
-              </p:ext>
-            </p:extLst>
-          </p:nvPr>
-        </p:nvSpPr>
-        <p:spPr bwMode="white">
-          <a:xfrm>
-            <a:off x="0" y="0"/>
-            <a:ext cx="12192000" cy="6858000"/>
-          </a:xfrm>
-          <a:prstGeom prst="rect">
-            <a:avLst/>
-          </a:prstGeom>
-          <a:ln>
-            <a:noFill/>
-          </a:ln>
-        </p:spPr>
-        <p:style>
-          <a:lnRef idx="2">
-            <a:schemeClr val="accent1">
-              <a:shade val="50000"/>
-            </a:schemeClr>
-          </a:lnRef>
-          <a:fillRef idx="1">
-            <a:schemeClr val="accent1"/>
-          </a:fillRef>
-          <a:effectRef idx="0">
-            <a:schemeClr val="accent1"/>
-          </a:effectRef>
-          <a:fontRef idx="minor">
-            <a:schemeClr val="lt1"/>
-          </a:fontRef>
-        </p:style>
-        <p:txBody>
-          <a:bodyPr rtlCol="0" anchor="ctr"/>
-          <a:lstStyle>
-            <a:defPPr>
-              <a:defRPr lang="en-US"/>
-            </a:defPPr>
-            <a:lvl1pPr marL="0" algn="l" defTabSz="457200" rtl="0" eaLnBrk="1" latinLnBrk="0" hangingPunct="1">
-              <a:defRPr sz="1800" kern="1200">
-                <a:solidFill>
-                  <a:schemeClr val="lt1"/>
-                </a:solidFill>
-                <a:latin typeface="+mn-lt"/>
-                <a:ea typeface="+mn-ea"/>
-                <a:cs typeface="+mn-cs"/>
-              </a:defRPr>
-            </a:lvl1pPr>
-            <a:lvl2pPr marL="457200" algn="l" defTabSz="457200" rtl="0" eaLnBrk="1" latinLnBrk="0" hangingPunct="1">
-              <a:defRPr sz="1800" kern="1200">
-                <a:solidFill>
-                  <a:schemeClr val="lt1"/>
-                </a:solidFill>
-                <a:latin typeface="+mn-lt"/>
-                <a:ea typeface="+mn-ea"/>
-                <a:cs typeface="+mn-cs"/>
-              </a:defRPr>
-            </a:lvl2pPr>
-            <a:lvl3pPr marL="914400" algn="l" defTabSz="457200" rtl="0" eaLnBrk="1" latinLnBrk="0" hangingPunct="1">
-              <a:defRPr sz="1800" kern="1200">
-                <a:solidFill>
-                  <a:schemeClr val="lt1"/>
-                </a:solidFill>
-                <a:latin typeface="+mn-lt"/>
-                <a:ea typeface="+mn-ea"/>
-                <a:cs typeface="+mn-cs"/>
-              </a:defRPr>
-            </a:lvl3pPr>
-            <a:lvl4pPr marL="1371600" algn="l" defTabSz="457200" rtl="0" eaLnBrk="1" latinLnBrk="0" hangingPunct="1">
-              <a:defRPr sz="1800" kern="1200">
-                <a:solidFill>
-                  <a:schemeClr val="lt1"/>
-                </a:solidFill>
-                <a:latin typeface="+mn-lt"/>
-                <a:ea typeface="+mn-ea"/>
-                <a:cs typeface="+mn-cs"/>
-              </a:defRPr>
-            </a:lvl4pPr>
-            <a:lvl5pPr marL="1828800" algn="l" defTabSz="457200" rtl="0" eaLnBrk="1" latinLnBrk="0" hangingPunct="1">
-              <a:defRPr sz="1800" kern="1200">
-                <a:solidFill>
-                  <a:schemeClr val="lt1"/>
-                </a:solidFill>
-                <a:latin typeface="+mn-lt"/>
-                <a:ea typeface="+mn-ea"/>
-                <a:cs typeface="+mn-cs"/>
-              </a:defRPr>
-            </a:lvl5pPr>
-            <a:lvl6pPr marL="2286000" algn="l" defTabSz="457200" rtl="0" eaLnBrk="1" latinLnBrk="0" hangingPunct="1">
-              <a:defRPr sz="1800" kern="1200">
-                <a:solidFill>
-                  <a:schemeClr val="lt1"/>
-                </a:solidFill>
-                <a:latin typeface="+mn-lt"/>
-                <a:ea typeface="+mn-ea"/>
-                <a:cs typeface="+mn-cs"/>
-              </a:defRPr>
-            </a:lvl6pPr>
-            <a:lvl7pPr marL="2743200" algn="l" defTabSz="457200" rtl="0" eaLnBrk="1" latinLnBrk="0" hangingPunct="1">
-              <a:defRPr sz="1800" kern="1200">
-                <a:solidFill>
-                  <a:schemeClr val="lt1"/>
-                </a:solidFill>
-                <a:latin typeface="+mn-lt"/>
-                <a:ea typeface="+mn-ea"/>
-                <a:cs typeface="+mn-cs"/>
-              </a:defRPr>
-            </a:lvl7pPr>
-            <a:lvl8pPr marL="3200400" algn="l" defTabSz="457200" rtl="0" eaLnBrk="1" latinLnBrk="0" hangingPunct="1">
-              <a:defRPr sz="1800" kern="1200">
-                <a:solidFill>
-                  <a:schemeClr val="lt1"/>
-                </a:solidFill>
-                <a:latin typeface="+mn-lt"/>
-                <a:ea typeface="+mn-ea"/>
-                <a:cs typeface="+mn-cs"/>
-              </a:defRPr>
-            </a:lvl8pPr>
-            <a:lvl9pPr marL="3657600" algn="l" defTabSz="457200" rtl="0" eaLnBrk="1" latinLnBrk="0" hangingPunct="1">
-              <a:defRPr sz="1800" kern="1200">
-                <a:solidFill>
-                  <a:schemeClr val="lt1"/>
-                </a:solidFill>
-                <a:latin typeface="+mn-lt"/>
-                <a:ea typeface="+mn-ea"/>
-                <a:cs typeface="+mn-cs"/>
-              </a:defRPr>
-            </a:lvl9pPr>
-          </a:lstStyle>
-          <a:p>
-            <a:pPr algn="ctr"/>
-            <a:endParaRPr lang="en-US"/>
-          </a:p>
-        </p:txBody>
-      </p:sp>
       <p:sp>
         <p:nvSpPr>
           <p:cNvPr id="5" name="Titel 4">
@@ -7954,7 +7747,7 @@
                   </a:schemeClr>
                 </a:solidFill>
               </a:rPr>
-              <a:t>Mit Funktionen</a:t>
+              <a:t>Was bringen uns Funktionen</a:t>
             </a:r>
           </a:p>
         </p:txBody>
@@ -7977,8 +7770,8 @@
         </p:nvSpPr>
         <p:spPr>
           <a:xfrm>
-            <a:off x="838200" y="1825625"/>
-            <a:ext cx="7958667" cy="4351338"/>
+            <a:off x="838201" y="1825625"/>
+            <a:ext cx="5257800" cy="4351338"/>
           </a:xfrm>
         </p:spPr>
         <p:txBody>
@@ -7995,44 +7788,82 @@
                   </a:schemeClr>
                 </a:solidFill>
               </a:rPr>
-              <a:t>Erstellung Logischer Blöcke</a:t>
-            </a:r>
-          </a:p>
-          <a:p>
-            <a:r>
-              <a:rPr lang="de-DE" sz="2400" dirty="0">
+              <a:t>Ohne Funktionen</a:t>
+            </a:r>
+          </a:p>
+          <a:p>
+            <a:pPr lvl="1"/>
+            <a:r>
+              <a:rPr lang="de-DE" sz="2000" dirty="0">
                 <a:solidFill>
                   <a:schemeClr val="tx1">
                     <a:lumMod val="95000"/>
                   </a:schemeClr>
                 </a:solidFill>
               </a:rPr>
-              <a:t>Lesbarer Code</a:t>
-            </a:r>
-          </a:p>
-          <a:p>
-            <a:r>
-              <a:rPr lang="de-DE" sz="2400" dirty="0">
+              <a:t>Spagetti-Code </a:t>
+            </a:r>
+          </a:p>
+          <a:p>
+            <a:pPr lvl="1"/>
+            <a:r>
+              <a:rPr lang="de-DE" sz="2000" dirty="0">
                 <a:solidFill>
                   <a:schemeClr val="tx1">
                     <a:lumMod val="95000"/>
                   </a:schemeClr>
                 </a:solidFill>
               </a:rPr>
-              <a:t>Testbar</a:t>
-            </a:r>
-          </a:p>
-          <a:p>
-            <a:r>
-              <a:rPr lang="de-DE" sz="2400" dirty="0">
+              <a:t>Unübersichtlich</a:t>
+            </a:r>
+          </a:p>
+          <a:p>
+            <a:pPr lvl="1"/>
+            <a:r>
+              <a:rPr lang="de-DE" sz="2000" dirty="0">
                 <a:solidFill>
                   <a:schemeClr val="tx1">
                     <a:lumMod val="95000"/>
                   </a:schemeClr>
                 </a:solidFill>
               </a:rPr>
-              <a:t>Wiederverwendbar</a:t>
-            </a:r>
+              <a:t>Im Späteren verlauf nicht mehr Wartbar</a:t>
+            </a:r>
+          </a:p>
+          <a:p>
+            <a:pPr lvl="1"/>
+            <a:r>
+              <a:rPr lang="de-DE" sz="2000" dirty="0">
+                <a:solidFill>
+                  <a:schemeClr val="tx1">
+                    <a:lumMod val="95000"/>
+                  </a:schemeClr>
+                </a:solidFill>
+              </a:rPr>
+              <a:t>Schlecht bis Nicht Testbar</a:t>
+            </a:r>
+          </a:p>
+          <a:p>
+            <a:pPr lvl="1"/>
+            <a:r>
+              <a:rPr lang="de-DE" sz="2000" dirty="0">
+                <a:solidFill>
+                  <a:schemeClr val="tx1">
+                    <a:lumMod val="95000"/>
+                  </a:schemeClr>
+                </a:solidFill>
+              </a:rPr>
+              <a:t>Code Duplizierung </a:t>
+            </a:r>
+          </a:p>
+          <a:p>
+            <a:endParaRPr lang="de-DE" sz="2000" dirty="0">
+              <a:solidFill>
+                <a:schemeClr val="tx1">
+                  <a:lumMod val="95000"/>
+                </a:schemeClr>
+              </a:solidFill>
+            </a:endParaRPr>
           </a:p>
         </p:txBody>
       </p:sp>
@@ -8041,7 +7872,7 @@
           <p:cNvPr id="7" name="Date Placeholder 3">
             <a:extLst>
               <a:ext uri="{FF2B5EF4-FFF2-40B4-BE49-F238E27FC236}">
-                <a16:creationId xmlns:a16="http://schemas.microsoft.com/office/drawing/2014/main" id="{10FFBAAD-19F5-4D04-A8CB-A12454F58FFD}"/>
+                <a16:creationId xmlns:a16="http://schemas.microsoft.com/office/drawing/2014/main" id="{18705B3C-262D-45A3-8C90-9FC26244A8CC}"/>
               </a:ext>
             </a:extLst>
           </p:cNvPr>
@@ -8064,7 +7895,7 @@
           <a:p>
             <a:fld id="{D4AD37E9-5A10-49A7-855D-CAA2D2E848B6}" type="datetimeFigureOut">
               <a:rPr lang="de-DE" smtClean="0"/>
-              <a:t>20.07.2021</a:t>
+              <a:t>28.07.21</a:t>
             </a:fld>
             <a:endParaRPr lang="de-DE"/>
           </a:p>
@@ -8075,7 +7906,7 @@
           <p:cNvPr id="8" name="Footer Placeholder 4">
             <a:extLst>
               <a:ext uri="{FF2B5EF4-FFF2-40B4-BE49-F238E27FC236}">
-                <a16:creationId xmlns:a16="http://schemas.microsoft.com/office/drawing/2014/main" id="{3B4D951D-CFCF-46C6-91EB-50913F6DFC4D}"/>
+                <a16:creationId xmlns:a16="http://schemas.microsoft.com/office/drawing/2014/main" id="{6833897F-8945-43C1-8EE1-2E83FF8331D9}"/>
               </a:ext>
             </a:extLst>
           </p:cNvPr>
@@ -8122,7 +7953,7 @@
           <p:cNvPr id="9" name="Slide Number Placeholder 5">
             <a:extLst>
               <a:ext uri="{FF2B5EF4-FFF2-40B4-BE49-F238E27FC236}">
-                <a16:creationId xmlns:a16="http://schemas.microsoft.com/office/drawing/2014/main" id="{3690FB59-357D-44F2-A4A7-2F771FE7F7EF}"/>
+                <a16:creationId xmlns:a16="http://schemas.microsoft.com/office/drawing/2014/main" id="{4CB1546C-41E9-4CE9-A31D-18CB078FE5F0}"/>
               </a:ext>
             </a:extLst>
           </p:cNvPr>
@@ -8145,16 +7976,384 @@
           <a:p>
             <a:fld id="{312A73BE-F097-4DBB-AEB2-4CC070160BA0}" type="slidenum">
               <a:rPr lang="de-DE" smtClean="0"/>
-              <a:t>4</a:t>
+              <a:t>3</a:t>
             </a:fld>
             <a:endParaRPr lang="de-DE"/>
+          </a:p>
+        </p:txBody>
+      </p:sp>
+      <p:sp>
+        <p:nvSpPr>
+          <p:cNvPr id="10" name="Inhaltsplatzhalter 5">
+            <a:extLst>
+              <a:ext uri="{FF2B5EF4-FFF2-40B4-BE49-F238E27FC236}">
+                <a16:creationId xmlns:a16="http://schemas.microsoft.com/office/drawing/2014/main" id="{DD7BDAFF-D2AB-2649-921B-BFD853F8B5F5}"/>
+              </a:ext>
+            </a:extLst>
+          </p:cNvPr>
+          <p:cNvSpPr txBox="1">
+            <a:spLocks/>
+          </p:cNvSpPr>
+          <p:nvPr/>
+        </p:nvSpPr>
+        <p:spPr>
+          <a:xfrm>
+            <a:off x="6096000" y="1825625"/>
+            <a:ext cx="5257800" cy="4351338"/>
+          </a:xfrm>
+          <a:prstGeom prst="rect">
+            <a:avLst/>
+          </a:prstGeom>
+        </p:spPr>
+        <p:txBody>
+          <a:bodyPr vert="horz" lIns="91440" tIns="45720" rIns="91440" bIns="45720" rtlCol="0">
+            <a:normAutofit/>
+          </a:bodyPr>
+          <a:lstStyle>
+            <a:lvl1pPr marL="228600" indent="-228600" algn="l" defTabSz="914400" rtl="0" eaLnBrk="1" latinLnBrk="0" hangingPunct="1">
+              <a:lnSpc>
+                <a:spcPct val="90000"/>
+              </a:lnSpc>
+              <a:spcBef>
+                <a:spcPts val="1000"/>
+              </a:spcBef>
+              <a:buFont typeface="Arial" panose="020B0604020202020204" pitchFamily="34" charset="0"/>
+              <a:buChar char="•"/>
+              <a:defRPr sz="2800" kern="1200">
+                <a:gradFill>
+                  <a:gsLst>
+                    <a:gs pos="34000">
+                      <a:schemeClr val="tx1">
+                        <a:lumMod val="93000"/>
+                      </a:schemeClr>
+                    </a:gs>
+                    <a:gs pos="0">
+                      <a:schemeClr val="bg1">
+                        <a:lumMod val="25000"/>
+                        <a:lumOff val="75000"/>
+                      </a:schemeClr>
+                    </a:gs>
+                    <a:gs pos="100000">
+                      <a:schemeClr val="tx2">
+                        <a:lumMod val="0"/>
+                        <a:lumOff val="100000"/>
+                      </a:schemeClr>
+                    </a:gs>
+                  </a:gsLst>
+                  <a:lin ang="4800000" scaled="0"/>
+                </a:gradFill>
+                <a:latin typeface="+mn-lt"/>
+                <a:ea typeface="+mn-ea"/>
+                <a:cs typeface="+mn-cs"/>
+              </a:defRPr>
+            </a:lvl1pPr>
+            <a:lvl2pPr marL="685800" indent="-228600" algn="l" defTabSz="914400" rtl="0" eaLnBrk="1" latinLnBrk="0" hangingPunct="1">
+              <a:lnSpc>
+                <a:spcPct val="90000"/>
+              </a:lnSpc>
+              <a:spcBef>
+                <a:spcPts val="500"/>
+              </a:spcBef>
+              <a:buFont typeface="Arial" panose="020B0604020202020204" pitchFamily="34" charset="0"/>
+              <a:buChar char="•"/>
+              <a:defRPr sz="2400" kern="1200">
+                <a:gradFill>
+                  <a:gsLst>
+                    <a:gs pos="34000">
+                      <a:schemeClr val="tx1">
+                        <a:lumMod val="93000"/>
+                      </a:schemeClr>
+                    </a:gs>
+                    <a:gs pos="0">
+                      <a:schemeClr val="bg1">
+                        <a:lumMod val="25000"/>
+                        <a:lumOff val="75000"/>
+                      </a:schemeClr>
+                    </a:gs>
+                    <a:gs pos="100000">
+                      <a:schemeClr val="tx2">
+                        <a:lumMod val="0"/>
+                        <a:lumOff val="100000"/>
+                      </a:schemeClr>
+                    </a:gs>
+                  </a:gsLst>
+                  <a:lin ang="4800000" scaled="0"/>
+                </a:gradFill>
+                <a:latin typeface="+mn-lt"/>
+                <a:ea typeface="+mn-ea"/>
+                <a:cs typeface="+mn-cs"/>
+              </a:defRPr>
+            </a:lvl2pPr>
+            <a:lvl3pPr marL="1143000" indent="-228600" algn="l" defTabSz="914400" rtl="0" eaLnBrk="1" latinLnBrk="0" hangingPunct="1">
+              <a:lnSpc>
+                <a:spcPct val="90000"/>
+              </a:lnSpc>
+              <a:spcBef>
+                <a:spcPts val="500"/>
+              </a:spcBef>
+              <a:buFont typeface="Arial" panose="020B0604020202020204" pitchFamily="34" charset="0"/>
+              <a:buChar char="•"/>
+              <a:defRPr sz="2000" kern="1200">
+                <a:gradFill>
+                  <a:gsLst>
+                    <a:gs pos="34000">
+                      <a:schemeClr val="tx1">
+                        <a:lumMod val="93000"/>
+                      </a:schemeClr>
+                    </a:gs>
+                    <a:gs pos="0">
+                      <a:schemeClr val="bg1">
+                        <a:lumMod val="25000"/>
+                        <a:lumOff val="75000"/>
+                      </a:schemeClr>
+                    </a:gs>
+                    <a:gs pos="100000">
+                      <a:schemeClr val="tx2">
+                        <a:lumMod val="0"/>
+                        <a:lumOff val="100000"/>
+                      </a:schemeClr>
+                    </a:gs>
+                  </a:gsLst>
+                  <a:lin ang="4800000" scaled="0"/>
+                </a:gradFill>
+                <a:latin typeface="+mn-lt"/>
+                <a:ea typeface="+mn-ea"/>
+                <a:cs typeface="+mn-cs"/>
+              </a:defRPr>
+            </a:lvl3pPr>
+            <a:lvl4pPr marL="1600200" indent="-228600" algn="l" defTabSz="914400" rtl="0" eaLnBrk="1" latinLnBrk="0" hangingPunct="1">
+              <a:lnSpc>
+                <a:spcPct val="90000"/>
+              </a:lnSpc>
+              <a:spcBef>
+                <a:spcPts val="500"/>
+              </a:spcBef>
+              <a:buFont typeface="Arial" panose="020B0604020202020204" pitchFamily="34" charset="0"/>
+              <a:buChar char="•"/>
+              <a:defRPr sz="1800" kern="1200">
+                <a:gradFill>
+                  <a:gsLst>
+                    <a:gs pos="34000">
+                      <a:schemeClr val="tx1">
+                        <a:lumMod val="93000"/>
+                      </a:schemeClr>
+                    </a:gs>
+                    <a:gs pos="0">
+                      <a:schemeClr val="bg1">
+                        <a:lumMod val="25000"/>
+                        <a:lumOff val="75000"/>
+                      </a:schemeClr>
+                    </a:gs>
+                    <a:gs pos="100000">
+                      <a:schemeClr val="tx2">
+                        <a:lumMod val="0"/>
+                        <a:lumOff val="100000"/>
+                      </a:schemeClr>
+                    </a:gs>
+                  </a:gsLst>
+                  <a:lin ang="4800000" scaled="0"/>
+                </a:gradFill>
+                <a:latin typeface="+mn-lt"/>
+                <a:ea typeface="+mn-ea"/>
+                <a:cs typeface="+mn-cs"/>
+              </a:defRPr>
+            </a:lvl4pPr>
+            <a:lvl5pPr marL="2057400" indent="-228600" algn="l" defTabSz="914400" rtl="0" eaLnBrk="1" latinLnBrk="0" hangingPunct="1">
+              <a:lnSpc>
+                <a:spcPct val="90000"/>
+              </a:lnSpc>
+              <a:spcBef>
+                <a:spcPts val="500"/>
+              </a:spcBef>
+              <a:buFont typeface="Arial" panose="020B0604020202020204" pitchFamily="34" charset="0"/>
+              <a:buChar char="•"/>
+              <a:defRPr sz="1800" kern="1200">
+                <a:gradFill>
+                  <a:gsLst>
+                    <a:gs pos="34000">
+                      <a:schemeClr val="tx1">
+                        <a:lumMod val="93000"/>
+                      </a:schemeClr>
+                    </a:gs>
+                    <a:gs pos="0">
+                      <a:schemeClr val="bg1">
+                        <a:lumMod val="25000"/>
+                        <a:lumOff val="75000"/>
+                      </a:schemeClr>
+                    </a:gs>
+                    <a:gs pos="100000">
+                      <a:schemeClr val="tx2">
+                        <a:lumMod val="0"/>
+                        <a:lumOff val="100000"/>
+                      </a:schemeClr>
+                    </a:gs>
+                  </a:gsLst>
+                  <a:lin ang="4800000" scaled="0"/>
+                </a:gradFill>
+                <a:latin typeface="+mn-lt"/>
+                <a:ea typeface="+mn-ea"/>
+                <a:cs typeface="+mn-cs"/>
+              </a:defRPr>
+            </a:lvl5pPr>
+            <a:lvl6pPr marL="2514600" indent="-228600" algn="l" defTabSz="914400" rtl="0" eaLnBrk="1" latinLnBrk="0" hangingPunct="1">
+              <a:lnSpc>
+                <a:spcPct val="90000"/>
+              </a:lnSpc>
+              <a:spcBef>
+                <a:spcPts val="500"/>
+              </a:spcBef>
+              <a:buFont typeface="Arial" panose="020B0604020202020204" pitchFamily="34" charset="0"/>
+              <a:buChar char="•"/>
+              <a:defRPr sz="1800" kern="1200">
+                <a:solidFill>
+                  <a:schemeClr val="tx1"/>
+                </a:solidFill>
+                <a:latin typeface="+mn-lt"/>
+                <a:ea typeface="+mn-ea"/>
+                <a:cs typeface="+mn-cs"/>
+              </a:defRPr>
+            </a:lvl6pPr>
+            <a:lvl7pPr marL="2971800" indent="-228600" algn="l" defTabSz="914400" rtl="0" eaLnBrk="1" latinLnBrk="0" hangingPunct="1">
+              <a:lnSpc>
+                <a:spcPct val="90000"/>
+              </a:lnSpc>
+              <a:spcBef>
+                <a:spcPts val="500"/>
+              </a:spcBef>
+              <a:buFont typeface="Arial" panose="020B0604020202020204" pitchFamily="34" charset="0"/>
+              <a:buChar char="•"/>
+              <a:defRPr sz="1800" kern="1200">
+                <a:solidFill>
+                  <a:schemeClr val="tx1"/>
+                </a:solidFill>
+                <a:latin typeface="+mn-lt"/>
+                <a:ea typeface="+mn-ea"/>
+                <a:cs typeface="+mn-cs"/>
+              </a:defRPr>
+            </a:lvl7pPr>
+            <a:lvl8pPr marL="3429000" indent="-228600" algn="l" defTabSz="914400" rtl="0" eaLnBrk="1" latinLnBrk="0" hangingPunct="1">
+              <a:lnSpc>
+                <a:spcPct val="90000"/>
+              </a:lnSpc>
+              <a:spcBef>
+                <a:spcPts val="500"/>
+              </a:spcBef>
+              <a:buFont typeface="Arial" panose="020B0604020202020204" pitchFamily="34" charset="0"/>
+              <a:buChar char="•"/>
+              <a:defRPr sz="1800" kern="1200">
+                <a:solidFill>
+                  <a:schemeClr val="tx1"/>
+                </a:solidFill>
+                <a:latin typeface="+mn-lt"/>
+                <a:ea typeface="+mn-ea"/>
+                <a:cs typeface="+mn-cs"/>
+              </a:defRPr>
+            </a:lvl8pPr>
+            <a:lvl9pPr marL="3886200" indent="-228600" algn="l" defTabSz="914400" rtl="0" eaLnBrk="1" latinLnBrk="0" hangingPunct="1">
+              <a:lnSpc>
+                <a:spcPct val="90000"/>
+              </a:lnSpc>
+              <a:spcBef>
+                <a:spcPts val="500"/>
+              </a:spcBef>
+              <a:buFont typeface="Arial" panose="020B0604020202020204" pitchFamily="34" charset="0"/>
+              <a:buChar char="•"/>
+              <a:defRPr sz="1800" kern="1200">
+                <a:solidFill>
+                  <a:schemeClr val="tx1"/>
+                </a:solidFill>
+                <a:latin typeface="+mn-lt"/>
+                <a:ea typeface="+mn-ea"/>
+                <a:cs typeface="+mn-cs"/>
+              </a:defRPr>
+            </a:lvl9pPr>
+          </a:lstStyle>
+          <a:p>
+            <a:r>
+              <a:rPr lang="de-DE" sz="2400" dirty="0">
+                <a:solidFill>
+                  <a:schemeClr val="tx1">
+                    <a:lumMod val="95000"/>
+                  </a:schemeClr>
+                </a:solidFill>
+              </a:rPr>
+              <a:t>Mit Funktionen</a:t>
+            </a:r>
+          </a:p>
+          <a:p>
+            <a:pPr lvl="1"/>
+            <a:r>
+              <a:rPr lang="de-DE" sz="2000" dirty="0">
+                <a:solidFill>
+                  <a:schemeClr val="tx1">
+                    <a:lumMod val="95000"/>
+                  </a:schemeClr>
+                </a:solidFill>
+              </a:rPr>
+              <a:t>Erstellung Logischer Blöcke</a:t>
+            </a:r>
+          </a:p>
+          <a:p>
+            <a:pPr lvl="1"/>
+            <a:r>
+              <a:rPr lang="de-DE" sz="2000" dirty="0">
+                <a:solidFill>
+                  <a:schemeClr val="tx1">
+                    <a:lumMod val="95000"/>
+                  </a:schemeClr>
+                </a:solidFill>
+              </a:rPr>
+              <a:t>Lesbarer Code</a:t>
+            </a:r>
+          </a:p>
+          <a:p>
+            <a:pPr lvl="1"/>
+            <a:r>
+              <a:rPr lang="de-DE" sz="2000" dirty="0" err="1">
+                <a:solidFill>
+                  <a:schemeClr val="tx1">
+                    <a:lumMod val="95000"/>
+                  </a:schemeClr>
+                </a:solidFill>
+              </a:rPr>
+              <a:t>Testbar</a:t>
+            </a:r>
+            <a:endParaRPr lang="de-DE" sz="2000" dirty="0">
+              <a:solidFill>
+                <a:schemeClr val="tx1">
+                  <a:lumMod val="95000"/>
+                </a:schemeClr>
+              </a:solidFill>
+            </a:endParaRPr>
+          </a:p>
+          <a:p>
+            <a:pPr lvl="1"/>
+            <a:r>
+              <a:rPr lang="de-DE" sz="2000" dirty="0">
+                <a:solidFill>
+                  <a:schemeClr val="tx1">
+                    <a:lumMod val="95000"/>
+                  </a:schemeClr>
+                </a:solidFill>
+              </a:rPr>
+              <a:t>Wiederverwendbar</a:t>
+            </a:r>
+          </a:p>
+          <a:p>
+            <a:endParaRPr lang="de-DE" sz="2000" dirty="0">
+              <a:solidFill>
+                <a:schemeClr val="tx1">
+                  <a:lumMod val="95000"/>
+                </a:schemeClr>
+              </a:solidFill>
+            </a:endParaRPr>
           </a:p>
         </p:txBody>
       </p:sp>
     </p:spTree>
     <p:extLst>
       <p:ext uri="{BB962C8B-B14F-4D97-AF65-F5344CB8AC3E}">
-        <p14:creationId xmlns:p14="http://schemas.microsoft.com/office/powerpoint/2010/main" val="583026924"/>
+        <p14:creationId xmlns:p14="http://schemas.microsoft.com/office/powerpoint/2010/main" val="2205865153"/>
       </p:ext>
     </p:extLst>
   </p:cSld>
@@ -8173,9 +8372,6 @@
                     <p:cTn id="3" fill="hold">
                       <p:stCondLst>
                         <p:cond delay="indefinite"/>
-                        <p:cond evt="onBegin" delay="0">
-                          <p:tn val="2"/>
-                        </p:cond>
                       </p:stCondLst>
                       <p:childTnLst>
                         <p:par>
@@ -8185,7 +8381,1441 @@
                             </p:stCondLst>
                             <p:childTnLst>
                               <p:par>
-                                <p:cTn id="5" presetID="10" presetClass="entr" presetSubtype="0" fill="hold" grpId="0" nodeType="afterEffect">
+                                <p:cTn id="5" presetID="10" presetClass="entr" presetSubtype="0" fill="hold" nodeType="clickEffect">
+                                  <p:stCondLst>
+                                    <p:cond delay="0"/>
+                                  </p:stCondLst>
+                                  <p:childTnLst>
+                                    <p:set>
+                                      <p:cBhvr>
+                                        <p:cTn id="6" dur="1" fill="hold">
+                                          <p:stCondLst>
+                                            <p:cond delay="0"/>
+                                          </p:stCondLst>
+                                        </p:cTn>
+                                        <p:tgtEl>
+                                          <p:spTgt spid="6">
+                                            <p:txEl>
+                                              <p:pRg st="0" end="0"/>
+                                            </p:txEl>
+                                          </p:spTgt>
+                                        </p:tgtEl>
+                                        <p:attrNameLst>
+                                          <p:attrName>style.visibility</p:attrName>
+                                        </p:attrNameLst>
+                                      </p:cBhvr>
+                                      <p:to>
+                                        <p:strVal val="visible"/>
+                                      </p:to>
+                                    </p:set>
+                                    <p:animEffect transition="in" filter="fade">
+                                      <p:cBhvr>
+                                        <p:cTn id="7" dur="500"/>
+                                        <p:tgtEl>
+                                          <p:spTgt spid="6">
+                                            <p:txEl>
+                                              <p:pRg st="0" end="0"/>
+                                            </p:txEl>
+                                          </p:spTgt>
+                                        </p:tgtEl>
+                                      </p:cBhvr>
+                                    </p:animEffect>
+                                  </p:childTnLst>
+                                </p:cTn>
+                              </p:par>
+                            </p:childTnLst>
+                          </p:cTn>
+                        </p:par>
+                      </p:childTnLst>
+                    </p:cTn>
+                  </p:par>
+                  <p:par>
+                    <p:cTn id="8" fill="hold">
+                      <p:stCondLst>
+                        <p:cond delay="indefinite"/>
+                      </p:stCondLst>
+                      <p:childTnLst>
+                        <p:par>
+                          <p:cTn id="9" fill="hold">
+                            <p:stCondLst>
+                              <p:cond delay="0"/>
+                            </p:stCondLst>
+                            <p:childTnLst>
+                              <p:par>
+                                <p:cTn id="10" presetID="10" presetClass="entr" presetSubtype="0" fill="hold" nodeType="clickEffect">
+                                  <p:stCondLst>
+                                    <p:cond delay="0"/>
+                                  </p:stCondLst>
+                                  <p:childTnLst>
+                                    <p:set>
+                                      <p:cBhvr>
+                                        <p:cTn id="11" dur="1" fill="hold">
+                                          <p:stCondLst>
+                                            <p:cond delay="0"/>
+                                          </p:stCondLst>
+                                        </p:cTn>
+                                        <p:tgtEl>
+                                          <p:spTgt spid="6">
+                                            <p:txEl>
+                                              <p:pRg st="1" end="1"/>
+                                            </p:txEl>
+                                          </p:spTgt>
+                                        </p:tgtEl>
+                                        <p:attrNameLst>
+                                          <p:attrName>style.visibility</p:attrName>
+                                        </p:attrNameLst>
+                                      </p:cBhvr>
+                                      <p:to>
+                                        <p:strVal val="visible"/>
+                                      </p:to>
+                                    </p:set>
+                                    <p:animEffect transition="in" filter="fade">
+                                      <p:cBhvr>
+                                        <p:cTn id="12" dur="500"/>
+                                        <p:tgtEl>
+                                          <p:spTgt spid="6">
+                                            <p:txEl>
+                                              <p:pRg st="1" end="1"/>
+                                            </p:txEl>
+                                          </p:spTgt>
+                                        </p:tgtEl>
+                                      </p:cBhvr>
+                                    </p:animEffect>
+                                  </p:childTnLst>
+                                </p:cTn>
+                              </p:par>
+                            </p:childTnLst>
+                          </p:cTn>
+                        </p:par>
+                      </p:childTnLst>
+                    </p:cTn>
+                  </p:par>
+                  <p:par>
+                    <p:cTn id="13" fill="hold">
+                      <p:stCondLst>
+                        <p:cond delay="indefinite"/>
+                      </p:stCondLst>
+                      <p:childTnLst>
+                        <p:par>
+                          <p:cTn id="14" fill="hold">
+                            <p:stCondLst>
+                              <p:cond delay="0"/>
+                            </p:stCondLst>
+                            <p:childTnLst>
+                              <p:par>
+                                <p:cTn id="15" presetID="10" presetClass="entr" presetSubtype="0" fill="hold" nodeType="clickEffect">
+                                  <p:stCondLst>
+                                    <p:cond delay="0"/>
+                                  </p:stCondLst>
+                                  <p:childTnLst>
+                                    <p:set>
+                                      <p:cBhvr>
+                                        <p:cTn id="16" dur="1" fill="hold">
+                                          <p:stCondLst>
+                                            <p:cond delay="0"/>
+                                          </p:stCondLst>
+                                        </p:cTn>
+                                        <p:tgtEl>
+                                          <p:spTgt spid="6">
+                                            <p:txEl>
+                                              <p:pRg st="2" end="2"/>
+                                            </p:txEl>
+                                          </p:spTgt>
+                                        </p:tgtEl>
+                                        <p:attrNameLst>
+                                          <p:attrName>style.visibility</p:attrName>
+                                        </p:attrNameLst>
+                                      </p:cBhvr>
+                                      <p:to>
+                                        <p:strVal val="visible"/>
+                                      </p:to>
+                                    </p:set>
+                                    <p:animEffect transition="in" filter="fade">
+                                      <p:cBhvr>
+                                        <p:cTn id="17" dur="500"/>
+                                        <p:tgtEl>
+                                          <p:spTgt spid="6">
+                                            <p:txEl>
+                                              <p:pRg st="2" end="2"/>
+                                            </p:txEl>
+                                          </p:spTgt>
+                                        </p:tgtEl>
+                                      </p:cBhvr>
+                                    </p:animEffect>
+                                  </p:childTnLst>
+                                </p:cTn>
+                              </p:par>
+                            </p:childTnLst>
+                          </p:cTn>
+                        </p:par>
+                      </p:childTnLst>
+                    </p:cTn>
+                  </p:par>
+                  <p:par>
+                    <p:cTn id="18" fill="hold">
+                      <p:stCondLst>
+                        <p:cond delay="indefinite"/>
+                      </p:stCondLst>
+                      <p:childTnLst>
+                        <p:par>
+                          <p:cTn id="19" fill="hold">
+                            <p:stCondLst>
+                              <p:cond delay="0"/>
+                            </p:stCondLst>
+                            <p:childTnLst>
+                              <p:par>
+                                <p:cTn id="20" presetID="10" presetClass="entr" presetSubtype="0" fill="hold" nodeType="clickEffect">
+                                  <p:stCondLst>
+                                    <p:cond delay="0"/>
+                                  </p:stCondLst>
+                                  <p:childTnLst>
+                                    <p:set>
+                                      <p:cBhvr>
+                                        <p:cTn id="21" dur="1" fill="hold">
+                                          <p:stCondLst>
+                                            <p:cond delay="0"/>
+                                          </p:stCondLst>
+                                        </p:cTn>
+                                        <p:tgtEl>
+                                          <p:spTgt spid="6">
+                                            <p:txEl>
+                                              <p:pRg st="3" end="3"/>
+                                            </p:txEl>
+                                          </p:spTgt>
+                                        </p:tgtEl>
+                                        <p:attrNameLst>
+                                          <p:attrName>style.visibility</p:attrName>
+                                        </p:attrNameLst>
+                                      </p:cBhvr>
+                                      <p:to>
+                                        <p:strVal val="visible"/>
+                                      </p:to>
+                                    </p:set>
+                                    <p:animEffect transition="in" filter="fade">
+                                      <p:cBhvr>
+                                        <p:cTn id="22" dur="500"/>
+                                        <p:tgtEl>
+                                          <p:spTgt spid="6">
+                                            <p:txEl>
+                                              <p:pRg st="3" end="3"/>
+                                            </p:txEl>
+                                          </p:spTgt>
+                                        </p:tgtEl>
+                                      </p:cBhvr>
+                                    </p:animEffect>
+                                  </p:childTnLst>
+                                </p:cTn>
+                              </p:par>
+                            </p:childTnLst>
+                          </p:cTn>
+                        </p:par>
+                      </p:childTnLst>
+                    </p:cTn>
+                  </p:par>
+                  <p:par>
+                    <p:cTn id="23" fill="hold">
+                      <p:stCondLst>
+                        <p:cond delay="indefinite"/>
+                      </p:stCondLst>
+                      <p:childTnLst>
+                        <p:par>
+                          <p:cTn id="24" fill="hold">
+                            <p:stCondLst>
+                              <p:cond delay="0"/>
+                            </p:stCondLst>
+                            <p:childTnLst>
+                              <p:par>
+                                <p:cTn id="25" presetID="10" presetClass="entr" presetSubtype="0" fill="hold" nodeType="clickEffect">
+                                  <p:stCondLst>
+                                    <p:cond delay="0"/>
+                                  </p:stCondLst>
+                                  <p:childTnLst>
+                                    <p:set>
+                                      <p:cBhvr>
+                                        <p:cTn id="26" dur="1" fill="hold">
+                                          <p:stCondLst>
+                                            <p:cond delay="0"/>
+                                          </p:stCondLst>
+                                        </p:cTn>
+                                        <p:tgtEl>
+                                          <p:spTgt spid="6">
+                                            <p:txEl>
+                                              <p:pRg st="4" end="4"/>
+                                            </p:txEl>
+                                          </p:spTgt>
+                                        </p:tgtEl>
+                                        <p:attrNameLst>
+                                          <p:attrName>style.visibility</p:attrName>
+                                        </p:attrNameLst>
+                                      </p:cBhvr>
+                                      <p:to>
+                                        <p:strVal val="visible"/>
+                                      </p:to>
+                                    </p:set>
+                                    <p:animEffect transition="in" filter="fade">
+                                      <p:cBhvr>
+                                        <p:cTn id="27" dur="500"/>
+                                        <p:tgtEl>
+                                          <p:spTgt spid="6">
+                                            <p:txEl>
+                                              <p:pRg st="4" end="4"/>
+                                            </p:txEl>
+                                          </p:spTgt>
+                                        </p:tgtEl>
+                                      </p:cBhvr>
+                                    </p:animEffect>
+                                  </p:childTnLst>
+                                </p:cTn>
+                              </p:par>
+                            </p:childTnLst>
+                          </p:cTn>
+                        </p:par>
+                      </p:childTnLst>
+                    </p:cTn>
+                  </p:par>
+                  <p:par>
+                    <p:cTn id="28" fill="hold">
+                      <p:stCondLst>
+                        <p:cond delay="indefinite"/>
+                      </p:stCondLst>
+                      <p:childTnLst>
+                        <p:par>
+                          <p:cTn id="29" fill="hold">
+                            <p:stCondLst>
+                              <p:cond delay="0"/>
+                            </p:stCondLst>
+                            <p:childTnLst>
+                              <p:par>
+                                <p:cTn id="30" presetID="10" presetClass="entr" presetSubtype="0" fill="hold" nodeType="clickEffect">
+                                  <p:stCondLst>
+                                    <p:cond delay="0"/>
+                                  </p:stCondLst>
+                                  <p:childTnLst>
+                                    <p:set>
+                                      <p:cBhvr>
+                                        <p:cTn id="31" dur="1" fill="hold">
+                                          <p:stCondLst>
+                                            <p:cond delay="0"/>
+                                          </p:stCondLst>
+                                        </p:cTn>
+                                        <p:tgtEl>
+                                          <p:spTgt spid="6">
+                                            <p:txEl>
+                                              <p:pRg st="5" end="5"/>
+                                            </p:txEl>
+                                          </p:spTgt>
+                                        </p:tgtEl>
+                                        <p:attrNameLst>
+                                          <p:attrName>style.visibility</p:attrName>
+                                        </p:attrNameLst>
+                                      </p:cBhvr>
+                                      <p:to>
+                                        <p:strVal val="visible"/>
+                                      </p:to>
+                                    </p:set>
+                                    <p:animEffect transition="in" filter="fade">
+                                      <p:cBhvr>
+                                        <p:cTn id="32" dur="500"/>
+                                        <p:tgtEl>
+                                          <p:spTgt spid="6">
+                                            <p:txEl>
+                                              <p:pRg st="5" end="5"/>
+                                            </p:txEl>
+                                          </p:spTgt>
+                                        </p:tgtEl>
+                                      </p:cBhvr>
+                                    </p:animEffect>
+                                  </p:childTnLst>
+                                </p:cTn>
+                              </p:par>
+                            </p:childTnLst>
+                          </p:cTn>
+                        </p:par>
+                      </p:childTnLst>
+                    </p:cTn>
+                  </p:par>
+                  <p:par>
+                    <p:cTn id="33" fill="hold">
+                      <p:stCondLst>
+                        <p:cond delay="indefinite"/>
+                      </p:stCondLst>
+                      <p:childTnLst>
+                        <p:par>
+                          <p:cTn id="34" fill="hold">
+                            <p:stCondLst>
+                              <p:cond delay="0"/>
+                            </p:stCondLst>
+                            <p:childTnLst>
+                              <p:par>
+                                <p:cTn id="35" presetID="10" presetClass="entr" presetSubtype="0" fill="hold" nodeType="clickEffect">
+                                  <p:stCondLst>
+                                    <p:cond delay="0"/>
+                                  </p:stCondLst>
+                                  <p:childTnLst>
+                                    <p:set>
+                                      <p:cBhvr>
+                                        <p:cTn id="36" dur="1" fill="hold">
+                                          <p:stCondLst>
+                                            <p:cond delay="0"/>
+                                          </p:stCondLst>
+                                        </p:cTn>
+                                        <p:tgtEl>
+                                          <p:spTgt spid="10">
+                                            <p:txEl>
+                                              <p:pRg st="0" end="0"/>
+                                            </p:txEl>
+                                          </p:spTgt>
+                                        </p:tgtEl>
+                                        <p:attrNameLst>
+                                          <p:attrName>style.visibility</p:attrName>
+                                        </p:attrNameLst>
+                                      </p:cBhvr>
+                                      <p:to>
+                                        <p:strVal val="visible"/>
+                                      </p:to>
+                                    </p:set>
+                                    <p:animEffect transition="in" filter="fade">
+                                      <p:cBhvr>
+                                        <p:cTn id="37" dur="500"/>
+                                        <p:tgtEl>
+                                          <p:spTgt spid="10">
+                                            <p:txEl>
+                                              <p:pRg st="0" end="0"/>
+                                            </p:txEl>
+                                          </p:spTgt>
+                                        </p:tgtEl>
+                                      </p:cBhvr>
+                                    </p:animEffect>
+                                  </p:childTnLst>
+                                </p:cTn>
+                              </p:par>
+                            </p:childTnLst>
+                          </p:cTn>
+                        </p:par>
+                      </p:childTnLst>
+                    </p:cTn>
+                  </p:par>
+                  <p:par>
+                    <p:cTn id="38" fill="hold">
+                      <p:stCondLst>
+                        <p:cond delay="indefinite"/>
+                      </p:stCondLst>
+                      <p:childTnLst>
+                        <p:par>
+                          <p:cTn id="39" fill="hold">
+                            <p:stCondLst>
+                              <p:cond delay="0"/>
+                            </p:stCondLst>
+                            <p:childTnLst>
+                              <p:par>
+                                <p:cTn id="40" presetID="10" presetClass="entr" presetSubtype="0" fill="hold" nodeType="clickEffect">
+                                  <p:stCondLst>
+                                    <p:cond delay="0"/>
+                                  </p:stCondLst>
+                                  <p:childTnLst>
+                                    <p:set>
+                                      <p:cBhvr>
+                                        <p:cTn id="41" dur="1" fill="hold">
+                                          <p:stCondLst>
+                                            <p:cond delay="0"/>
+                                          </p:stCondLst>
+                                        </p:cTn>
+                                        <p:tgtEl>
+                                          <p:spTgt spid="10">
+                                            <p:txEl>
+                                              <p:pRg st="1" end="1"/>
+                                            </p:txEl>
+                                          </p:spTgt>
+                                        </p:tgtEl>
+                                        <p:attrNameLst>
+                                          <p:attrName>style.visibility</p:attrName>
+                                        </p:attrNameLst>
+                                      </p:cBhvr>
+                                      <p:to>
+                                        <p:strVal val="visible"/>
+                                      </p:to>
+                                    </p:set>
+                                    <p:animEffect transition="in" filter="fade">
+                                      <p:cBhvr>
+                                        <p:cTn id="42" dur="500"/>
+                                        <p:tgtEl>
+                                          <p:spTgt spid="10">
+                                            <p:txEl>
+                                              <p:pRg st="1" end="1"/>
+                                            </p:txEl>
+                                          </p:spTgt>
+                                        </p:tgtEl>
+                                      </p:cBhvr>
+                                    </p:animEffect>
+                                  </p:childTnLst>
+                                </p:cTn>
+                              </p:par>
+                            </p:childTnLst>
+                          </p:cTn>
+                        </p:par>
+                      </p:childTnLst>
+                    </p:cTn>
+                  </p:par>
+                  <p:par>
+                    <p:cTn id="43" fill="hold">
+                      <p:stCondLst>
+                        <p:cond delay="indefinite"/>
+                      </p:stCondLst>
+                      <p:childTnLst>
+                        <p:par>
+                          <p:cTn id="44" fill="hold">
+                            <p:stCondLst>
+                              <p:cond delay="0"/>
+                            </p:stCondLst>
+                            <p:childTnLst>
+                              <p:par>
+                                <p:cTn id="45" presetID="10" presetClass="entr" presetSubtype="0" fill="hold" nodeType="clickEffect">
+                                  <p:stCondLst>
+                                    <p:cond delay="0"/>
+                                  </p:stCondLst>
+                                  <p:childTnLst>
+                                    <p:set>
+                                      <p:cBhvr>
+                                        <p:cTn id="46" dur="1" fill="hold">
+                                          <p:stCondLst>
+                                            <p:cond delay="0"/>
+                                          </p:stCondLst>
+                                        </p:cTn>
+                                        <p:tgtEl>
+                                          <p:spTgt spid="10">
+                                            <p:txEl>
+                                              <p:pRg st="2" end="2"/>
+                                            </p:txEl>
+                                          </p:spTgt>
+                                        </p:tgtEl>
+                                        <p:attrNameLst>
+                                          <p:attrName>style.visibility</p:attrName>
+                                        </p:attrNameLst>
+                                      </p:cBhvr>
+                                      <p:to>
+                                        <p:strVal val="visible"/>
+                                      </p:to>
+                                    </p:set>
+                                    <p:animEffect transition="in" filter="fade">
+                                      <p:cBhvr>
+                                        <p:cTn id="47" dur="500"/>
+                                        <p:tgtEl>
+                                          <p:spTgt spid="10">
+                                            <p:txEl>
+                                              <p:pRg st="2" end="2"/>
+                                            </p:txEl>
+                                          </p:spTgt>
+                                        </p:tgtEl>
+                                      </p:cBhvr>
+                                    </p:animEffect>
+                                  </p:childTnLst>
+                                </p:cTn>
+                              </p:par>
+                            </p:childTnLst>
+                          </p:cTn>
+                        </p:par>
+                      </p:childTnLst>
+                    </p:cTn>
+                  </p:par>
+                  <p:par>
+                    <p:cTn id="48" fill="hold">
+                      <p:stCondLst>
+                        <p:cond delay="indefinite"/>
+                      </p:stCondLst>
+                      <p:childTnLst>
+                        <p:par>
+                          <p:cTn id="49" fill="hold">
+                            <p:stCondLst>
+                              <p:cond delay="0"/>
+                            </p:stCondLst>
+                            <p:childTnLst>
+                              <p:par>
+                                <p:cTn id="50" presetID="10" presetClass="entr" presetSubtype="0" fill="hold" nodeType="clickEffect">
+                                  <p:stCondLst>
+                                    <p:cond delay="0"/>
+                                  </p:stCondLst>
+                                  <p:childTnLst>
+                                    <p:set>
+                                      <p:cBhvr>
+                                        <p:cTn id="51" dur="1" fill="hold">
+                                          <p:stCondLst>
+                                            <p:cond delay="0"/>
+                                          </p:stCondLst>
+                                        </p:cTn>
+                                        <p:tgtEl>
+                                          <p:spTgt spid="10">
+                                            <p:txEl>
+                                              <p:pRg st="3" end="3"/>
+                                            </p:txEl>
+                                          </p:spTgt>
+                                        </p:tgtEl>
+                                        <p:attrNameLst>
+                                          <p:attrName>style.visibility</p:attrName>
+                                        </p:attrNameLst>
+                                      </p:cBhvr>
+                                      <p:to>
+                                        <p:strVal val="visible"/>
+                                      </p:to>
+                                    </p:set>
+                                    <p:animEffect transition="in" filter="fade">
+                                      <p:cBhvr>
+                                        <p:cTn id="52" dur="500"/>
+                                        <p:tgtEl>
+                                          <p:spTgt spid="10">
+                                            <p:txEl>
+                                              <p:pRg st="3" end="3"/>
+                                            </p:txEl>
+                                          </p:spTgt>
+                                        </p:tgtEl>
+                                      </p:cBhvr>
+                                    </p:animEffect>
+                                  </p:childTnLst>
+                                </p:cTn>
+                              </p:par>
+                            </p:childTnLst>
+                          </p:cTn>
+                        </p:par>
+                      </p:childTnLst>
+                    </p:cTn>
+                  </p:par>
+                  <p:par>
+                    <p:cTn id="53" fill="hold">
+                      <p:stCondLst>
+                        <p:cond delay="indefinite"/>
+                      </p:stCondLst>
+                      <p:childTnLst>
+                        <p:par>
+                          <p:cTn id="54" fill="hold">
+                            <p:stCondLst>
+                              <p:cond delay="0"/>
+                            </p:stCondLst>
+                            <p:childTnLst>
+                              <p:par>
+                                <p:cTn id="55" presetID="10" presetClass="entr" presetSubtype="0" fill="hold" nodeType="clickEffect">
+                                  <p:stCondLst>
+                                    <p:cond delay="0"/>
+                                  </p:stCondLst>
+                                  <p:childTnLst>
+                                    <p:set>
+                                      <p:cBhvr>
+                                        <p:cTn id="56" dur="1" fill="hold">
+                                          <p:stCondLst>
+                                            <p:cond delay="0"/>
+                                          </p:stCondLst>
+                                        </p:cTn>
+                                        <p:tgtEl>
+                                          <p:spTgt spid="10">
+                                            <p:txEl>
+                                              <p:pRg st="4" end="4"/>
+                                            </p:txEl>
+                                          </p:spTgt>
+                                        </p:tgtEl>
+                                        <p:attrNameLst>
+                                          <p:attrName>style.visibility</p:attrName>
+                                        </p:attrNameLst>
+                                      </p:cBhvr>
+                                      <p:to>
+                                        <p:strVal val="visible"/>
+                                      </p:to>
+                                    </p:set>
+                                    <p:animEffect transition="in" filter="fade">
+                                      <p:cBhvr>
+                                        <p:cTn id="57" dur="500"/>
+                                        <p:tgtEl>
+                                          <p:spTgt spid="10">
+                                            <p:txEl>
+                                              <p:pRg st="4" end="4"/>
+                                            </p:txEl>
+                                          </p:spTgt>
+                                        </p:tgtEl>
+                                      </p:cBhvr>
+                                    </p:animEffect>
+                                  </p:childTnLst>
+                                </p:cTn>
+                              </p:par>
+                            </p:childTnLst>
+                          </p:cTn>
+                        </p:par>
+                      </p:childTnLst>
+                    </p:cTn>
+                  </p:par>
+                </p:childTnLst>
+              </p:cTn>
+              <p:prevCondLst>
+                <p:cond evt="onPrev" delay="0">
+                  <p:tgtEl>
+                    <p:sldTgt/>
+                  </p:tgtEl>
+                </p:cond>
+              </p:prevCondLst>
+              <p:nextCondLst>
+                <p:cond evt="onNext" delay="0">
+                  <p:tgtEl>
+                    <p:sldTgt/>
+                  </p:tgtEl>
+                </p:cond>
+              </p:nextCondLst>
+            </p:seq>
+          </p:childTnLst>
+        </p:cTn>
+      </p:par>
+    </p:tnLst>
+  </p:timing>
+</p:sld>
+</file>
+
+<file path=ppt/slides/slide4.xml><?xml version="1.0" encoding="utf-8"?>
+<p:sld xmlns:a="http://schemas.openxmlformats.org/drawingml/2006/main" xmlns:r="http://schemas.openxmlformats.org/officeDocument/2006/relationships" xmlns:p="http://schemas.openxmlformats.org/presentationml/2006/main">
+  <p:cSld>
+    <p:spTree>
+      <p:nvGrpSpPr>
+        <p:cNvPr id="1" name=""/>
+        <p:cNvGrpSpPr/>
+        <p:nvPr/>
+      </p:nvGrpSpPr>
+      <p:grpSpPr>
+        <a:xfrm>
+          <a:off x="0" y="0"/>
+          <a:ext cx="0" cy="0"/>
+          <a:chOff x="0" y="0"/>
+          <a:chExt cx="0" cy="0"/>
+        </a:xfrm>
+      </p:grpSpPr>
+      <p:sp>
+        <p:nvSpPr>
+          <p:cNvPr id="6" name="Inhaltsplatzhalter 5">
+            <a:extLst>
+              <a:ext uri="{FF2B5EF4-FFF2-40B4-BE49-F238E27FC236}">
+                <a16:creationId xmlns:a16="http://schemas.microsoft.com/office/drawing/2014/main" id="{67FD4DD5-46C1-4974-A569-BB95F27DCC4F}"/>
+              </a:ext>
+            </a:extLst>
+          </p:cNvPr>
+          <p:cNvSpPr>
+            <a:spLocks noGrp="1"/>
+          </p:cNvSpPr>
+          <p:nvPr>
+            <p:ph idx="1"/>
+          </p:nvPr>
+        </p:nvSpPr>
+        <p:spPr>
+          <a:xfrm>
+            <a:off x="838200" y="1825625"/>
+            <a:ext cx="7958667" cy="2485082"/>
+          </a:xfrm>
+        </p:spPr>
+        <p:txBody>
+          <a:bodyPr>
+            <a:normAutofit/>
+          </a:bodyPr>
+          <a:lstStyle/>
+          <a:p>
+            <a:r>
+              <a:rPr lang="de-DE" sz="2400" dirty="0">
+                <a:solidFill>
+                  <a:schemeClr val="tx1">
+                    <a:lumMod val="95000"/>
+                  </a:schemeClr>
+                </a:solidFill>
+              </a:rPr>
+              <a:t>Eine Funktion besteht aus einem…</a:t>
+            </a:r>
+          </a:p>
+          <a:p>
+            <a:pPr lvl="1"/>
+            <a:r>
+              <a:rPr lang="de-DE" sz="2000" dirty="0">
+                <a:solidFill>
+                  <a:srgbClr val="AB49F6"/>
+                </a:solidFill>
+              </a:rPr>
+              <a:t>Schlüsselwort</a:t>
+            </a:r>
+          </a:p>
+          <a:p>
+            <a:pPr lvl="1"/>
+            <a:r>
+              <a:rPr lang="de-DE" sz="2000" dirty="0">
+                <a:solidFill>
+                  <a:srgbClr val="00B050"/>
+                </a:solidFill>
+              </a:rPr>
+              <a:t>Namen</a:t>
+            </a:r>
+          </a:p>
+          <a:p>
+            <a:pPr lvl="1"/>
+            <a:r>
+              <a:rPr lang="de-DE" sz="2000" dirty="0">
+                <a:solidFill>
+                  <a:schemeClr val="tx2">
+                    <a:lumMod val="75000"/>
+                  </a:schemeClr>
+                </a:solidFill>
+              </a:rPr>
+              <a:t>Runde Klammern</a:t>
+            </a:r>
+          </a:p>
+          <a:p>
+            <a:pPr lvl="1"/>
+            <a:r>
+              <a:rPr lang="de-DE" sz="2000" dirty="0">
+                <a:solidFill>
+                  <a:srgbClr val="FFC000"/>
+                </a:solidFill>
+              </a:rPr>
+              <a:t>Parameter (optional)</a:t>
+            </a:r>
+          </a:p>
+          <a:p>
+            <a:pPr lvl="1"/>
+            <a:r>
+              <a:rPr lang="de-DE" sz="2000" dirty="0">
+                <a:solidFill>
+                  <a:srgbClr val="FFFF00"/>
+                </a:solidFill>
+              </a:rPr>
+              <a:t>Doppelpunkt</a:t>
+            </a:r>
+          </a:p>
+          <a:p>
+            <a:pPr lvl="1"/>
+            <a:r>
+              <a:rPr lang="de-DE" sz="2000" dirty="0">
+                <a:solidFill>
+                  <a:schemeClr val="tx1">
+                    <a:lumMod val="75000"/>
+                  </a:schemeClr>
+                </a:solidFill>
+              </a:rPr>
+              <a:t>Inhalt</a:t>
+            </a:r>
+          </a:p>
+          <a:p>
+            <a:pPr lvl="1"/>
+            <a:endParaRPr lang="de-DE" sz="2000" dirty="0">
+              <a:solidFill>
+                <a:schemeClr val="tx1">
+                  <a:lumMod val="95000"/>
+                </a:schemeClr>
+              </a:solidFill>
+            </a:endParaRPr>
+          </a:p>
+          <a:p>
+            <a:pPr lvl="1"/>
+            <a:endParaRPr lang="de-DE" sz="2000" dirty="0">
+              <a:solidFill>
+                <a:schemeClr val="tx1">
+                  <a:lumMod val="95000"/>
+                </a:schemeClr>
+              </a:solidFill>
+            </a:endParaRPr>
+          </a:p>
+          <a:p>
+            <a:pPr marL="457200" lvl="1" indent="0">
+              <a:buNone/>
+            </a:pPr>
+            <a:endParaRPr lang="de-DE" sz="2000" dirty="0">
+              <a:solidFill>
+                <a:schemeClr val="tx1">
+                  <a:lumMod val="95000"/>
+                </a:schemeClr>
+              </a:solidFill>
+            </a:endParaRPr>
+          </a:p>
+        </p:txBody>
+      </p:sp>
+      <p:sp>
+        <p:nvSpPr>
+          <p:cNvPr id="5" name="Titel 4">
+            <a:extLst>
+              <a:ext uri="{FF2B5EF4-FFF2-40B4-BE49-F238E27FC236}">
+                <a16:creationId xmlns:a16="http://schemas.microsoft.com/office/drawing/2014/main" id="{BDF2C912-E02F-4E1F-82DF-351A88BA5B31}"/>
+              </a:ext>
+            </a:extLst>
+          </p:cNvPr>
+          <p:cNvSpPr>
+            <a:spLocks noGrp="1"/>
+          </p:cNvSpPr>
+          <p:nvPr>
+            <p:ph type="title"/>
+          </p:nvPr>
+        </p:nvSpPr>
+        <p:spPr>
+          <a:xfrm>
+            <a:off x="838200" y="365125"/>
+            <a:ext cx="7958667" cy="1137104"/>
+          </a:xfrm>
+        </p:spPr>
+        <p:txBody>
+          <a:bodyPr anchor="b">
+            <a:normAutofit/>
+          </a:bodyPr>
+          <a:lstStyle/>
+          <a:p>
+            <a:r>
+              <a:rPr lang="de-DE" sz="4400" dirty="0">
+                <a:solidFill>
+                  <a:schemeClr val="tx1">
+                    <a:lumMod val="95000"/>
+                  </a:schemeClr>
+                </a:solidFill>
+              </a:rPr>
+              <a:t>Aufbau von Funktionen</a:t>
+            </a:r>
+          </a:p>
+        </p:txBody>
+      </p:sp>
+      <p:sp>
+        <p:nvSpPr>
+          <p:cNvPr id="7" name="Date Placeholder 3">
+            <a:extLst>
+              <a:ext uri="{FF2B5EF4-FFF2-40B4-BE49-F238E27FC236}">
+                <a16:creationId xmlns:a16="http://schemas.microsoft.com/office/drawing/2014/main" id="{10FFBAAD-19F5-4D04-A8CB-A12454F58FFD}"/>
+              </a:ext>
+            </a:extLst>
+          </p:cNvPr>
+          <p:cNvSpPr>
+            <a:spLocks noGrp="1"/>
+          </p:cNvSpPr>
+          <p:nvPr>
+            <p:ph type="dt" sz="half" idx="10"/>
+          </p:nvPr>
+        </p:nvSpPr>
+        <p:spPr>
+          <a:xfrm>
+            <a:off x="838200" y="6356350"/>
+            <a:ext cx="2743200" cy="365125"/>
+          </a:xfrm>
+        </p:spPr>
+        <p:txBody>
+          <a:bodyPr/>
+          <a:lstStyle/>
+          <a:p>
+            <a:fld id="{D4AD37E9-5A10-49A7-855D-CAA2D2E848B6}" type="datetimeFigureOut">
+              <a:rPr lang="de-DE" smtClean="0"/>
+              <a:t>28.07.21</a:t>
+            </a:fld>
+            <a:endParaRPr lang="de-DE"/>
+          </a:p>
+        </p:txBody>
+      </p:sp>
+      <p:sp>
+        <p:nvSpPr>
+          <p:cNvPr id="8" name="Footer Placeholder 4">
+            <a:extLst>
+              <a:ext uri="{FF2B5EF4-FFF2-40B4-BE49-F238E27FC236}">
+                <a16:creationId xmlns:a16="http://schemas.microsoft.com/office/drawing/2014/main" id="{3B4D951D-CFCF-46C6-91EB-50913F6DFC4D}"/>
+              </a:ext>
+            </a:extLst>
+          </p:cNvPr>
+          <p:cNvSpPr>
+            <a:spLocks noGrp="1"/>
+          </p:cNvSpPr>
+          <p:nvPr>
+            <p:ph type="ftr" sz="quarter" idx="11"/>
+          </p:nvPr>
+        </p:nvSpPr>
+        <p:spPr>
+          <a:xfrm>
+            <a:off x="4038600" y="6356350"/>
+            <a:ext cx="4114800" cy="365125"/>
+          </a:xfrm>
+        </p:spPr>
+        <p:txBody>
+          <a:bodyPr/>
+          <a:lstStyle/>
+          <a:p>
+            <a:r>
+              <a:rPr lang="de-DE" sz="1200" dirty="0">
+                <a:solidFill>
+                  <a:schemeClr val="tx1">
+                    <a:lumMod val="95000"/>
+                  </a:schemeClr>
+                </a:solidFill>
+              </a:rPr>
+              <a:t>Funktionen </a:t>
+            </a:r>
+            <a:endParaRPr lang="en-US" sz="1200" dirty="0">
+              <a:solidFill>
+                <a:schemeClr val="tx1">
+                  <a:lumMod val="95000"/>
+                </a:schemeClr>
+              </a:solidFill>
+              <a:latin typeface="+mj-lt"/>
+            </a:endParaRPr>
+          </a:p>
+        </p:txBody>
+      </p:sp>
+      <p:sp>
+        <p:nvSpPr>
+          <p:cNvPr id="9" name="Slide Number Placeholder 5">
+            <a:extLst>
+              <a:ext uri="{FF2B5EF4-FFF2-40B4-BE49-F238E27FC236}">
+                <a16:creationId xmlns:a16="http://schemas.microsoft.com/office/drawing/2014/main" id="{3690FB59-357D-44F2-A4A7-2F771FE7F7EF}"/>
+              </a:ext>
+            </a:extLst>
+          </p:cNvPr>
+          <p:cNvSpPr>
+            <a:spLocks noGrp="1"/>
+          </p:cNvSpPr>
+          <p:nvPr>
+            <p:ph type="sldNum" sz="quarter" idx="12"/>
+          </p:nvPr>
+        </p:nvSpPr>
+        <p:spPr>
+          <a:xfrm>
+            <a:off x="8610600" y="6356350"/>
+            <a:ext cx="2743200" cy="365125"/>
+          </a:xfrm>
+        </p:spPr>
+        <p:txBody>
+          <a:bodyPr/>
+          <a:lstStyle/>
+          <a:p>
+            <a:fld id="{312A73BE-F097-4DBB-AEB2-4CC070160BA0}" type="slidenum">
+              <a:rPr lang="de-DE" smtClean="0"/>
+              <a:t>4</a:t>
+            </a:fld>
+            <a:endParaRPr lang="de-DE"/>
+          </a:p>
+        </p:txBody>
+      </p:sp>
+      <p:grpSp>
+        <p:nvGrpSpPr>
+          <p:cNvPr id="36" name="Gruppieren 35">
+            <a:extLst>
+              <a:ext uri="{FF2B5EF4-FFF2-40B4-BE49-F238E27FC236}">
+                <a16:creationId xmlns:a16="http://schemas.microsoft.com/office/drawing/2014/main" id="{3DC4BD74-D757-B946-A3F8-836972C2C17F}"/>
+              </a:ext>
+            </a:extLst>
+          </p:cNvPr>
+          <p:cNvGrpSpPr/>
+          <p:nvPr/>
+        </p:nvGrpSpPr>
+        <p:grpSpPr>
+          <a:xfrm>
+            <a:off x="2802982" y="4634103"/>
+            <a:ext cx="6586036" cy="941814"/>
+            <a:chOff x="2926413" y="4983056"/>
+            <a:chExt cx="6586036" cy="941814"/>
+          </a:xfrm>
+        </p:grpSpPr>
+        <p:sp>
+          <p:nvSpPr>
+            <p:cNvPr id="13" name="Textfeld 12">
+              <a:extLst>
+                <a:ext uri="{FF2B5EF4-FFF2-40B4-BE49-F238E27FC236}">
+                  <a16:creationId xmlns:a16="http://schemas.microsoft.com/office/drawing/2014/main" id="{D2E707DF-03FE-1A4B-97C9-4B88F2FB32AC}"/>
+                </a:ext>
+              </a:extLst>
+            </p:cNvPr>
+            <p:cNvSpPr txBox="1"/>
+            <p:nvPr/>
+          </p:nvSpPr>
+          <p:spPr>
+            <a:xfrm>
+              <a:off x="2926413" y="4983057"/>
+              <a:ext cx="740587" cy="492443"/>
+            </a:xfrm>
+            <a:prstGeom prst="rect">
+              <a:avLst/>
+            </a:prstGeom>
+            <a:noFill/>
+          </p:spPr>
+          <p:txBody>
+            <a:bodyPr wrap="none" lIns="0" tIns="0" rIns="0" bIns="0" rtlCol="0">
+              <a:spAutoFit/>
+            </a:bodyPr>
+            <a:lstStyle/>
+            <a:p>
+              <a:r>
+                <a:rPr lang="de-DE" sz="3200" dirty="0" err="1">
+                  <a:solidFill>
+                    <a:srgbClr val="AB49F6"/>
+                  </a:solidFill>
+                  <a:latin typeface="Courier" pitchFamily="2" charset="0"/>
+                </a:rPr>
+                <a:t>def</a:t>
+              </a:r>
+              <a:endParaRPr lang="de-DE" sz="3200" dirty="0">
+                <a:solidFill>
+                  <a:schemeClr val="bg2">
+                    <a:lumMod val="60000"/>
+                    <a:lumOff val="40000"/>
+                  </a:schemeClr>
+                </a:solidFill>
+                <a:latin typeface="Courier" pitchFamily="2" charset="0"/>
+              </a:endParaRPr>
+            </a:p>
+          </p:txBody>
+        </p:sp>
+        <p:sp>
+          <p:nvSpPr>
+            <p:cNvPr id="14" name="Textfeld 13">
+              <a:extLst>
+                <a:ext uri="{FF2B5EF4-FFF2-40B4-BE49-F238E27FC236}">
+                  <a16:creationId xmlns:a16="http://schemas.microsoft.com/office/drawing/2014/main" id="{9FE6CF7E-C7F5-E14D-A7DD-72B021992039}"/>
+                </a:ext>
+              </a:extLst>
+            </p:cNvPr>
+            <p:cNvSpPr txBox="1"/>
+            <p:nvPr/>
+          </p:nvSpPr>
+          <p:spPr>
+            <a:xfrm>
+              <a:off x="3886864" y="4988507"/>
+              <a:ext cx="3456074" cy="492443"/>
+            </a:xfrm>
+            <a:prstGeom prst="rect">
+              <a:avLst/>
+            </a:prstGeom>
+            <a:noFill/>
+          </p:spPr>
+          <p:txBody>
+            <a:bodyPr wrap="none" lIns="0" tIns="0" rIns="0" bIns="0" rtlCol="0">
+              <a:spAutoFit/>
+            </a:bodyPr>
+            <a:lstStyle/>
+            <a:p>
+              <a:r>
+                <a:rPr lang="de-DE" sz="3200" dirty="0" err="1">
+                  <a:solidFill>
+                    <a:srgbClr val="00B050"/>
+                  </a:solidFill>
+                  <a:latin typeface="Courier" pitchFamily="2" charset="0"/>
+                </a:rPr>
+                <a:t>meine_funktion</a:t>
+              </a:r>
+              <a:endParaRPr lang="de-DE" sz="3200" dirty="0">
+                <a:solidFill>
+                  <a:srgbClr val="00B050"/>
+                </a:solidFill>
+                <a:latin typeface="Courier" pitchFamily="2" charset="0"/>
+              </a:endParaRPr>
+            </a:p>
+          </p:txBody>
+        </p:sp>
+        <p:sp>
+          <p:nvSpPr>
+            <p:cNvPr id="15" name="Textfeld 14">
+              <a:extLst>
+                <a:ext uri="{FF2B5EF4-FFF2-40B4-BE49-F238E27FC236}">
+                  <a16:creationId xmlns:a16="http://schemas.microsoft.com/office/drawing/2014/main" id="{74CFA3A1-6924-A24A-BF20-DAB78E578202}"/>
+                </a:ext>
+              </a:extLst>
+            </p:cNvPr>
+            <p:cNvSpPr txBox="1"/>
+            <p:nvPr/>
+          </p:nvSpPr>
+          <p:spPr>
+            <a:xfrm>
+              <a:off x="7720660" y="4991009"/>
+              <a:ext cx="1234312" cy="492443"/>
+            </a:xfrm>
+            <a:prstGeom prst="rect">
+              <a:avLst/>
+            </a:prstGeom>
+            <a:noFill/>
+            <a:ln>
+              <a:solidFill>
+                <a:srgbClr val="FFC000"/>
+              </a:solidFill>
+            </a:ln>
+          </p:spPr>
+          <p:txBody>
+            <a:bodyPr wrap="none" lIns="0" tIns="0" rIns="0" bIns="0" rtlCol="0">
+              <a:spAutoFit/>
+            </a:bodyPr>
+            <a:lstStyle/>
+            <a:p>
+              <a:r>
+                <a:rPr lang="de-DE" sz="3200" dirty="0" err="1">
+                  <a:solidFill>
+                    <a:srgbClr val="FFC000"/>
+                  </a:solidFill>
+                  <a:latin typeface="Courier" pitchFamily="2" charset="0"/>
+                </a:rPr>
+                <a:t>param</a:t>
+              </a:r>
+              <a:endParaRPr lang="de-DE" sz="3200" dirty="0">
+                <a:solidFill>
+                  <a:srgbClr val="FFFF00"/>
+                </a:solidFill>
+                <a:latin typeface="Courier" pitchFamily="2" charset="0"/>
+              </a:endParaRPr>
+            </a:p>
+          </p:txBody>
+        </p:sp>
+        <p:sp>
+          <p:nvSpPr>
+            <p:cNvPr id="16" name="Textfeld 15">
+              <a:extLst>
+                <a:ext uri="{FF2B5EF4-FFF2-40B4-BE49-F238E27FC236}">
+                  <a16:creationId xmlns:a16="http://schemas.microsoft.com/office/drawing/2014/main" id="{E5076051-E77D-8040-B4C9-640C01F03A16}"/>
+                </a:ext>
+              </a:extLst>
+            </p:cNvPr>
+            <p:cNvSpPr txBox="1"/>
+            <p:nvPr/>
+          </p:nvSpPr>
+          <p:spPr>
+            <a:xfrm>
+              <a:off x="9265587" y="4983057"/>
+              <a:ext cx="246862" cy="492443"/>
+            </a:xfrm>
+            <a:prstGeom prst="rect">
+              <a:avLst/>
+            </a:prstGeom>
+            <a:noFill/>
+          </p:spPr>
+          <p:txBody>
+            <a:bodyPr wrap="none" lIns="0" tIns="0" rIns="0" bIns="0" rtlCol="0">
+              <a:spAutoFit/>
+            </a:bodyPr>
+            <a:lstStyle/>
+            <a:p>
+              <a:r>
+                <a:rPr lang="de-DE" sz="3200" dirty="0">
+                  <a:solidFill>
+                    <a:srgbClr val="FFFF00"/>
+                  </a:solidFill>
+                  <a:latin typeface="Courier" pitchFamily="2" charset="0"/>
+                </a:rPr>
+                <a:t>:</a:t>
+              </a:r>
+              <a:endParaRPr lang="de-DE" sz="3200" dirty="0">
+                <a:solidFill>
+                  <a:schemeClr val="bg2">
+                    <a:lumMod val="60000"/>
+                    <a:lumOff val="40000"/>
+                  </a:schemeClr>
+                </a:solidFill>
+                <a:latin typeface="Courier" pitchFamily="2" charset="0"/>
+              </a:endParaRPr>
+            </a:p>
+          </p:txBody>
+        </p:sp>
+        <p:sp>
+          <p:nvSpPr>
+            <p:cNvPr id="17" name="Textfeld 16">
+              <a:extLst>
+                <a:ext uri="{FF2B5EF4-FFF2-40B4-BE49-F238E27FC236}">
+                  <a16:creationId xmlns:a16="http://schemas.microsoft.com/office/drawing/2014/main" id="{54002007-700D-1C48-95F8-DD7837C2CFCD}"/>
+                </a:ext>
+              </a:extLst>
+            </p:cNvPr>
+            <p:cNvSpPr txBox="1"/>
+            <p:nvPr/>
+          </p:nvSpPr>
+          <p:spPr>
+            <a:xfrm>
+              <a:off x="3886864" y="5432427"/>
+              <a:ext cx="4937249" cy="492443"/>
+            </a:xfrm>
+            <a:prstGeom prst="rect">
+              <a:avLst/>
+            </a:prstGeom>
+            <a:noFill/>
+            <a:ln>
+              <a:solidFill>
+                <a:schemeClr val="tx1">
+                  <a:lumMod val="65000"/>
+                </a:schemeClr>
+              </a:solidFill>
+            </a:ln>
+          </p:spPr>
+          <p:txBody>
+            <a:bodyPr wrap="none" lIns="0" tIns="0" rIns="0" bIns="0" rtlCol="0">
+              <a:spAutoFit/>
+            </a:bodyPr>
+            <a:lstStyle/>
+            <a:p>
+              <a:r>
+                <a:rPr lang="de-DE" sz="3200" dirty="0" err="1">
+                  <a:solidFill>
+                    <a:schemeClr val="tx1">
+                      <a:lumMod val="75000"/>
+                    </a:schemeClr>
+                  </a:solidFill>
+                  <a:latin typeface="Courier" pitchFamily="2" charset="0"/>
+                </a:rPr>
+                <a:t>print</a:t>
+              </a:r>
+              <a:r>
+                <a:rPr lang="de-DE" sz="3200" dirty="0">
+                  <a:solidFill>
+                    <a:schemeClr val="tx1">
+                      <a:lumMod val="75000"/>
+                    </a:schemeClr>
+                  </a:solidFill>
+                  <a:latin typeface="Courier" pitchFamily="2" charset="0"/>
+                </a:rPr>
+                <a:t>(„</a:t>
+              </a:r>
+              <a:r>
+                <a:rPr lang="de-DE" sz="3200" dirty="0" err="1">
+                  <a:solidFill>
+                    <a:schemeClr val="tx1">
+                      <a:lumMod val="75000"/>
+                    </a:schemeClr>
+                  </a:solidFill>
+                  <a:latin typeface="Courier" pitchFamily="2" charset="0"/>
+                </a:rPr>
+                <a:t>Hello</a:t>
+              </a:r>
+              <a:r>
+                <a:rPr lang="de-DE" sz="3200" dirty="0">
+                  <a:solidFill>
+                    <a:schemeClr val="tx1">
+                      <a:lumMod val="75000"/>
+                    </a:schemeClr>
+                  </a:solidFill>
+                  <a:latin typeface="Courier" pitchFamily="2" charset="0"/>
+                </a:rPr>
+                <a:t> World“)</a:t>
+              </a:r>
+            </a:p>
+          </p:txBody>
+        </p:sp>
+        <p:sp>
+          <p:nvSpPr>
+            <p:cNvPr id="34" name="Textfeld 33">
+              <a:extLst>
+                <a:ext uri="{FF2B5EF4-FFF2-40B4-BE49-F238E27FC236}">
+                  <a16:creationId xmlns:a16="http://schemas.microsoft.com/office/drawing/2014/main" id="{465A2520-96BF-864A-A1E1-0E03BB921CD6}"/>
+                </a:ext>
+              </a:extLst>
+            </p:cNvPr>
+            <p:cNvSpPr txBox="1"/>
+            <p:nvPr/>
+          </p:nvSpPr>
+          <p:spPr>
+            <a:xfrm>
+              <a:off x="7473797" y="4985118"/>
+              <a:ext cx="246862" cy="492443"/>
+            </a:xfrm>
+            <a:prstGeom prst="rect">
+              <a:avLst/>
+            </a:prstGeom>
+            <a:noFill/>
+            <a:ln>
+              <a:solidFill>
+                <a:srgbClr val="FFC000"/>
+              </a:solidFill>
+            </a:ln>
+          </p:spPr>
+          <p:txBody>
+            <a:bodyPr wrap="none" lIns="0" tIns="0" rIns="0" bIns="0" rtlCol="0">
+              <a:spAutoFit/>
+            </a:bodyPr>
+            <a:lstStyle/>
+            <a:p>
+              <a:r>
+                <a:rPr lang="de-DE" sz="3200" dirty="0">
+                  <a:solidFill>
+                    <a:schemeClr val="tx2">
+                      <a:lumMod val="75000"/>
+                    </a:schemeClr>
+                  </a:solidFill>
+                  <a:latin typeface="Courier" pitchFamily="2" charset="0"/>
+                </a:rPr>
+                <a:t>(</a:t>
+              </a:r>
+              <a:endParaRPr lang="de-DE" sz="3200" dirty="0">
+                <a:solidFill>
+                  <a:srgbClr val="FFFF00"/>
+                </a:solidFill>
+                <a:latin typeface="Courier" pitchFamily="2" charset="0"/>
+              </a:endParaRPr>
+            </a:p>
+          </p:txBody>
+        </p:sp>
+        <p:sp>
+          <p:nvSpPr>
+            <p:cNvPr id="35" name="Textfeld 34">
+              <a:extLst>
+                <a:ext uri="{FF2B5EF4-FFF2-40B4-BE49-F238E27FC236}">
+                  <a16:creationId xmlns:a16="http://schemas.microsoft.com/office/drawing/2014/main" id="{4749D045-C254-B94F-80B7-220498B09513}"/>
+                </a:ext>
+              </a:extLst>
+            </p:cNvPr>
+            <p:cNvSpPr txBox="1"/>
+            <p:nvPr/>
+          </p:nvSpPr>
+          <p:spPr>
+            <a:xfrm>
+              <a:off x="8944767" y="4983056"/>
+              <a:ext cx="246862" cy="492443"/>
+            </a:xfrm>
+            <a:prstGeom prst="rect">
+              <a:avLst/>
+            </a:prstGeom>
+            <a:noFill/>
+            <a:ln>
+              <a:solidFill>
+                <a:srgbClr val="FFC000"/>
+              </a:solidFill>
+            </a:ln>
+          </p:spPr>
+          <p:txBody>
+            <a:bodyPr wrap="none" lIns="0" tIns="0" rIns="0" bIns="0" rtlCol="0">
+              <a:spAutoFit/>
+            </a:bodyPr>
+            <a:lstStyle/>
+            <a:p>
+              <a:r>
+                <a:rPr lang="de-DE" sz="3200" dirty="0">
+                  <a:solidFill>
+                    <a:schemeClr val="tx2">
+                      <a:lumMod val="75000"/>
+                    </a:schemeClr>
+                  </a:solidFill>
+                  <a:latin typeface="Courier" pitchFamily="2" charset="0"/>
+                </a:rPr>
+                <a:t>)</a:t>
+              </a:r>
+              <a:endParaRPr lang="de-DE" sz="3200" dirty="0">
+                <a:solidFill>
+                  <a:srgbClr val="FFFF00"/>
+                </a:solidFill>
+                <a:latin typeface="Courier" pitchFamily="2" charset="0"/>
+              </a:endParaRPr>
+            </a:p>
+          </p:txBody>
+        </p:sp>
+      </p:grpSp>
+    </p:spTree>
+    <p:extLst>
+      <p:ext uri="{BB962C8B-B14F-4D97-AF65-F5344CB8AC3E}">
+        <p14:creationId xmlns:p14="http://schemas.microsoft.com/office/powerpoint/2010/main" val="1821020549"/>
+      </p:ext>
+    </p:extLst>
+  </p:cSld>
+  <p:clrMapOvr>
+    <a:masterClrMapping/>
+  </p:clrMapOvr>
+  <p:timing>
+    <p:tnLst>
+      <p:par>
+        <p:cTn id="1" dur="indefinite" restart="never" nodeType="tmRoot">
+          <p:childTnLst>
+            <p:seq concurrent="1" nextAc="seek">
+              <p:cTn id="2" dur="indefinite" nodeType="mainSeq">
+                <p:childTnLst>
+                  <p:par>
+                    <p:cTn id="3" fill="hold">
+                      <p:stCondLst>
+                        <p:cond delay="indefinite"/>
+                      </p:stCondLst>
+                      <p:childTnLst>
+                        <p:par>
+                          <p:cTn id="4" fill="hold">
+                            <p:stCondLst>
+                              <p:cond delay="0"/>
+                            </p:stCondLst>
+                            <p:childTnLst>
+                              <p:par>
+                                <p:cTn id="5" presetID="10" presetClass="entr" presetSubtype="0" fill="hold" grpId="0" nodeType="clickEffect">
                                   <p:stCondLst>
                                     <p:cond delay="0"/>
                                   </p:stCondLst>
@@ -8416,6 +10046,189 @@
                       </p:childTnLst>
                     </p:cTn>
                   </p:par>
+                  <p:par>
+                    <p:cTn id="23" fill="hold">
+                      <p:stCondLst>
+                        <p:cond delay="indefinite"/>
+                      </p:stCondLst>
+                      <p:childTnLst>
+                        <p:par>
+                          <p:cTn id="24" fill="hold">
+                            <p:stCondLst>
+                              <p:cond delay="0"/>
+                            </p:stCondLst>
+                            <p:childTnLst>
+                              <p:par>
+                                <p:cTn id="25" presetID="10" presetClass="entr" presetSubtype="0" fill="hold" grpId="0" nodeType="clickEffect">
+                                  <p:stCondLst>
+                                    <p:cond delay="0"/>
+                                  </p:stCondLst>
+                                  <p:childTnLst>
+                                    <p:set>
+                                      <p:cBhvr>
+                                        <p:cTn id="26" dur="1" fill="hold">
+                                          <p:stCondLst>
+                                            <p:cond delay="0"/>
+                                          </p:stCondLst>
+                                        </p:cTn>
+                                        <p:tgtEl>
+                                          <p:spTgt spid="6">
+                                            <p:txEl>
+                                              <p:pRg st="4" end="4"/>
+                                            </p:txEl>
+                                          </p:spTgt>
+                                        </p:tgtEl>
+                                        <p:attrNameLst>
+                                          <p:attrName>style.visibility</p:attrName>
+                                        </p:attrNameLst>
+                                      </p:cBhvr>
+                                      <p:to>
+                                        <p:strVal val="visible"/>
+                                      </p:to>
+                                    </p:set>
+                                    <p:animEffect transition="in" filter="fade">
+                                      <p:cBhvr>
+                                        <p:cTn id="27" dur="500"/>
+                                        <p:tgtEl>
+                                          <p:spTgt spid="6">
+                                            <p:txEl>
+                                              <p:pRg st="4" end="4"/>
+                                            </p:txEl>
+                                          </p:spTgt>
+                                        </p:tgtEl>
+                                      </p:cBhvr>
+                                    </p:animEffect>
+                                  </p:childTnLst>
+                                </p:cTn>
+                              </p:par>
+                            </p:childTnLst>
+                          </p:cTn>
+                        </p:par>
+                      </p:childTnLst>
+                    </p:cTn>
+                  </p:par>
+                  <p:par>
+                    <p:cTn id="28" fill="hold">
+                      <p:stCondLst>
+                        <p:cond delay="indefinite"/>
+                      </p:stCondLst>
+                      <p:childTnLst>
+                        <p:par>
+                          <p:cTn id="29" fill="hold">
+                            <p:stCondLst>
+                              <p:cond delay="0"/>
+                            </p:stCondLst>
+                            <p:childTnLst>
+                              <p:par>
+                                <p:cTn id="30" presetID="10" presetClass="entr" presetSubtype="0" fill="hold" grpId="0" nodeType="clickEffect">
+                                  <p:stCondLst>
+                                    <p:cond delay="0"/>
+                                  </p:stCondLst>
+                                  <p:childTnLst>
+                                    <p:set>
+                                      <p:cBhvr>
+                                        <p:cTn id="31" dur="1" fill="hold">
+                                          <p:stCondLst>
+                                            <p:cond delay="0"/>
+                                          </p:stCondLst>
+                                        </p:cTn>
+                                        <p:tgtEl>
+                                          <p:spTgt spid="6">
+                                            <p:txEl>
+                                              <p:pRg st="5" end="5"/>
+                                            </p:txEl>
+                                          </p:spTgt>
+                                        </p:tgtEl>
+                                        <p:attrNameLst>
+                                          <p:attrName>style.visibility</p:attrName>
+                                        </p:attrNameLst>
+                                      </p:cBhvr>
+                                      <p:to>
+                                        <p:strVal val="visible"/>
+                                      </p:to>
+                                    </p:set>
+                                    <p:animEffect transition="in" filter="fade">
+                                      <p:cBhvr>
+                                        <p:cTn id="32" dur="500"/>
+                                        <p:tgtEl>
+                                          <p:spTgt spid="6">
+                                            <p:txEl>
+                                              <p:pRg st="5" end="5"/>
+                                            </p:txEl>
+                                          </p:spTgt>
+                                        </p:tgtEl>
+                                      </p:cBhvr>
+                                    </p:animEffect>
+                                  </p:childTnLst>
+                                </p:cTn>
+                              </p:par>
+                            </p:childTnLst>
+                          </p:cTn>
+                        </p:par>
+                      </p:childTnLst>
+                    </p:cTn>
+                  </p:par>
+                  <p:par>
+                    <p:cTn id="33" fill="hold">
+                      <p:stCondLst>
+                        <p:cond delay="indefinite"/>
+                      </p:stCondLst>
+                      <p:childTnLst>
+                        <p:par>
+                          <p:cTn id="34" fill="hold">
+                            <p:stCondLst>
+                              <p:cond delay="0"/>
+                            </p:stCondLst>
+                            <p:childTnLst>
+                              <p:par>
+                                <p:cTn id="35" presetID="10" presetClass="entr" presetSubtype="0" fill="hold" grpId="0" nodeType="clickEffect">
+                                  <p:stCondLst>
+                                    <p:cond delay="0"/>
+                                  </p:stCondLst>
+                                  <p:childTnLst>
+                                    <p:set>
+                                      <p:cBhvr>
+                                        <p:cTn id="36" dur="1" fill="hold">
+                                          <p:stCondLst>
+                                            <p:cond delay="0"/>
+                                          </p:stCondLst>
+                                        </p:cTn>
+                                        <p:tgtEl>
+                                          <p:spTgt spid="6">
+                                            <p:txEl>
+                                              <p:pRg st="6" end="6"/>
+                                            </p:txEl>
+                                          </p:spTgt>
+                                        </p:tgtEl>
+                                        <p:attrNameLst>
+                                          <p:attrName>style.visibility</p:attrName>
+                                        </p:attrNameLst>
+                                      </p:cBhvr>
+                                      <p:to>
+                                        <p:strVal val="visible"/>
+                                      </p:to>
+                                    </p:set>
+                                    <p:animEffect transition="in" filter="fade">
+                                      <p:cBhvr>
+                                        <p:cTn id="37" dur="500"/>
+                                        <p:tgtEl>
+                                          <p:spTgt spid="6">
+                                            <p:txEl>
+                                              <p:pRg st="6" end="6"/>
+                                            </p:txEl>
+                                          </p:spTgt>
+                                        </p:tgtEl>
+                                      </p:cBhvr>
+                                    </p:animEffect>
+                                  </p:childTnLst>
+                                </p:cTn>
+                              </p:par>
+                            </p:childTnLst>
+                          </p:cTn>
+                        </p:par>
+                      </p:childTnLst>
+                    </p:cTn>
+                  </p:par>
                 </p:childTnLst>
               </p:cTn>
               <p:prevCondLst>
@@ -8439,6 +10252,3367 @@
     </p:tnLst>
     <p:bldLst>
       <p:bldP spid="6" grpId="0" uiExpand="1" build="p"/>
+    </p:bldLst>
+  </p:timing>
+</p:sld>
+</file>
+
+<file path=ppt/slides/slide5.xml><?xml version="1.0" encoding="utf-8"?>
+<p:sld xmlns:a="http://schemas.openxmlformats.org/drawingml/2006/main" xmlns:r="http://schemas.openxmlformats.org/officeDocument/2006/relationships" xmlns:p="http://schemas.openxmlformats.org/presentationml/2006/main">
+  <p:cSld>
+    <p:spTree>
+      <p:nvGrpSpPr>
+        <p:cNvPr id="1" name=""/>
+        <p:cNvGrpSpPr/>
+        <p:nvPr/>
+      </p:nvGrpSpPr>
+      <p:grpSpPr>
+        <a:xfrm>
+          <a:off x="0" y="0"/>
+          <a:ext cx="0" cy="0"/>
+          <a:chOff x="0" y="0"/>
+          <a:chExt cx="0" cy="0"/>
+        </a:xfrm>
+      </p:grpSpPr>
+      <p:sp>
+        <p:nvSpPr>
+          <p:cNvPr id="5" name="Titel 4">
+            <a:extLst>
+              <a:ext uri="{FF2B5EF4-FFF2-40B4-BE49-F238E27FC236}">
+                <a16:creationId xmlns:a16="http://schemas.microsoft.com/office/drawing/2014/main" id="{BDF2C912-E02F-4E1F-82DF-351A88BA5B31}"/>
+              </a:ext>
+            </a:extLst>
+          </p:cNvPr>
+          <p:cNvSpPr>
+            <a:spLocks noGrp="1"/>
+          </p:cNvSpPr>
+          <p:nvPr>
+            <p:ph type="title"/>
+          </p:nvPr>
+        </p:nvSpPr>
+        <p:spPr>
+          <a:xfrm>
+            <a:off x="838200" y="365125"/>
+            <a:ext cx="7958667" cy="1137104"/>
+          </a:xfrm>
+        </p:spPr>
+        <p:txBody>
+          <a:bodyPr anchor="b">
+            <a:normAutofit/>
+          </a:bodyPr>
+          <a:lstStyle/>
+          <a:p>
+            <a:r>
+              <a:rPr lang="de-DE" sz="4400" dirty="0">
+                <a:solidFill>
+                  <a:schemeClr val="tx1">
+                    <a:lumMod val="95000"/>
+                  </a:schemeClr>
+                </a:solidFill>
+              </a:rPr>
+              <a:t>Funktions-Parameter</a:t>
+            </a:r>
+          </a:p>
+        </p:txBody>
+      </p:sp>
+      <p:sp>
+        <p:nvSpPr>
+          <p:cNvPr id="6" name="Inhaltsplatzhalter 5">
+            <a:extLst>
+              <a:ext uri="{FF2B5EF4-FFF2-40B4-BE49-F238E27FC236}">
+                <a16:creationId xmlns:a16="http://schemas.microsoft.com/office/drawing/2014/main" id="{67FD4DD5-46C1-4974-A569-BB95F27DCC4F}"/>
+              </a:ext>
+            </a:extLst>
+          </p:cNvPr>
+          <p:cNvSpPr>
+            <a:spLocks noGrp="1"/>
+          </p:cNvSpPr>
+          <p:nvPr>
+            <p:ph idx="1"/>
+          </p:nvPr>
+        </p:nvSpPr>
+        <p:spPr>
+          <a:xfrm>
+            <a:off x="838200" y="1825625"/>
+            <a:ext cx="7106391" cy="4351338"/>
+          </a:xfrm>
+        </p:spPr>
+        <p:txBody>
+          <a:bodyPr>
+            <a:normAutofit/>
+          </a:bodyPr>
+          <a:lstStyle/>
+          <a:p>
+            <a:r>
+              <a:rPr lang="de-DE" sz="2400" dirty="0">
+                <a:solidFill>
+                  <a:schemeClr val="tx1">
+                    <a:lumMod val="95000"/>
+                  </a:schemeClr>
+                </a:solidFill>
+              </a:rPr>
+              <a:t>besondere Variablen, die nur innerhalb der Funktion verwendet werden können</a:t>
+            </a:r>
+          </a:p>
+          <a:p>
+            <a:endParaRPr lang="de-DE" sz="2400" dirty="0">
+              <a:solidFill>
+                <a:schemeClr val="tx1">
+                  <a:lumMod val="95000"/>
+                </a:schemeClr>
+              </a:solidFill>
+            </a:endParaRPr>
+          </a:p>
+        </p:txBody>
+      </p:sp>
+      <p:sp>
+        <p:nvSpPr>
+          <p:cNvPr id="7" name="Date Placeholder 3">
+            <a:extLst>
+              <a:ext uri="{FF2B5EF4-FFF2-40B4-BE49-F238E27FC236}">
+                <a16:creationId xmlns:a16="http://schemas.microsoft.com/office/drawing/2014/main" id="{18705B3C-262D-45A3-8C90-9FC26244A8CC}"/>
+              </a:ext>
+            </a:extLst>
+          </p:cNvPr>
+          <p:cNvSpPr>
+            <a:spLocks noGrp="1"/>
+          </p:cNvSpPr>
+          <p:nvPr>
+            <p:ph type="dt" sz="half" idx="10"/>
+          </p:nvPr>
+        </p:nvSpPr>
+        <p:spPr>
+          <a:xfrm>
+            <a:off x="838200" y="6356350"/>
+            <a:ext cx="2743200" cy="365125"/>
+          </a:xfrm>
+        </p:spPr>
+        <p:txBody>
+          <a:bodyPr/>
+          <a:lstStyle/>
+          <a:p>
+            <a:fld id="{D4AD37E9-5A10-49A7-855D-CAA2D2E848B6}" type="datetimeFigureOut">
+              <a:rPr lang="de-DE" smtClean="0"/>
+              <a:t>28.07.21</a:t>
+            </a:fld>
+            <a:endParaRPr lang="de-DE"/>
+          </a:p>
+        </p:txBody>
+      </p:sp>
+      <p:sp>
+        <p:nvSpPr>
+          <p:cNvPr id="8" name="Footer Placeholder 4">
+            <a:extLst>
+              <a:ext uri="{FF2B5EF4-FFF2-40B4-BE49-F238E27FC236}">
+                <a16:creationId xmlns:a16="http://schemas.microsoft.com/office/drawing/2014/main" id="{6833897F-8945-43C1-8EE1-2E83FF8331D9}"/>
+              </a:ext>
+            </a:extLst>
+          </p:cNvPr>
+          <p:cNvSpPr>
+            <a:spLocks noGrp="1"/>
+          </p:cNvSpPr>
+          <p:nvPr>
+            <p:ph type="ftr" sz="quarter" idx="11"/>
+          </p:nvPr>
+        </p:nvSpPr>
+        <p:spPr>
+          <a:xfrm>
+            <a:off x="4038600" y="6356350"/>
+            <a:ext cx="4114800" cy="365125"/>
+          </a:xfrm>
+        </p:spPr>
+        <p:txBody>
+          <a:bodyPr/>
+          <a:lstStyle/>
+          <a:p>
+            <a:r>
+              <a:rPr lang="de-DE" sz="1200" dirty="0">
+                <a:solidFill>
+                  <a:schemeClr val="tx1">
+                    <a:lumMod val="95000"/>
+                  </a:schemeClr>
+                </a:solidFill>
+              </a:rPr>
+              <a:t>Funktionen </a:t>
+            </a:r>
+            <a:endParaRPr lang="en-US" sz="1200" dirty="0">
+              <a:solidFill>
+                <a:schemeClr val="tx1">
+                  <a:lumMod val="95000"/>
+                </a:schemeClr>
+              </a:solidFill>
+              <a:latin typeface="+mj-lt"/>
+            </a:endParaRPr>
+          </a:p>
+        </p:txBody>
+      </p:sp>
+      <p:sp>
+        <p:nvSpPr>
+          <p:cNvPr id="9" name="Slide Number Placeholder 5">
+            <a:extLst>
+              <a:ext uri="{FF2B5EF4-FFF2-40B4-BE49-F238E27FC236}">
+                <a16:creationId xmlns:a16="http://schemas.microsoft.com/office/drawing/2014/main" id="{4CB1546C-41E9-4CE9-A31D-18CB078FE5F0}"/>
+              </a:ext>
+            </a:extLst>
+          </p:cNvPr>
+          <p:cNvSpPr>
+            <a:spLocks noGrp="1"/>
+          </p:cNvSpPr>
+          <p:nvPr>
+            <p:ph type="sldNum" sz="quarter" idx="12"/>
+          </p:nvPr>
+        </p:nvSpPr>
+        <p:spPr>
+          <a:xfrm>
+            <a:off x="8610600" y="6356350"/>
+            <a:ext cx="2743200" cy="365125"/>
+          </a:xfrm>
+        </p:spPr>
+        <p:txBody>
+          <a:bodyPr/>
+          <a:lstStyle/>
+          <a:p>
+            <a:fld id="{312A73BE-F097-4DBB-AEB2-4CC070160BA0}" type="slidenum">
+              <a:rPr lang="de-DE" smtClean="0"/>
+              <a:t>5</a:t>
+            </a:fld>
+            <a:endParaRPr lang="de-DE"/>
+          </a:p>
+        </p:txBody>
+      </p:sp>
+      <p:sp>
+        <p:nvSpPr>
+          <p:cNvPr id="21" name="Rechteck 20">
+            <a:extLst>
+              <a:ext uri="{FF2B5EF4-FFF2-40B4-BE49-F238E27FC236}">
+                <a16:creationId xmlns:a16="http://schemas.microsoft.com/office/drawing/2014/main" id="{FC5FE114-A784-F941-BA2E-8F02D2A9D6D8}"/>
+              </a:ext>
+            </a:extLst>
+          </p:cNvPr>
+          <p:cNvSpPr/>
+          <p:nvPr/>
+        </p:nvSpPr>
+        <p:spPr>
+          <a:xfrm>
+            <a:off x="1670461" y="2735909"/>
+            <a:ext cx="6482939" cy="1938992"/>
+          </a:xfrm>
+          <a:prstGeom prst="rect">
+            <a:avLst/>
+          </a:prstGeom>
+          <a:solidFill>
+            <a:schemeClr val="bg1">
+              <a:lumMod val="85000"/>
+              <a:lumOff val="15000"/>
+            </a:schemeClr>
+          </a:solidFill>
+          <a:ln w="76200">
+            <a:solidFill>
+              <a:schemeClr val="tx1">
+                <a:lumMod val="50000"/>
+              </a:schemeClr>
+            </a:solidFill>
+          </a:ln>
+        </p:spPr>
+        <p:style>
+          <a:lnRef idx="2">
+            <a:schemeClr val="dk1">
+              <a:shade val="50000"/>
+            </a:schemeClr>
+          </a:lnRef>
+          <a:fillRef idx="1">
+            <a:schemeClr val="dk1"/>
+          </a:fillRef>
+          <a:effectRef idx="0">
+            <a:schemeClr val="dk1"/>
+          </a:effectRef>
+          <a:fontRef idx="minor">
+            <a:schemeClr val="lt1"/>
+          </a:fontRef>
+        </p:style>
+        <p:txBody>
+          <a:bodyPr wrap="square">
+            <a:spAutoFit/>
+          </a:bodyPr>
+          <a:lstStyle/>
+          <a:p>
+            <a:r>
+              <a:rPr lang="de-DE" sz="2400" dirty="0" err="1">
+                <a:solidFill>
+                  <a:srgbClr val="CC7832"/>
+                </a:solidFill>
+                <a:latin typeface="Consolas" panose="020B0609020204030204" pitchFamily="49" charset="0"/>
+                <a:cs typeface="Consolas" panose="020B0609020204030204" pitchFamily="49" charset="0"/>
+              </a:rPr>
+              <a:t>def</a:t>
+            </a:r>
+            <a:r>
+              <a:rPr lang="de-DE" sz="2400" dirty="0">
+                <a:solidFill>
+                  <a:srgbClr val="CC7832"/>
+                </a:solidFill>
+                <a:latin typeface="Consolas" panose="020B0609020204030204" pitchFamily="49" charset="0"/>
+                <a:cs typeface="Consolas" panose="020B0609020204030204" pitchFamily="49" charset="0"/>
+              </a:rPr>
+              <a:t> </a:t>
+            </a:r>
+            <a:r>
+              <a:rPr lang="de-DE" sz="2400" dirty="0" err="1">
+                <a:solidFill>
+                  <a:srgbClr val="FFC66D"/>
+                </a:solidFill>
+                <a:latin typeface="Consolas" panose="020B0609020204030204" pitchFamily="49" charset="0"/>
+                <a:cs typeface="Consolas" panose="020B0609020204030204" pitchFamily="49" charset="0"/>
+              </a:rPr>
+              <a:t>say_hello_to</a:t>
+            </a:r>
+            <a:r>
+              <a:rPr lang="de-DE" sz="2400" dirty="0">
+                <a:latin typeface="Consolas" panose="020B0609020204030204" pitchFamily="49" charset="0"/>
+                <a:cs typeface="Consolas" panose="020B0609020204030204" pitchFamily="49" charset="0"/>
+              </a:rPr>
+              <a:t>(</a:t>
+            </a:r>
+            <a:r>
+              <a:rPr lang="de-DE" sz="2400" dirty="0" err="1">
+                <a:latin typeface="Consolas" panose="020B0609020204030204" pitchFamily="49" charset="0"/>
+                <a:cs typeface="Consolas" panose="020B0609020204030204" pitchFamily="49" charset="0"/>
+              </a:rPr>
+              <a:t>name</a:t>
+            </a:r>
+            <a:r>
+              <a:rPr lang="de-DE" sz="2400" dirty="0">
+                <a:latin typeface="Consolas" panose="020B0609020204030204" pitchFamily="49" charset="0"/>
+                <a:cs typeface="Consolas" panose="020B0609020204030204" pitchFamily="49" charset="0"/>
+              </a:rPr>
+              <a:t>) -&gt; </a:t>
+            </a:r>
+            <a:r>
+              <a:rPr lang="de-DE" sz="2400" dirty="0">
+                <a:solidFill>
+                  <a:srgbClr val="CC7832"/>
+                </a:solidFill>
+                <a:latin typeface="Consolas" panose="020B0609020204030204" pitchFamily="49" charset="0"/>
+                <a:cs typeface="Consolas" panose="020B0609020204030204" pitchFamily="49" charset="0"/>
+              </a:rPr>
+              <a:t>None</a:t>
+            </a:r>
+            <a:r>
+              <a:rPr lang="de-DE" sz="2400" dirty="0">
+                <a:latin typeface="Consolas" panose="020B0609020204030204" pitchFamily="49" charset="0"/>
+                <a:cs typeface="Consolas" panose="020B0609020204030204" pitchFamily="49" charset="0"/>
+              </a:rPr>
+              <a:t>:</a:t>
+            </a:r>
+            <a:br>
+              <a:rPr lang="de-DE" sz="2400" dirty="0">
+                <a:latin typeface="Consolas" panose="020B0609020204030204" pitchFamily="49" charset="0"/>
+                <a:cs typeface="Consolas" panose="020B0609020204030204" pitchFamily="49" charset="0"/>
+              </a:rPr>
+            </a:br>
+            <a:r>
+              <a:rPr lang="de-DE" sz="2400" dirty="0">
+                <a:latin typeface="Consolas" panose="020B0609020204030204" pitchFamily="49" charset="0"/>
+                <a:cs typeface="Consolas" panose="020B0609020204030204" pitchFamily="49" charset="0"/>
+              </a:rPr>
+              <a:t>	</a:t>
+            </a:r>
+            <a:r>
+              <a:rPr lang="de-DE" sz="2400" dirty="0" err="1">
+                <a:solidFill>
+                  <a:srgbClr val="8888C6"/>
+                </a:solidFill>
+                <a:latin typeface="Consolas" panose="020B0609020204030204" pitchFamily="49" charset="0"/>
+                <a:cs typeface="Consolas" panose="020B0609020204030204" pitchFamily="49" charset="0"/>
+              </a:rPr>
+              <a:t>print</a:t>
+            </a:r>
+            <a:r>
+              <a:rPr lang="de-DE" sz="2400" dirty="0">
+                <a:latin typeface="Consolas" panose="020B0609020204030204" pitchFamily="49" charset="0"/>
+                <a:cs typeface="Consolas" panose="020B0609020204030204" pitchFamily="49" charset="0"/>
+              </a:rPr>
+              <a:t>(</a:t>
+            </a:r>
+            <a:r>
+              <a:rPr lang="de-DE" sz="2400" dirty="0" err="1">
+                <a:latin typeface="Consolas" panose="020B0609020204030204" pitchFamily="49" charset="0"/>
+                <a:cs typeface="Consolas" panose="020B0609020204030204" pitchFamily="49" charset="0"/>
+              </a:rPr>
+              <a:t>f</a:t>
+            </a:r>
+            <a:r>
+              <a:rPr lang="de-DE" sz="2400" dirty="0" err="1">
+                <a:solidFill>
+                  <a:srgbClr val="6A8759"/>
+                </a:solidFill>
+                <a:latin typeface="Consolas" panose="020B0609020204030204" pitchFamily="49" charset="0"/>
+                <a:cs typeface="Consolas" panose="020B0609020204030204" pitchFamily="49" charset="0"/>
+              </a:rPr>
+              <a:t>"Hallo</a:t>
+            </a:r>
+            <a:r>
+              <a:rPr lang="de-DE" sz="2400" dirty="0">
+                <a:solidFill>
+                  <a:srgbClr val="6A8759"/>
+                </a:solidFill>
+                <a:latin typeface="Consolas" panose="020B0609020204030204" pitchFamily="49" charset="0"/>
+                <a:cs typeface="Consolas" panose="020B0609020204030204" pitchFamily="49" charset="0"/>
+              </a:rPr>
+              <a:t> {</a:t>
+            </a:r>
+            <a:r>
+              <a:rPr lang="de-DE" sz="2400" dirty="0" err="1">
+                <a:solidFill>
+                  <a:srgbClr val="6A8759"/>
+                </a:solidFill>
+                <a:latin typeface="Consolas" panose="020B0609020204030204" pitchFamily="49" charset="0"/>
+                <a:cs typeface="Consolas" panose="020B0609020204030204" pitchFamily="49" charset="0"/>
+              </a:rPr>
+              <a:t>name</a:t>
+            </a:r>
+            <a:r>
+              <a:rPr lang="de-DE" sz="2400" dirty="0">
+                <a:solidFill>
+                  <a:srgbClr val="6A8759"/>
+                </a:solidFill>
+                <a:latin typeface="Consolas" panose="020B0609020204030204" pitchFamily="49" charset="0"/>
+                <a:cs typeface="Consolas" panose="020B0609020204030204" pitchFamily="49" charset="0"/>
+              </a:rPr>
+              <a:t>}!"</a:t>
+            </a:r>
+            <a:r>
+              <a:rPr lang="de-DE" sz="2400" dirty="0">
+                <a:latin typeface="Consolas" panose="020B0609020204030204" pitchFamily="49" charset="0"/>
+                <a:cs typeface="Consolas" panose="020B0609020204030204" pitchFamily="49" charset="0"/>
+              </a:rPr>
+              <a:t>)</a:t>
+            </a:r>
+          </a:p>
+          <a:p>
+            <a:r>
+              <a:rPr lang="de-DE" sz="2400" dirty="0">
+                <a:solidFill>
+                  <a:srgbClr val="8888C6"/>
+                </a:solidFill>
+                <a:latin typeface="Consolas" panose="020B0609020204030204" pitchFamily="49" charset="0"/>
+                <a:cs typeface="Consolas" panose="020B0609020204030204" pitchFamily="49" charset="0"/>
+              </a:rPr>
+              <a:t>	</a:t>
+            </a:r>
+            <a:r>
+              <a:rPr lang="de-DE" sz="2400" dirty="0" err="1">
+                <a:solidFill>
+                  <a:srgbClr val="8888C6"/>
+                </a:solidFill>
+                <a:latin typeface="Consolas" panose="020B0609020204030204" pitchFamily="49" charset="0"/>
+                <a:cs typeface="Consolas" panose="020B0609020204030204" pitchFamily="49" charset="0"/>
+              </a:rPr>
+              <a:t>print</a:t>
+            </a:r>
+            <a:r>
+              <a:rPr lang="de-DE" sz="2400" dirty="0">
+                <a:latin typeface="Consolas" panose="020B0609020204030204" pitchFamily="49" charset="0"/>
+                <a:cs typeface="Consolas" panose="020B0609020204030204" pitchFamily="49" charset="0"/>
+              </a:rPr>
+              <a:t>(</a:t>
+            </a:r>
+            <a:r>
+              <a:rPr lang="de-DE" sz="2400" dirty="0">
+                <a:solidFill>
+                  <a:srgbClr val="6A8759"/>
+                </a:solidFill>
+                <a:latin typeface="Consolas" panose="020B0609020204030204" pitchFamily="49" charset="0"/>
+                <a:cs typeface="Consolas" panose="020B0609020204030204" pitchFamily="49" charset="0"/>
+              </a:rPr>
+              <a:t>"Wie geht es Dir?"</a:t>
+            </a:r>
+            <a:r>
+              <a:rPr lang="de-DE" sz="2400" dirty="0">
+                <a:latin typeface="Consolas" panose="020B0609020204030204" pitchFamily="49" charset="0"/>
+                <a:cs typeface="Consolas" panose="020B0609020204030204" pitchFamily="49" charset="0"/>
+              </a:rPr>
+              <a:t>)</a:t>
+            </a:r>
+          </a:p>
+          <a:p>
+            <a:endParaRPr lang="de-DE" sz="2400" dirty="0">
+              <a:latin typeface="Consolas" panose="020B0609020204030204" pitchFamily="49" charset="0"/>
+              <a:cs typeface="Consolas" panose="020B0609020204030204" pitchFamily="49" charset="0"/>
+            </a:endParaRPr>
+          </a:p>
+          <a:p>
+            <a:r>
+              <a:rPr lang="de-DE" sz="2400" dirty="0" err="1">
+                <a:solidFill>
+                  <a:srgbClr val="FFC66D"/>
+                </a:solidFill>
+                <a:latin typeface="Consolas" panose="020B0609020204030204" pitchFamily="49" charset="0"/>
+                <a:cs typeface="Consolas" panose="020B0609020204030204" pitchFamily="49" charset="0"/>
+              </a:rPr>
+              <a:t>say_hello_to</a:t>
+            </a:r>
+            <a:r>
+              <a:rPr lang="de-DE" sz="2400" dirty="0">
+                <a:latin typeface="Consolas" panose="020B0609020204030204" pitchFamily="49" charset="0"/>
+                <a:cs typeface="Consolas" panose="020B0609020204030204" pitchFamily="49" charset="0"/>
+              </a:rPr>
+              <a:t>(</a:t>
+            </a:r>
+            <a:r>
+              <a:rPr lang="de-DE" sz="2400" dirty="0">
+                <a:solidFill>
+                  <a:srgbClr val="6A8759"/>
+                </a:solidFill>
+                <a:latin typeface="Consolas" panose="020B0609020204030204" pitchFamily="49" charset="0"/>
+                <a:cs typeface="Consolas" panose="020B0609020204030204" pitchFamily="49" charset="0"/>
+              </a:rPr>
+              <a:t>"Peter"</a:t>
+            </a:r>
+            <a:r>
+              <a:rPr lang="de-DE" sz="2400" dirty="0">
+                <a:latin typeface="Consolas" panose="020B0609020204030204" pitchFamily="49" charset="0"/>
+                <a:cs typeface="Consolas" panose="020B0609020204030204" pitchFamily="49" charset="0"/>
+              </a:rPr>
+              <a:t>)</a:t>
+            </a:r>
+          </a:p>
+        </p:txBody>
+      </p:sp>
+      <p:sp>
+        <p:nvSpPr>
+          <p:cNvPr id="22" name="Rechteck 21">
+            <a:extLst>
+              <a:ext uri="{FF2B5EF4-FFF2-40B4-BE49-F238E27FC236}">
+                <a16:creationId xmlns:a16="http://schemas.microsoft.com/office/drawing/2014/main" id="{95FBA5E5-4427-3847-8ECB-2AD739F6E446}"/>
+              </a:ext>
+            </a:extLst>
+          </p:cNvPr>
+          <p:cNvSpPr/>
+          <p:nvPr/>
+        </p:nvSpPr>
+        <p:spPr>
+          <a:xfrm>
+            <a:off x="1670461" y="4854288"/>
+            <a:ext cx="6482939" cy="830997"/>
+          </a:xfrm>
+          <a:prstGeom prst="rect">
+            <a:avLst/>
+          </a:prstGeom>
+          <a:solidFill>
+            <a:schemeClr val="tx1">
+              <a:lumMod val="75000"/>
+            </a:schemeClr>
+          </a:solidFill>
+          <a:ln w="38100">
+            <a:solidFill>
+              <a:schemeClr val="tx1">
+                <a:lumMod val="50000"/>
+              </a:schemeClr>
+            </a:solidFill>
+          </a:ln>
+        </p:spPr>
+        <p:style>
+          <a:lnRef idx="2">
+            <a:schemeClr val="dk1">
+              <a:shade val="50000"/>
+            </a:schemeClr>
+          </a:lnRef>
+          <a:fillRef idx="1">
+            <a:schemeClr val="dk1"/>
+          </a:fillRef>
+          <a:effectRef idx="0">
+            <a:schemeClr val="dk1"/>
+          </a:effectRef>
+          <a:fontRef idx="minor">
+            <a:schemeClr val="lt1"/>
+          </a:fontRef>
+        </p:style>
+        <p:txBody>
+          <a:bodyPr wrap="square">
+            <a:spAutoFit/>
+          </a:bodyPr>
+          <a:lstStyle/>
+          <a:p>
+            <a:r>
+              <a:rPr lang="de-DE" sz="2400" dirty="0">
+                <a:solidFill>
+                  <a:schemeClr val="bg1"/>
+                </a:solidFill>
+                <a:latin typeface="Consolas" panose="020B0609020204030204" pitchFamily="49" charset="0"/>
+                <a:cs typeface="Consolas" panose="020B0609020204030204" pitchFamily="49" charset="0"/>
+              </a:rPr>
+              <a:t>Hallo, Peter!</a:t>
+            </a:r>
+          </a:p>
+          <a:p>
+            <a:r>
+              <a:rPr lang="de-DE" sz="2400" dirty="0">
+                <a:solidFill>
+                  <a:schemeClr val="bg1"/>
+                </a:solidFill>
+                <a:latin typeface="Consolas" panose="020B0609020204030204" pitchFamily="49" charset="0"/>
+                <a:cs typeface="Consolas" panose="020B0609020204030204" pitchFamily="49" charset="0"/>
+              </a:rPr>
+              <a:t>Wie geht es Dir?</a:t>
+            </a:r>
+          </a:p>
+        </p:txBody>
+      </p:sp>
+    </p:spTree>
+    <p:extLst>
+      <p:ext uri="{BB962C8B-B14F-4D97-AF65-F5344CB8AC3E}">
+        <p14:creationId xmlns:p14="http://schemas.microsoft.com/office/powerpoint/2010/main" val="4005517495"/>
+      </p:ext>
+    </p:extLst>
+  </p:cSld>
+  <p:clrMapOvr>
+    <a:masterClrMapping/>
+  </p:clrMapOvr>
+  <p:timing>
+    <p:tnLst>
+      <p:par>
+        <p:cTn id="1" dur="indefinite" restart="never" nodeType="tmRoot">
+          <p:childTnLst>
+            <p:seq concurrent="1" nextAc="seek">
+              <p:cTn id="2" dur="indefinite" nodeType="mainSeq">
+                <p:childTnLst>
+                  <p:par>
+                    <p:cTn id="3" fill="hold">
+                      <p:stCondLst>
+                        <p:cond delay="indefinite"/>
+                      </p:stCondLst>
+                      <p:childTnLst>
+                        <p:par>
+                          <p:cTn id="4" fill="hold">
+                            <p:stCondLst>
+                              <p:cond delay="0"/>
+                            </p:stCondLst>
+                            <p:childTnLst>
+                              <p:par>
+                                <p:cTn id="5" presetID="10" presetClass="entr" presetSubtype="0" fill="hold" nodeType="clickEffect">
+                                  <p:stCondLst>
+                                    <p:cond delay="0"/>
+                                  </p:stCondLst>
+                                  <p:childTnLst>
+                                    <p:set>
+                                      <p:cBhvr>
+                                        <p:cTn id="6" dur="1" fill="hold">
+                                          <p:stCondLst>
+                                            <p:cond delay="0"/>
+                                          </p:stCondLst>
+                                        </p:cTn>
+                                        <p:tgtEl>
+                                          <p:spTgt spid="6">
+                                            <p:txEl>
+                                              <p:pRg st="0" end="0"/>
+                                            </p:txEl>
+                                          </p:spTgt>
+                                        </p:tgtEl>
+                                        <p:attrNameLst>
+                                          <p:attrName>style.visibility</p:attrName>
+                                        </p:attrNameLst>
+                                      </p:cBhvr>
+                                      <p:to>
+                                        <p:strVal val="visible"/>
+                                      </p:to>
+                                    </p:set>
+                                    <p:animEffect transition="in" filter="fade">
+                                      <p:cBhvr>
+                                        <p:cTn id="7" dur="500"/>
+                                        <p:tgtEl>
+                                          <p:spTgt spid="6">
+                                            <p:txEl>
+                                              <p:pRg st="0" end="0"/>
+                                            </p:txEl>
+                                          </p:spTgt>
+                                        </p:tgtEl>
+                                      </p:cBhvr>
+                                    </p:animEffect>
+                                  </p:childTnLst>
+                                </p:cTn>
+                              </p:par>
+                            </p:childTnLst>
+                          </p:cTn>
+                        </p:par>
+                      </p:childTnLst>
+                    </p:cTn>
+                  </p:par>
+                  <p:par>
+                    <p:cTn id="8" fill="hold">
+                      <p:stCondLst>
+                        <p:cond delay="indefinite"/>
+                      </p:stCondLst>
+                      <p:childTnLst>
+                        <p:par>
+                          <p:cTn id="9" fill="hold">
+                            <p:stCondLst>
+                              <p:cond delay="0"/>
+                            </p:stCondLst>
+                            <p:childTnLst>
+                              <p:par>
+                                <p:cTn id="10" presetID="10" presetClass="entr" presetSubtype="0" fill="hold" grpId="0" nodeType="clickEffect">
+                                  <p:stCondLst>
+                                    <p:cond delay="0"/>
+                                  </p:stCondLst>
+                                  <p:childTnLst>
+                                    <p:set>
+                                      <p:cBhvr>
+                                        <p:cTn id="11" dur="1" fill="hold">
+                                          <p:stCondLst>
+                                            <p:cond delay="0"/>
+                                          </p:stCondLst>
+                                        </p:cTn>
+                                        <p:tgtEl>
+                                          <p:spTgt spid="21"/>
+                                        </p:tgtEl>
+                                        <p:attrNameLst>
+                                          <p:attrName>style.visibility</p:attrName>
+                                        </p:attrNameLst>
+                                      </p:cBhvr>
+                                      <p:to>
+                                        <p:strVal val="visible"/>
+                                      </p:to>
+                                    </p:set>
+                                    <p:animEffect transition="in" filter="fade">
+                                      <p:cBhvr>
+                                        <p:cTn id="12" dur="500"/>
+                                        <p:tgtEl>
+                                          <p:spTgt spid="21"/>
+                                        </p:tgtEl>
+                                      </p:cBhvr>
+                                    </p:animEffect>
+                                  </p:childTnLst>
+                                </p:cTn>
+                              </p:par>
+                            </p:childTnLst>
+                          </p:cTn>
+                        </p:par>
+                      </p:childTnLst>
+                    </p:cTn>
+                  </p:par>
+                  <p:par>
+                    <p:cTn id="13" fill="hold">
+                      <p:stCondLst>
+                        <p:cond delay="indefinite"/>
+                      </p:stCondLst>
+                      <p:childTnLst>
+                        <p:par>
+                          <p:cTn id="14" fill="hold">
+                            <p:stCondLst>
+                              <p:cond delay="0"/>
+                            </p:stCondLst>
+                            <p:childTnLst>
+                              <p:par>
+                                <p:cTn id="15" presetID="10" presetClass="entr" presetSubtype="0" fill="hold" grpId="0" nodeType="clickEffect">
+                                  <p:stCondLst>
+                                    <p:cond delay="0"/>
+                                  </p:stCondLst>
+                                  <p:childTnLst>
+                                    <p:set>
+                                      <p:cBhvr>
+                                        <p:cTn id="16" dur="1" fill="hold">
+                                          <p:stCondLst>
+                                            <p:cond delay="0"/>
+                                          </p:stCondLst>
+                                        </p:cTn>
+                                        <p:tgtEl>
+                                          <p:spTgt spid="22"/>
+                                        </p:tgtEl>
+                                        <p:attrNameLst>
+                                          <p:attrName>style.visibility</p:attrName>
+                                        </p:attrNameLst>
+                                      </p:cBhvr>
+                                      <p:to>
+                                        <p:strVal val="visible"/>
+                                      </p:to>
+                                    </p:set>
+                                    <p:animEffect transition="in" filter="fade">
+                                      <p:cBhvr>
+                                        <p:cTn id="17" dur="500"/>
+                                        <p:tgtEl>
+                                          <p:spTgt spid="22"/>
+                                        </p:tgtEl>
+                                      </p:cBhvr>
+                                    </p:animEffect>
+                                  </p:childTnLst>
+                                </p:cTn>
+                              </p:par>
+                            </p:childTnLst>
+                          </p:cTn>
+                        </p:par>
+                      </p:childTnLst>
+                    </p:cTn>
+                  </p:par>
+                </p:childTnLst>
+              </p:cTn>
+              <p:prevCondLst>
+                <p:cond evt="onPrev" delay="0">
+                  <p:tgtEl>
+                    <p:sldTgt/>
+                  </p:tgtEl>
+                </p:cond>
+              </p:prevCondLst>
+              <p:nextCondLst>
+                <p:cond evt="onNext" delay="0">
+                  <p:tgtEl>
+                    <p:sldTgt/>
+                  </p:tgtEl>
+                </p:cond>
+              </p:nextCondLst>
+            </p:seq>
+          </p:childTnLst>
+        </p:cTn>
+      </p:par>
+    </p:tnLst>
+    <p:bldLst>
+      <p:bldP spid="21" grpId="0" animBg="1"/>
+      <p:bldP spid="22" grpId="0" animBg="1"/>
+    </p:bldLst>
+  </p:timing>
+</p:sld>
+</file>
+
+<file path=ppt/slides/slide6.xml><?xml version="1.0" encoding="utf-8"?>
+<p:sld xmlns:a="http://schemas.openxmlformats.org/drawingml/2006/main" xmlns:r="http://schemas.openxmlformats.org/officeDocument/2006/relationships" xmlns:p="http://schemas.openxmlformats.org/presentationml/2006/main">
+  <p:cSld>
+    <p:spTree>
+      <p:nvGrpSpPr>
+        <p:cNvPr id="1" name=""/>
+        <p:cNvGrpSpPr/>
+        <p:nvPr/>
+      </p:nvGrpSpPr>
+      <p:grpSpPr>
+        <a:xfrm>
+          <a:off x="0" y="0"/>
+          <a:ext cx="0" cy="0"/>
+          <a:chOff x="0" y="0"/>
+          <a:chExt cx="0" cy="0"/>
+        </a:xfrm>
+      </p:grpSpPr>
+      <p:sp>
+        <p:nvSpPr>
+          <p:cNvPr id="5" name="Titel 4">
+            <a:extLst>
+              <a:ext uri="{FF2B5EF4-FFF2-40B4-BE49-F238E27FC236}">
+                <a16:creationId xmlns:a16="http://schemas.microsoft.com/office/drawing/2014/main" id="{BDF2C912-E02F-4E1F-82DF-351A88BA5B31}"/>
+              </a:ext>
+            </a:extLst>
+          </p:cNvPr>
+          <p:cNvSpPr>
+            <a:spLocks noGrp="1"/>
+          </p:cNvSpPr>
+          <p:nvPr>
+            <p:ph type="title"/>
+          </p:nvPr>
+        </p:nvSpPr>
+        <p:spPr>
+          <a:xfrm>
+            <a:off x="838200" y="365125"/>
+            <a:ext cx="7958667" cy="1137104"/>
+          </a:xfrm>
+        </p:spPr>
+        <p:txBody>
+          <a:bodyPr anchor="b">
+            <a:normAutofit/>
+          </a:bodyPr>
+          <a:lstStyle/>
+          <a:p>
+            <a:r>
+              <a:rPr lang="de-DE" sz="4400" dirty="0">
+                <a:solidFill>
+                  <a:schemeClr val="tx1">
+                    <a:lumMod val="95000"/>
+                  </a:schemeClr>
+                </a:solidFill>
+              </a:rPr>
+              <a:t>Rückgabewert</a:t>
+            </a:r>
+          </a:p>
+        </p:txBody>
+      </p:sp>
+      <p:sp>
+        <p:nvSpPr>
+          <p:cNvPr id="6" name="Inhaltsplatzhalter 5">
+            <a:extLst>
+              <a:ext uri="{FF2B5EF4-FFF2-40B4-BE49-F238E27FC236}">
+                <a16:creationId xmlns:a16="http://schemas.microsoft.com/office/drawing/2014/main" id="{67FD4DD5-46C1-4974-A569-BB95F27DCC4F}"/>
+              </a:ext>
+            </a:extLst>
+          </p:cNvPr>
+          <p:cNvSpPr>
+            <a:spLocks noGrp="1"/>
+          </p:cNvSpPr>
+          <p:nvPr>
+            <p:ph idx="1"/>
+          </p:nvPr>
+        </p:nvSpPr>
+        <p:spPr>
+          <a:xfrm>
+            <a:off x="838200" y="1825625"/>
+            <a:ext cx="9469582" cy="4351338"/>
+          </a:xfrm>
+        </p:spPr>
+        <p:txBody>
+          <a:bodyPr>
+            <a:normAutofit/>
+          </a:bodyPr>
+          <a:lstStyle/>
+          <a:p>
+            <a:r>
+              <a:rPr lang="de-DE" sz="2400" dirty="0">
+                <a:solidFill>
+                  <a:schemeClr val="tx1">
+                    <a:lumMod val="95000"/>
+                  </a:schemeClr>
+                </a:solidFill>
+              </a:rPr>
+              <a:t>Variablen aus der Funktion im restlichen Programm verwenden (</a:t>
+            </a:r>
+            <a:r>
+              <a:rPr lang="de-DE" sz="2400" dirty="0" err="1">
+                <a:solidFill>
+                  <a:schemeClr val="tx1">
+                    <a:lumMod val="95000"/>
+                  </a:schemeClr>
+                </a:solidFill>
+              </a:rPr>
+              <a:t>return</a:t>
+            </a:r>
+            <a:r>
+              <a:rPr lang="de-DE" sz="2400" dirty="0">
+                <a:solidFill>
+                  <a:schemeClr val="tx1">
+                    <a:lumMod val="95000"/>
+                  </a:schemeClr>
+                </a:solidFill>
+              </a:rPr>
+              <a:t>)</a:t>
+            </a:r>
+          </a:p>
+        </p:txBody>
+      </p:sp>
+      <p:sp>
+        <p:nvSpPr>
+          <p:cNvPr id="7" name="Date Placeholder 3">
+            <a:extLst>
+              <a:ext uri="{FF2B5EF4-FFF2-40B4-BE49-F238E27FC236}">
+                <a16:creationId xmlns:a16="http://schemas.microsoft.com/office/drawing/2014/main" id="{18705B3C-262D-45A3-8C90-9FC26244A8CC}"/>
+              </a:ext>
+            </a:extLst>
+          </p:cNvPr>
+          <p:cNvSpPr>
+            <a:spLocks noGrp="1"/>
+          </p:cNvSpPr>
+          <p:nvPr>
+            <p:ph type="dt" sz="half" idx="10"/>
+          </p:nvPr>
+        </p:nvSpPr>
+        <p:spPr>
+          <a:xfrm>
+            <a:off x="838200" y="6356350"/>
+            <a:ext cx="2743200" cy="365125"/>
+          </a:xfrm>
+        </p:spPr>
+        <p:txBody>
+          <a:bodyPr/>
+          <a:lstStyle/>
+          <a:p>
+            <a:fld id="{D4AD37E9-5A10-49A7-855D-CAA2D2E848B6}" type="datetimeFigureOut">
+              <a:rPr lang="de-DE" smtClean="0"/>
+              <a:t>28.07.21</a:t>
+            </a:fld>
+            <a:endParaRPr lang="de-DE"/>
+          </a:p>
+        </p:txBody>
+      </p:sp>
+      <p:sp>
+        <p:nvSpPr>
+          <p:cNvPr id="8" name="Footer Placeholder 4">
+            <a:extLst>
+              <a:ext uri="{FF2B5EF4-FFF2-40B4-BE49-F238E27FC236}">
+                <a16:creationId xmlns:a16="http://schemas.microsoft.com/office/drawing/2014/main" id="{6833897F-8945-43C1-8EE1-2E83FF8331D9}"/>
+              </a:ext>
+            </a:extLst>
+          </p:cNvPr>
+          <p:cNvSpPr>
+            <a:spLocks noGrp="1"/>
+          </p:cNvSpPr>
+          <p:nvPr>
+            <p:ph type="ftr" sz="quarter" idx="11"/>
+          </p:nvPr>
+        </p:nvSpPr>
+        <p:spPr>
+          <a:xfrm>
+            <a:off x="4038600" y="6356350"/>
+            <a:ext cx="4114800" cy="365125"/>
+          </a:xfrm>
+        </p:spPr>
+        <p:txBody>
+          <a:bodyPr/>
+          <a:lstStyle/>
+          <a:p>
+            <a:r>
+              <a:rPr lang="de-DE" sz="1200" dirty="0">
+                <a:solidFill>
+                  <a:schemeClr val="tx1">
+                    <a:lumMod val="95000"/>
+                  </a:schemeClr>
+                </a:solidFill>
+              </a:rPr>
+              <a:t>Funktionen </a:t>
+            </a:r>
+            <a:endParaRPr lang="en-US" sz="1200" dirty="0">
+              <a:solidFill>
+                <a:schemeClr val="tx1">
+                  <a:lumMod val="95000"/>
+                </a:schemeClr>
+              </a:solidFill>
+              <a:latin typeface="+mj-lt"/>
+            </a:endParaRPr>
+          </a:p>
+        </p:txBody>
+      </p:sp>
+      <p:sp>
+        <p:nvSpPr>
+          <p:cNvPr id="9" name="Slide Number Placeholder 5">
+            <a:extLst>
+              <a:ext uri="{FF2B5EF4-FFF2-40B4-BE49-F238E27FC236}">
+                <a16:creationId xmlns:a16="http://schemas.microsoft.com/office/drawing/2014/main" id="{4CB1546C-41E9-4CE9-A31D-18CB078FE5F0}"/>
+              </a:ext>
+            </a:extLst>
+          </p:cNvPr>
+          <p:cNvSpPr>
+            <a:spLocks noGrp="1"/>
+          </p:cNvSpPr>
+          <p:nvPr>
+            <p:ph type="sldNum" sz="quarter" idx="12"/>
+          </p:nvPr>
+        </p:nvSpPr>
+        <p:spPr>
+          <a:xfrm>
+            <a:off x="8610600" y="6356350"/>
+            <a:ext cx="2743200" cy="365125"/>
+          </a:xfrm>
+        </p:spPr>
+        <p:txBody>
+          <a:bodyPr/>
+          <a:lstStyle/>
+          <a:p>
+            <a:fld id="{312A73BE-F097-4DBB-AEB2-4CC070160BA0}" type="slidenum">
+              <a:rPr lang="de-DE" smtClean="0"/>
+              <a:t>6</a:t>
+            </a:fld>
+            <a:endParaRPr lang="de-DE"/>
+          </a:p>
+        </p:txBody>
+      </p:sp>
+      <p:sp>
+        <p:nvSpPr>
+          <p:cNvPr id="21" name="Rechteck 20">
+            <a:extLst>
+              <a:ext uri="{FF2B5EF4-FFF2-40B4-BE49-F238E27FC236}">
+                <a16:creationId xmlns:a16="http://schemas.microsoft.com/office/drawing/2014/main" id="{FC5FE114-A784-F941-BA2E-8F02D2A9D6D8}"/>
+              </a:ext>
+            </a:extLst>
+          </p:cNvPr>
+          <p:cNvSpPr/>
+          <p:nvPr/>
+        </p:nvSpPr>
+        <p:spPr>
+          <a:xfrm>
+            <a:off x="1670461" y="2735909"/>
+            <a:ext cx="6482939" cy="2308324"/>
+          </a:xfrm>
+          <a:prstGeom prst="rect">
+            <a:avLst/>
+          </a:prstGeom>
+          <a:solidFill>
+            <a:schemeClr val="bg1">
+              <a:lumMod val="85000"/>
+              <a:lumOff val="15000"/>
+            </a:schemeClr>
+          </a:solidFill>
+          <a:ln w="76200">
+            <a:solidFill>
+              <a:schemeClr val="tx1">
+                <a:lumMod val="50000"/>
+              </a:schemeClr>
+            </a:solidFill>
+          </a:ln>
+        </p:spPr>
+        <p:style>
+          <a:lnRef idx="2">
+            <a:schemeClr val="dk1">
+              <a:shade val="50000"/>
+            </a:schemeClr>
+          </a:lnRef>
+          <a:fillRef idx="1">
+            <a:schemeClr val="dk1"/>
+          </a:fillRef>
+          <a:effectRef idx="0">
+            <a:schemeClr val="dk1"/>
+          </a:effectRef>
+          <a:fontRef idx="minor">
+            <a:schemeClr val="lt1"/>
+          </a:fontRef>
+        </p:style>
+        <p:txBody>
+          <a:bodyPr wrap="square">
+            <a:spAutoFit/>
+          </a:bodyPr>
+          <a:lstStyle/>
+          <a:p>
+            <a:r>
+              <a:rPr lang="de-DE" sz="2400" dirty="0" err="1">
+                <a:solidFill>
+                  <a:srgbClr val="CC7832"/>
+                </a:solidFill>
+                <a:latin typeface="Consolas" panose="020B0609020204030204" pitchFamily="49" charset="0"/>
+                <a:cs typeface="Consolas" panose="020B0609020204030204" pitchFamily="49" charset="0"/>
+              </a:rPr>
+              <a:t>def</a:t>
+            </a:r>
+            <a:r>
+              <a:rPr lang="de-DE" sz="2400" dirty="0">
+                <a:solidFill>
+                  <a:srgbClr val="CC7832"/>
+                </a:solidFill>
+                <a:latin typeface="Consolas" panose="020B0609020204030204" pitchFamily="49" charset="0"/>
+                <a:cs typeface="Consolas" panose="020B0609020204030204" pitchFamily="49" charset="0"/>
+              </a:rPr>
+              <a:t> </a:t>
+            </a:r>
+            <a:r>
+              <a:rPr lang="de-DE" sz="2400" dirty="0" err="1">
+                <a:solidFill>
+                  <a:srgbClr val="FFC66D"/>
+                </a:solidFill>
+                <a:latin typeface="Consolas" panose="020B0609020204030204" pitchFamily="49" charset="0"/>
+                <a:cs typeface="Consolas" panose="020B0609020204030204" pitchFamily="49" charset="0"/>
+              </a:rPr>
+              <a:t>addition</a:t>
+            </a:r>
+            <a:r>
+              <a:rPr lang="de-DE" sz="2400" dirty="0">
+                <a:latin typeface="Consolas" panose="020B0609020204030204" pitchFamily="49" charset="0"/>
+                <a:cs typeface="Consolas" panose="020B0609020204030204" pitchFamily="49" charset="0"/>
+              </a:rPr>
+              <a:t>(a, b) -&gt; </a:t>
+            </a:r>
+            <a:r>
+              <a:rPr lang="de-DE" sz="2400" dirty="0" err="1">
+                <a:solidFill>
+                  <a:srgbClr val="CC7832"/>
+                </a:solidFill>
+                <a:latin typeface="Consolas" panose="020B0609020204030204" pitchFamily="49" charset="0"/>
+                <a:cs typeface="Consolas" panose="020B0609020204030204" pitchFamily="49" charset="0"/>
+              </a:rPr>
+              <a:t>int</a:t>
+            </a:r>
+            <a:r>
+              <a:rPr lang="de-DE" sz="2400" dirty="0">
+                <a:latin typeface="Consolas" panose="020B0609020204030204" pitchFamily="49" charset="0"/>
+                <a:cs typeface="Consolas" panose="020B0609020204030204" pitchFamily="49" charset="0"/>
+              </a:rPr>
+              <a:t>:</a:t>
+            </a:r>
+          </a:p>
+          <a:p>
+            <a:r>
+              <a:rPr lang="de-DE" sz="2400" dirty="0">
+                <a:latin typeface="Consolas" panose="020B0609020204030204" pitchFamily="49" charset="0"/>
+                <a:cs typeface="Consolas" panose="020B0609020204030204" pitchFamily="49" charset="0"/>
+              </a:rPr>
+              <a:t>	summe = a + b</a:t>
+            </a:r>
+          </a:p>
+          <a:p>
+            <a:r>
+              <a:rPr lang="de-DE" sz="2400" dirty="0">
+                <a:latin typeface="Consolas" panose="020B0609020204030204" pitchFamily="49" charset="0"/>
+                <a:cs typeface="Consolas" panose="020B0609020204030204" pitchFamily="49" charset="0"/>
+              </a:rPr>
+              <a:t>	</a:t>
+            </a:r>
+            <a:r>
+              <a:rPr lang="de-DE" sz="2400" dirty="0" err="1">
+                <a:solidFill>
+                  <a:srgbClr val="CC7832"/>
+                </a:solidFill>
+                <a:latin typeface="Consolas" panose="020B0609020204030204" pitchFamily="49" charset="0"/>
+                <a:cs typeface="Consolas" panose="020B0609020204030204" pitchFamily="49" charset="0"/>
+              </a:rPr>
+              <a:t>return</a:t>
+            </a:r>
+            <a:r>
+              <a:rPr lang="de-DE" sz="2400" dirty="0">
+                <a:latin typeface="Consolas" panose="020B0609020204030204" pitchFamily="49" charset="0"/>
+                <a:cs typeface="Consolas" panose="020B0609020204030204" pitchFamily="49" charset="0"/>
+              </a:rPr>
+              <a:t> summe</a:t>
+            </a:r>
+          </a:p>
+          <a:p>
+            <a:endParaRPr lang="de-DE" sz="2400" dirty="0">
+              <a:latin typeface="Consolas" panose="020B0609020204030204" pitchFamily="49" charset="0"/>
+              <a:cs typeface="Consolas" panose="020B0609020204030204" pitchFamily="49" charset="0"/>
+            </a:endParaRPr>
+          </a:p>
+          <a:p>
+            <a:r>
+              <a:rPr lang="de-DE" sz="2400" dirty="0" err="1">
+                <a:latin typeface="Consolas" panose="020B0609020204030204" pitchFamily="49" charset="0"/>
+                <a:cs typeface="Consolas" panose="020B0609020204030204" pitchFamily="49" charset="0"/>
+              </a:rPr>
+              <a:t>ergebnis</a:t>
+            </a:r>
+            <a:r>
+              <a:rPr lang="de-DE" sz="2400" dirty="0">
+                <a:latin typeface="Consolas" panose="020B0609020204030204" pitchFamily="49" charset="0"/>
+                <a:cs typeface="Consolas" panose="020B0609020204030204" pitchFamily="49" charset="0"/>
+              </a:rPr>
+              <a:t> = </a:t>
+            </a:r>
+            <a:r>
+              <a:rPr lang="de-DE" sz="2400" dirty="0" err="1">
+                <a:solidFill>
+                  <a:srgbClr val="FFC66D"/>
+                </a:solidFill>
+                <a:latin typeface="Consolas" panose="020B0609020204030204" pitchFamily="49" charset="0"/>
+                <a:cs typeface="Consolas" panose="020B0609020204030204" pitchFamily="49" charset="0"/>
+              </a:rPr>
+              <a:t>addition</a:t>
+            </a:r>
+            <a:r>
+              <a:rPr lang="de-DE" sz="2400" dirty="0">
+                <a:latin typeface="Consolas" panose="020B0609020204030204" pitchFamily="49" charset="0"/>
+                <a:cs typeface="Consolas" panose="020B0609020204030204" pitchFamily="49" charset="0"/>
+              </a:rPr>
+              <a:t>(</a:t>
+            </a:r>
+            <a:r>
+              <a:rPr lang="de-DE" sz="2400" dirty="0">
+                <a:solidFill>
+                  <a:srgbClr val="C00000"/>
+                </a:solidFill>
+                <a:latin typeface="Consolas" panose="020B0609020204030204" pitchFamily="49" charset="0"/>
+                <a:cs typeface="Consolas" panose="020B0609020204030204" pitchFamily="49" charset="0"/>
+              </a:rPr>
+              <a:t>5</a:t>
+            </a:r>
+            <a:r>
+              <a:rPr lang="de-DE" sz="2400" dirty="0">
+                <a:solidFill>
+                  <a:srgbClr val="6A8759"/>
+                </a:solidFill>
+                <a:latin typeface="Consolas" panose="020B0609020204030204" pitchFamily="49" charset="0"/>
+                <a:cs typeface="Consolas" panose="020B0609020204030204" pitchFamily="49" charset="0"/>
+              </a:rPr>
+              <a:t>, </a:t>
+            </a:r>
+            <a:r>
+              <a:rPr lang="de-DE" sz="2400" dirty="0">
+                <a:solidFill>
+                  <a:srgbClr val="C00000"/>
+                </a:solidFill>
+                <a:latin typeface="Consolas" panose="020B0609020204030204" pitchFamily="49" charset="0"/>
+                <a:cs typeface="Consolas" panose="020B0609020204030204" pitchFamily="49" charset="0"/>
+              </a:rPr>
+              <a:t>3</a:t>
+            </a:r>
+            <a:r>
+              <a:rPr lang="de-DE" sz="2400" dirty="0">
+                <a:latin typeface="Consolas" panose="020B0609020204030204" pitchFamily="49" charset="0"/>
+                <a:cs typeface="Consolas" panose="020B0609020204030204" pitchFamily="49" charset="0"/>
+              </a:rPr>
+              <a:t>)</a:t>
+            </a:r>
+          </a:p>
+          <a:p>
+            <a:r>
+              <a:rPr lang="de-DE" sz="2400" dirty="0" err="1">
+                <a:solidFill>
+                  <a:srgbClr val="8888C6"/>
+                </a:solidFill>
+                <a:latin typeface="Consolas" panose="020B0609020204030204" pitchFamily="49" charset="0"/>
+                <a:cs typeface="Consolas" panose="020B0609020204030204" pitchFamily="49" charset="0"/>
+              </a:rPr>
+              <a:t>print</a:t>
+            </a:r>
+            <a:r>
+              <a:rPr lang="de-DE" sz="2400" dirty="0">
+                <a:latin typeface="Consolas" panose="020B0609020204030204" pitchFamily="49" charset="0"/>
+                <a:cs typeface="Consolas" panose="020B0609020204030204" pitchFamily="49" charset="0"/>
+              </a:rPr>
+              <a:t>(</a:t>
+            </a:r>
+            <a:r>
+              <a:rPr lang="de-DE" sz="2400" dirty="0" err="1">
+                <a:latin typeface="Consolas" panose="020B0609020204030204" pitchFamily="49" charset="0"/>
+                <a:cs typeface="Consolas" panose="020B0609020204030204" pitchFamily="49" charset="0"/>
+              </a:rPr>
+              <a:t>f</a:t>
+            </a:r>
+            <a:r>
+              <a:rPr lang="de-DE" sz="2400" dirty="0" err="1">
+                <a:solidFill>
+                  <a:srgbClr val="6A8759"/>
+                </a:solidFill>
+                <a:latin typeface="Consolas" panose="020B0609020204030204" pitchFamily="49" charset="0"/>
+                <a:cs typeface="Consolas" panose="020B0609020204030204" pitchFamily="49" charset="0"/>
+              </a:rPr>
+              <a:t>"ergebnis</a:t>
+            </a:r>
+            <a:r>
+              <a:rPr lang="de-DE" sz="2400" dirty="0">
+                <a:solidFill>
+                  <a:srgbClr val="6A8759"/>
+                </a:solidFill>
+                <a:latin typeface="Consolas" panose="020B0609020204030204" pitchFamily="49" charset="0"/>
+                <a:cs typeface="Consolas" panose="020B0609020204030204" pitchFamily="49" charset="0"/>
+              </a:rPr>
+              <a:t> = {</a:t>
+            </a:r>
+            <a:r>
+              <a:rPr lang="de-DE" sz="2400" dirty="0" err="1">
+                <a:latin typeface="Consolas" panose="020B0609020204030204" pitchFamily="49" charset="0"/>
+                <a:cs typeface="Consolas" panose="020B0609020204030204" pitchFamily="49" charset="0"/>
+              </a:rPr>
+              <a:t>ergebnis</a:t>
+            </a:r>
+            <a:r>
+              <a:rPr lang="de-DE" sz="2400" dirty="0">
+                <a:solidFill>
+                  <a:srgbClr val="6A8759"/>
+                </a:solidFill>
+                <a:latin typeface="Consolas" panose="020B0609020204030204" pitchFamily="49" charset="0"/>
+                <a:cs typeface="Consolas" panose="020B0609020204030204" pitchFamily="49" charset="0"/>
+              </a:rPr>
+              <a:t>}"</a:t>
+            </a:r>
+            <a:r>
+              <a:rPr lang="de-DE" sz="2400" dirty="0">
+                <a:latin typeface="Consolas" panose="020B0609020204030204" pitchFamily="49" charset="0"/>
+                <a:cs typeface="Consolas" panose="020B0609020204030204" pitchFamily="49" charset="0"/>
+              </a:rPr>
+              <a:t>)</a:t>
+            </a:r>
+            <a:endParaRPr lang="de-DE" sz="2400" b="1" dirty="0">
+              <a:latin typeface="Consolas" panose="020B0609020204030204" pitchFamily="49" charset="0"/>
+              <a:cs typeface="Consolas" panose="020B0609020204030204" pitchFamily="49" charset="0"/>
+            </a:endParaRPr>
+          </a:p>
+        </p:txBody>
+      </p:sp>
+      <p:sp>
+        <p:nvSpPr>
+          <p:cNvPr id="22" name="Rechteck 21">
+            <a:extLst>
+              <a:ext uri="{FF2B5EF4-FFF2-40B4-BE49-F238E27FC236}">
+                <a16:creationId xmlns:a16="http://schemas.microsoft.com/office/drawing/2014/main" id="{95FBA5E5-4427-3847-8ECB-2AD739F6E446}"/>
+              </a:ext>
+            </a:extLst>
+          </p:cNvPr>
+          <p:cNvSpPr/>
+          <p:nvPr/>
+        </p:nvSpPr>
+        <p:spPr>
+          <a:xfrm>
+            <a:off x="1670461" y="5123520"/>
+            <a:ext cx="6482939" cy="461665"/>
+          </a:xfrm>
+          <a:prstGeom prst="rect">
+            <a:avLst/>
+          </a:prstGeom>
+          <a:solidFill>
+            <a:schemeClr val="tx1">
+              <a:lumMod val="75000"/>
+            </a:schemeClr>
+          </a:solidFill>
+          <a:ln w="38100">
+            <a:solidFill>
+              <a:schemeClr val="tx1">
+                <a:lumMod val="50000"/>
+              </a:schemeClr>
+            </a:solidFill>
+          </a:ln>
+        </p:spPr>
+        <p:style>
+          <a:lnRef idx="2">
+            <a:schemeClr val="dk1">
+              <a:shade val="50000"/>
+            </a:schemeClr>
+          </a:lnRef>
+          <a:fillRef idx="1">
+            <a:schemeClr val="dk1"/>
+          </a:fillRef>
+          <a:effectRef idx="0">
+            <a:schemeClr val="dk1"/>
+          </a:effectRef>
+          <a:fontRef idx="minor">
+            <a:schemeClr val="lt1"/>
+          </a:fontRef>
+        </p:style>
+        <p:txBody>
+          <a:bodyPr wrap="square">
+            <a:spAutoFit/>
+          </a:bodyPr>
+          <a:lstStyle/>
+          <a:p>
+            <a:r>
+              <a:rPr lang="de-DE" sz="2400" dirty="0" err="1">
+                <a:solidFill>
+                  <a:schemeClr val="bg1"/>
+                </a:solidFill>
+                <a:latin typeface="Consolas" panose="020B0609020204030204" pitchFamily="49" charset="0"/>
+                <a:cs typeface="Consolas" panose="020B0609020204030204" pitchFamily="49" charset="0"/>
+              </a:rPr>
+              <a:t>ergebnis</a:t>
+            </a:r>
+            <a:r>
+              <a:rPr lang="de-DE" sz="2400" dirty="0">
+                <a:solidFill>
+                  <a:schemeClr val="bg1"/>
+                </a:solidFill>
+                <a:latin typeface="Consolas" panose="020B0609020204030204" pitchFamily="49" charset="0"/>
+                <a:cs typeface="Consolas" panose="020B0609020204030204" pitchFamily="49" charset="0"/>
+              </a:rPr>
+              <a:t> = 8</a:t>
+            </a:r>
+          </a:p>
+        </p:txBody>
+      </p:sp>
+    </p:spTree>
+    <p:extLst>
+      <p:ext uri="{BB962C8B-B14F-4D97-AF65-F5344CB8AC3E}">
+        <p14:creationId xmlns:p14="http://schemas.microsoft.com/office/powerpoint/2010/main" val="1281822685"/>
+      </p:ext>
+    </p:extLst>
+  </p:cSld>
+  <p:clrMapOvr>
+    <a:masterClrMapping/>
+  </p:clrMapOvr>
+  <p:timing>
+    <p:tnLst>
+      <p:par>
+        <p:cTn id="1" dur="indefinite" restart="never" nodeType="tmRoot">
+          <p:childTnLst>
+            <p:seq concurrent="1" nextAc="seek">
+              <p:cTn id="2" dur="indefinite" nodeType="mainSeq">
+                <p:childTnLst>
+                  <p:par>
+                    <p:cTn id="3" fill="hold">
+                      <p:stCondLst>
+                        <p:cond delay="indefinite"/>
+                      </p:stCondLst>
+                      <p:childTnLst>
+                        <p:par>
+                          <p:cTn id="4" fill="hold">
+                            <p:stCondLst>
+                              <p:cond delay="0"/>
+                            </p:stCondLst>
+                            <p:childTnLst>
+                              <p:par>
+                                <p:cTn id="5" presetID="10" presetClass="entr" presetSubtype="0" fill="hold" nodeType="clickEffect">
+                                  <p:stCondLst>
+                                    <p:cond delay="0"/>
+                                  </p:stCondLst>
+                                  <p:childTnLst>
+                                    <p:set>
+                                      <p:cBhvr>
+                                        <p:cTn id="6" dur="1" fill="hold">
+                                          <p:stCondLst>
+                                            <p:cond delay="0"/>
+                                          </p:stCondLst>
+                                        </p:cTn>
+                                        <p:tgtEl>
+                                          <p:spTgt spid="6">
+                                            <p:txEl>
+                                              <p:pRg st="0" end="0"/>
+                                            </p:txEl>
+                                          </p:spTgt>
+                                        </p:tgtEl>
+                                        <p:attrNameLst>
+                                          <p:attrName>style.visibility</p:attrName>
+                                        </p:attrNameLst>
+                                      </p:cBhvr>
+                                      <p:to>
+                                        <p:strVal val="visible"/>
+                                      </p:to>
+                                    </p:set>
+                                    <p:animEffect transition="in" filter="fade">
+                                      <p:cBhvr>
+                                        <p:cTn id="7" dur="500"/>
+                                        <p:tgtEl>
+                                          <p:spTgt spid="6">
+                                            <p:txEl>
+                                              <p:pRg st="0" end="0"/>
+                                            </p:txEl>
+                                          </p:spTgt>
+                                        </p:tgtEl>
+                                      </p:cBhvr>
+                                    </p:animEffect>
+                                  </p:childTnLst>
+                                </p:cTn>
+                              </p:par>
+                            </p:childTnLst>
+                          </p:cTn>
+                        </p:par>
+                      </p:childTnLst>
+                    </p:cTn>
+                  </p:par>
+                  <p:par>
+                    <p:cTn id="8" fill="hold">
+                      <p:stCondLst>
+                        <p:cond delay="indefinite"/>
+                      </p:stCondLst>
+                      <p:childTnLst>
+                        <p:par>
+                          <p:cTn id="9" fill="hold">
+                            <p:stCondLst>
+                              <p:cond delay="0"/>
+                            </p:stCondLst>
+                            <p:childTnLst>
+                              <p:par>
+                                <p:cTn id="10" presetID="10" presetClass="entr" presetSubtype="0" fill="hold" grpId="0" nodeType="clickEffect">
+                                  <p:stCondLst>
+                                    <p:cond delay="0"/>
+                                  </p:stCondLst>
+                                  <p:childTnLst>
+                                    <p:set>
+                                      <p:cBhvr>
+                                        <p:cTn id="11" dur="1" fill="hold">
+                                          <p:stCondLst>
+                                            <p:cond delay="0"/>
+                                          </p:stCondLst>
+                                        </p:cTn>
+                                        <p:tgtEl>
+                                          <p:spTgt spid="21"/>
+                                        </p:tgtEl>
+                                        <p:attrNameLst>
+                                          <p:attrName>style.visibility</p:attrName>
+                                        </p:attrNameLst>
+                                      </p:cBhvr>
+                                      <p:to>
+                                        <p:strVal val="visible"/>
+                                      </p:to>
+                                    </p:set>
+                                    <p:animEffect transition="in" filter="fade">
+                                      <p:cBhvr>
+                                        <p:cTn id="12" dur="500"/>
+                                        <p:tgtEl>
+                                          <p:spTgt spid="21"/>
+                                        </p:tgtEl>
+                                      </p:cBhvr>
+                                    </p:animEffect>
+                                  </p:childTnLst>
+                                </p:cTn>
+                              </p:par>
+                            </p:childTnLst>
+                          </p:cTn>
+                        </p:par>
+                      </p:childTnLst>
+                    </p:cTn>
+                  </p:par>
+                  <p:par>
+                    <p:cTn id="13" fill="hold">
+                      <p:stCondLst>
+                        <p:cond delay="indefinite"/>
+                      </p:stCondLst>
+                      <p:childTnLst>
+                        <p:par>
+                          <p:cTn id="14" fill="hold">
+                            <p:stCondLst>
+                              <p:cond delay="0"/>
+                            </p:stCondLst>
+                            <p:childTnLst>
+                              <p:par>
+                                <p:cTn id="15" presetID="10" presetClass="entr" presetSubtype="0" fill="hold" grpId="0" nodeType="clickEffect">
+                                  <p:stCondLst>
+                                    <p:cond delay="0"/>
+                                  </p:stCondLst>
+                                  <p:childTnLst>
+                                    <p:set>
+                                      <p:cBhvr>
+                                        <p:cTn id="16" dur="1" fill="hold">
+                                          <p:stCondLst>
+                                            <p:cond delay="0"/>
+                                          </p:stCondLst>
+                                        </p:cTn>
+                                        <p:tgtEl>
+                                          <p:spTgt spid="22"/>
+                                        </p:tgtEl>
+                                        <p:attrNameLst>
+                                          <p:attrName>style.visibility</p:attrName>
+                                        </p:attrNameLst>
+                                      </p:cBhvr>
+                                      <p:to>
+                                        <p:strVal val="visible"/>
+                                      </p:to>
+                                    </p:set>
+                                    <p:animEffect transition="in" filter="fade">
+                                      <p:cBhvr>
+                                        <p:cTn id="17" dur="500"/>
+                                        <p:tgtEl>
+                                          <p:spTgt spid="22"/>
+                                        </p:tgtEl>
+                                      </p:cBhvr>
+                                    </p:animEffect>
+                                  </p:childTnLst>
+                                </p:cTn>
+                              </p:par>
+                            </p:childTnLst>
+                          </p:cTn>
+                        </p:par>
+                      </p:childTnLst>
+                    </p:cTn>
+                  </p:par>
+                </p:childTnLst>
+              </p:cTn>
+              <p:prevCondLst>
+                <p:cond evt="onPrev" delay="0">
+                  <p:tgtEl>
+                    <p:sldTgt/>
+                  </p:tgtEl>
+                </p:cond>
+              </p:prevCondLst>
+              <p:nextCondLst>
+                <p:cond evt="onNext" delay="0">
+                  <p:tgtEl>
+                    <p:sldTgt/>
+                  </p:tgtEl>
+                </p:cond>
+              </p:nextCondLst>
+            </p:seq>
+          </p:childTnLst>
+        </p:cTn>
+      </p:par>
+    </p:tnLst>
+    <p:bldLst>
+      <p:bldP spid="21" grpId="0" animBg="1"/>
+      <p:bldP spid="22" grpId="0" animBg="1"/>
+    </p:bldLst>
+  </p:timing>
+</p:sld>
+</file>
+
+<file path=ppt/slides/slide7.xml><?xml version="1.0" encoding="utf-8"?>
+<p:sld xmlns:a="http://schemas.openxmlformats.org/drawingml/2006/main" xmlns:r="http://schemas.openxmlformats.org/officeDocument/2006/relationships" xmlns:p="http://schemas.openxmlformats.org/presentationml/2006/main">
+  <p:cSld>
+    <p:spTree>
+      <p:nvGrpSpPr>
+        <p:cNvPr id="1" name=""/>
+        <p:cNvGrpSpPr/>
+        <p:nvPr/>
+      </p:nvGrpSpPr>
+      <p:grpSpPr>
+        <a:xfrm>
+          <a:off x="0" y="0"/>
+          <a:ext cx="0" cy="0"/>
+          <a:chOff x="0" y="0"/>
+          <a:chExt cx="0" cy="0"/>
+        </a:xfrm>
+      </p:grpSpPr>
+      <p:sp>
+        <p:nvSpPr>
+          <p:cNvPr id="5" name="Titel 4">
+            <a:extLst>
+              <a:ext uri="{FF2B5EF4-FFF2-40B4-BE49-F238E27FC236}">
+                <a16:creationId xmlns:a16="http://schemas.microsoft.com/office/drawing/2014/main" id="{BDF2C912-E02F-4E1F-82DF-351A88BA5B31}"/>
+              </a:ext>
+            </a:extLst>
+          </p:cNvPr>
+          <p:cNvSpPr>
+            <a:spLocks noGrp="1"/>
+          </p:cNvSpPr>
+          <p:nvPr>
+            <p:ph type="title"/>
+          </p:nvPr>
+        </p:nvSpPr>
+        <p:spPr>
+          <a:xfrm>
+            <a:off x="838200" y="365125"/>
+            <a:ext cx="7958667" cy="1137104"/>
+          </a:xfrm>
+        </p:spPr>
+        <p:txBody>
+          <a:bodyPr anchor="b">
+            <a:normAutofit/>
+          </a:bodyPr>
+          <a:lstStyle/>
+          <a:p>
+            <a:r>
+              <a:rPr lang="de-DE" sz="4400" dirty="0">
+                <a:solidFill>
+                  <a:schemeClr val="tx1">
+                    <a:lumMod val="95000"/>
+                  </a:schemeClr>
+                </a:solidFill>
+              </a:rPr>
+              <a:t>Default-Parameter</a:t>
+            </a:r>
+          </a:p>
+        </p:txBody>
+      </p:sp>
+      <p:sp>
+        <p:nvSpPr>
+          <p:cNvPr id="6" name="Inhaltsplatzhalter 5">
+            <a:extLst>
+              <a:ext uri="{FF2B5EF4-FFF2-40B4-BE49-F238E27FC236}">
+                <a16:creationId xmlns:a16="http://schemas.microsoft.com/office/drawing/2014/main" id="{67FD4DD5-46C1-4974-A569-BB95F27DCC4F}"/>
+              </a:ext>
+            </a:extLst>
+          </p:cNvPr>
+          <p:cNvSpPr>
+            <a:spLocks noGrp="1"/>
+          </p:cNvSpPr>
+          <p:nvPr>
+            <p:ph idx="1"/>
+          </p:nvPr>
+        </p:nvSpPr>
+        <p:spPr>
+          <a:xfrm>
+            <a:off x="838200" y="1825625"/>
+            <a:ext cx="9469582" cy="4351338"/>
+          </a:xfrm>
+        </p:spPr>
+        <p:txBody>
+          <a:bodyPr>
+            <a:normAutofit/>
+          </a:bodyPr>
+          <a:lstStyle/>
+          <a:p>
+            <a:r>
+              <a:rPr lang="de-DE" sz="2400" dirty="0">
+                <a:solidFill>
+                  <a:schemeClr val="tx1">
+                    <a:lumMod val="95000"/>
+                  </a:schemeClr>
+                </a:solidFill>
+              </a:rPr>
+              <a:t>Falls </a:t>
+            </a:r>
+            <a:r>
+              <a:rPr lang="de-DE" sz="2400" dirty="0" err="1">
+                <a:solidFill>
+                  <a:schemeClr val="tx1">
+                    <a:lumMod val="95000"/>
+                  </a:schemeClr>
+                </a:solidFill>
+              </a:rPr>
+              <a:t>parameter</a:t>
+            </a:r>
+            <a:r>
+              <a:rPr lang="de-DE" sz="2400" dirty="0">
+                <a:solidFill>
+                  <a:schemeClr val="tx1">
+                    <a:lumMod val="95000"/>
+                  </a:schemeClr>
+                </a:solidFill>
+              </a:rPr>
+              <a:t> benötigt werden, aber nicht gesetzt werden, kann man Parameter mit standartwerten erstellen</a:t>
+            </a:r>
+          </a:p>
+        </p:txBody>
+      </p:sp>
+      <p:sp>
+        <p:nvSpPr>
+          <p:cNvPr id="7" name="Date Placeholder 3">
+            <a:extLst>
+              <a:ext uri="{FF2B5EF4-FFF2-40B4-BE49-F238E27FC236}">
+                <a16:creationId xmlns:a16="http://schemas.microsoft.com/office/drawing/2014/main" id="{18705B3C-262D-45A3-8C90-9FC26244A8CC}"/>
+              </a:ext>
+            </a:extLst>
+          </p:cNvPr>
+          <p:cNvSpPr>
+            <a:spLocks noGrp="1"/>
+          </p:cNvSpPr>
+          <p:nvPr>
+            <p:ph type="dt" sz="half" idx="10"/>
+          </p:nvPr>
+        </p:nvSpPr>
+        <p:spPr>
+          <a:xfrm>
+            <a:off x="838200" y="6356350"/>
+            <a:ext cx="2743200" cy="365125"/>
+          </a:xfrm>
+        </p:spPr>
+        <p:txBody>
+          <a:bodyPr/>
+          <a:lstStyle/>
+          <a:p>
+            <a:fld id="{D4AD37E9-5A10-49A7-855D-CAA2D2E848B6}" type="datetimeFigureOut">
+              <a:rPr lang="de-DE" smtClean="0"/>
+              <a:t>28.07.21</a:t>
+            </a:fld>
+            <a:endParaRPr lang="de-DE"/>
+          </a:p>
+        </p:txBody>
+      </p:sp>
+      <p:sp>
+        <p:nvSpPr>
+          <p:cNvPr id="8" name="Footer Placeholder 4">
+            <a:extLst>
+              <a:ext uri="{FF2B5EF4-FFF2-40B4-BE49-F238E27FC236}">
+                <a16:creationId xmlns:a16="http://schemas.microsoft.com/office/drawing/2014/main" id="{6833897F-8945-43C1-8EE1-2E83FF8331D9}"/>
+              </a:ext>
+            </a:extLst>
+          </p:cNvPr>
+          <p:cNvSpPr>
+            <a:spLocks noGrp="1"/>
+          </p:cNvSpPr>
+          <p:nvPr>
+            <p:ph type="ftr" sz="quarter" idx="11"/>
+          </p:nvPr>
+        </p:nvSpPr>
+        <p:spPr>
+          <a:xfrm>
+            <a:off x="4038600" y="6356350"/>
+            <a:ext cx="4114800" cy="365125"/>
+          </a:xfrm>
+        </p:spPr>
+        <p:txBody>
+          <a:bodyPr/>
+          <a:lstStyle/>
+          <a:p>
+            <a:r>
+              <a:rPr lang="de-DE" sz="1200" dirty="0">
+                <a:solidFill>
+                  <a:schemeClr val="tx1">
+                    <a:lumMod val="95000"/>
+                  </a:schemeClr>
+                </a:solidFill>
+              </a:rPr>
+              <a:t>Funktionen </a:t>
+            </a:r>
+            <a:endParaRPr lang="en-US" sz="1200" dirty="0">
+              <a:solidFill>
+                <a:schemeClr val="tx1">
+                  <a:lumMod val="95000"/>
+                </a:schemeClr>
+              </a:solidFill>
+              <a:latin typeface="+mj-lt"/>
+            </a:endParaRPr>
+          </a:p>
+        </p:txBody>
+      </p:sp>
+      <p:sp>
+        <p:nvSpPr>
+          <p:cNvPr id="9" name="Slide Number Placeholder 5">
+            <a:extLst>
+              <a:ext uri="{FF2B5EF4-FFF2-40B4-BE49-F238E27FC236}">
+                <a16:creationId xmlns:a16="http://schemas.microsoft.com/office/drawing/2014/main" id="{4CB1546C-41E9-4CE9-A31D-18CB078FE5F0}"/>
+              </a:ext>
+            </a:extLst>
+          </p:cNvPr>
+          <p:cNvSpPr>
+            <a:spLocks noGrp="1"/>
+          </p:cNvSpPr>
+          <p:nvPr>
+            <p:ph type="sldNum" sz="quarter" idx="12"/>
+          </p:nvPr>
+        </p:nvSpPr>
+        <p:spPr>
+          <a:xfrm>
+            <a:off x="8610600" y="6356350"/>
+            <a:ext cx="2743200" cy="365125"/>
+          </a:xfrm>
+        </p:spPr>
+        <p:txBody>
+          <a:bodyPr/>
+          <a:lstStyle/>
+          <a:p>
+            <a:fld id="{312A73BE-F097-4DBB-AEB2-4CC070160BA0}" type="slidenum">
+              <a:rPr lang="de-DE" smtClean="0"/>
+              <a:t>7</a:t>
+            </a:fld>
+            <a:endParaRPr lang="de-DE"/>
+          </a:p>
+        </p:txBody>
+      </p:sp>
+      <p:sp>
+        <p:nvSpPr>
+          <p:cNvPr id="10" name="Rechteck 9">
+            <a:extLst>
+              <a:ext uri="{FF2B5EF4-FFF2-40B4-BE49-F238E27FC236}">
+                <a16:creationId xmlns:a16="http://schemas.microsoft.com/office/drawing/2014/main" id="{42BE9060-73B9-CC4A-9B94-409FFC1271F9}"/>
+              </a:ext>
+            </a:extLst>
+          </p:cNvPr>
+          <p:cNvSpPr/>
+          <p:nvPr/>
+        </p:nvSpPr>
+        <p:spPr>
+          <a:xfrm>
+            <a:off x="1670461" y="2735909"/>
+            <a:ext cx="6940139" cy="1938992"/>
+          </a:xfrm>
+          <a:prstGeom prst="rect">
+            <a:avLst/>
+          </a:prstGeom>
+          <a:solidFill>
+            <a:schemeClr val="bg1">
+              <a:lumMod val="85000"/>
+              <a:lumOff val="15000"/>
+            </a:schemeClr>
+          </a:solidFill>
+          <a:ln w="76200">
+            <a:solidFill>
+              <a:schemeClr val="tx1">
+                <a:lumMod val="50000"/>
+              </a:schemeClr>
+            </a:solidFill>
+          </a:ln>
+        </p:spPr>
+        <p:style>
+          <a:lnRef idx="2">
+            <a:schemeClr val="dk1">
+              <a:shade val="50000"/>
+            </a:schemeClr>
+          </a:lnRef>
+          <a:fillRef idx="1">
+            <a:schemeClr val="dk1"/>
+          </a:fillRef>
+          <a:effectRef idx="0">
+            <a:schemeClr val="dk1"/>
+          </a:effectRef>
+          <a:fontRef idx="minor">
+            <a:schemeClr val="lt1"/>
+          </a:fontRef>
+        </p:style>
+        <p:txBody>
+          <a:bodyPr wrap="square">
+            <a:spAutoFit/>
+          </a:bodyPr>
+          <a:lstStyle/>
+          <a:p>
+            <a:r>
+              <a:rPr lang="de-DE" sz="2400" dirty="0" err="1">
+                <a:solidFill>
+                  <a:srgbClr val="CC7832"/>
+                </a:solidFill>
+                <a:latin typeface="Consolas" panose="020B0609020204030204" pitchFamily="49" charset="0"/>
+                <a:cs typeface="Consolas" panose="020B0609020204030204" pitchFamily="49" charset="0"/>
+              </a:rPr>
+              <a:t>def</a:t>
+            </a:r>
+            <a:r>
+              <a:rPr lang="de-DE" sz="2400" dirty="0">
+                <a:solidFill>
+                  <a:srgbClr val="CC7832"/>
+                </a:solidFill>
+                <a:latin typeface="Consolas" panose="020B0609020204030204" pitchFamily="49" charset="0"/>
+                <a:cs typeface="Consolas" panose="020B0609020204030204" pitchFamily="49" charset="0"/>
+              </a:rPr>
+              <a:t> </a:t>
+            </a:r>
+            <a:r>
+              <a:rPr lang="de-DE" sz="2400" dirty="0" err="1">
+                <a:solidFill>
+                  <a:srgbClr val="FFC66D"/>
+                </a:solidFill>
+                <a:latin typeface="Consolas" panose="020B0609020204030204" pitchFamily="49" charset="0"/>
+                <a:cs typeface="Consolas" panose="020B0609020204030204" pitchFamily="49" charset="0"/>
+              </a:rPr>
+              <a:t>say_hello_to</a:t>
+            </a:r>
+            <a:r>
+              <a:rPr lang="de-DE" sz="2400" dirty="0">
+                <a:latin typeface="Consolas" panose="020B0609020204030204" pitchFamily="49" charset="0"/>
+                <a:cs typeface="Consolas" panose="020B0609020204030204" pitchFamily="49" charset="0"/>
+              </a:rPr>
+              <a:t>(</a:t>
+            </a:r>
+            <a:r>
+              <a:rPr lang="de-DE" sz="2400" dirty="0" err="1">
+                <a:latin typeface="Consolas" panose="020B0609020204030204" pitchFamily="49" charset="0"/>
+                <a:cs typeface="Consolas" panose="020B0609020204030204" pitchFamily="49" charset="0"/>
+              </a:rPr>
+              <a:t>name</a:t>
+            </a:r>
+            <a:r>
+              <a:rPr lang="de-DE" sz="2400" dirty="0">
+                <a:latin typeface="Consolas" panose="020B0609020204030204" pitchFamily="49" charset="0"/>
+                <a:cs typeface="Consolas" panose="020B0609020204030204" pitchFamily="49" charset="0"/>
+              </a:rPr>
+              <a:t>=</a:t>
+            </a:r>
+            <a:r>
+              <a:rPr lang="de-DE" sz="2400" dirty="0">
+                <a:solidFill>
+                  <a:srgbClr val="6A8759"/>
+                </a:solidFill>
+                <a:latin typeface="Consolas" panose="020B0609020204030204" pitchFamily="49" charset="0"/>
+                <a:cs typeface="Consolas" panose="020B0609020204030204" pitchFamily="49" charset="0"/>
+              </a:rPr>
+              <a:t>"Hans"</a:t>
+            </a:r>
+            <a:r>
+              <a:rPr lang="de-DE" sz="2400" dirty="0">
+                <a:latin typeface="Consolas" panose="020B0609020204030204" pitchFamily="49" charset="0"/>
+                <a:cs typeface="Consolas" panose="020B0609020204030204" pitchFamily="49" charset="0"/>
+              </a:rPr>
+              <a:t>) -&gt; </a:t>
+            </a:r>
+            <a:r>
+              <a:rPr lang="de-DE" sz="2400" dirty="0">
+                <a:solidFill>
+                  <a:srgbClr val="CC7832"/>
+                </a:solidFill>
+                <a:latin typeface="Consolas" panose="020B0609020204030204" pitchFamily="49" charset="0"/>
+                <a:cs typeface="Consolas" panose="020B0609020204030204" pitchFamily="49" charset="0"/>
+              </a:rPr>
+              <a:t>None</a:t>
+            </a:r>
+            <a:r>
+              <a:rPr lang="de-DE" sz="2400" dirty="0">
+                <a:latin typeface="Consolas" panose="020B0609020204030204" pitchFamily="49" charset="0"/>
+                <a:cs typeface="Consolas" panose="020B0609020204030204" pitchFamily="49" charset="0"/>
+              </a:rPr>
+              <a:t>:</a:t>
+            </a:r>
+            <a:br>
+              <a:rPr lang="de-DE" sz="2400" dirty="0">
+                <a:latin typeface="Consolas" panose="020B0609020204030204" pitchFamily="49" charset="0"/>
+                <a:cs typeface="Consolas" panose="020B0609020204030204" pitchFamily="49" charset="0"/>
+              </a:rPr>
+            </a:br>
+            <a:r>
+              <a:rPr lang="de-DE" sz="2400" dirty="0">
+                <a:latin typeface="Consolas" panose="020B0609020204030204" pitchFamily="49" charset="0"/>
+                <a:cs typeface="Consolas" panose="020B0609020204030204" pitchFamily="49" charset="0"/>
+              </a:rPr>
+              <a:t>	</a:t>
+            </a:r>
+            <a:r>
+              <a:rPr lang="de-DE" sz="2400" dirty="0" err="1">
+                <a:solidFill>
+                  <a:srgbClr val="8888C6"/>
+                </a:solidFill>
+                <a:latin typeface="Consolas" panose="020B0609020204030204" pitchFamily="49" charset="0"/>
+                <a:cs typeface="Consolas" panose="020B0609020204030204" pitchFamily="49" charset="0"/>
+              </a:rPr>
+              <a:t>print</a:t>
+            </a:r>
+            <a:r>
+              <a:rPr lang="de-DE" sz="2400" dirty="0">
+                <a:latin typeface="Consolas" panose="020B0609020204030204" pitchFamily="49" charset="0"/>
+                <a:cs typeface="Consolas" panose="020B0609020204030204" pitchFamily="49" charset="0"/>
+              </a:rPr>
+              <a:t>(</a:t>
+            </a:r>
+            <a:r>
+              <a:rPr lang="de-DE" sz="2400" dirty="0" err="1">
+                <a:latin typeface="Consolas" panose="020B0609020204030204" pitchFamily="49" charset="0"/>
+                <a:cs typeface="Consolas" panose="020B0609020204030204" pitchFamily="49" charset="0"/>
+              </a:rPr>
+              <a:t>f</a:t>
+            </a:r>
+            <a:r>
+              <a:rPr lang="de-DE" sz="2400" dirty="0" err="1">
+                <a:solidFill>
+                  <a:srgbClr val="6A8759"/>
+                </a:solidFill>
+                <a:latin typeface="Consolas" panose="020B0609020204030204" pitchFamily="49" charset="0"/>
+                <a:cs typeface="Consolas" panose="020B0609020204030204" pitchFamily="49" charset="0"/>
+              </a:rPr>
+              <a:t>"Hallo</a:t>
+            </a:r>
+            <a:r>
+              <a:rPr lang="de-DE" sz="2400" dirty="0">
+                <a:solidFill>
+                  <a:srgbClr val="6A8759"/>
+                </a:solidFill>
+                <a:latin typeface="Consolas" panose="020B0609020204030204" pitchFamily="49" charset="0"/>
+                <a:cs typeface="Consolas" panose="020B0609020204030204" pitchFamily="49" charset="0"/>
+              </a:rPr>
+              <a:t> {</a:t>
+            </a:r>
+            <a:r>
+              <a:rPr lang="de-DE" sz="2400" dirty="0" err="1">
+                <a:solidFill>
+                  <a:srgbClr val="6A8759"/>
+                </a:solidFill>
+                <a:latin typeface="Consolas" panose="020B0609020204030204" pitchFamily="49" charset="0"/>
+                <a:cs typeface="Consolas" panose="020B0609020204030204" pitchFamily="49" charset="0"/>
+              </a:rPr>
+              <a:t>name</a:t>
+            </a:r>
+            <a:r>
+              <a:rPr lang="de-DE" sz="2400" dirty="0">
+                <a:solidFill>
+                  <a:srgbClr val="6A8759"/>
+                </a:solidFill>
+                <a:latin typeface="Consolas" panose="020B0609020204030204" pitchFamily="49" charset="0"/>
+                <a:cs typeface="Consolas" panose="020B0609020204030204" pitchFamily="49" charset="0"/>
+              </a:rPr>
+              <a:t>}!"</a:t>
+            </a:r>
+            <a:r>
+              <a:rPr lang="de-DE" sz="2400" dirty="0">
+                <a:latin typeface="Consolas" panose="020B0609020204030204" pitchFamily="49" charset="0"/>
+                <a:cs typeface="Consolas" panose="020B0609020204030204" pitchFamily="49" charset="0"/>
+              </a:rPr>
+              <a:t>)</a:t>
+            </a:r>
+          </a:p>
+          <a:p>
+            <a:endParaRPr lang="de-DE" sz="2400" dirty="0">
+              <a:latin typeface="Consolas" panose="020B0609020204030204" pitchFamily="49" charset="0"/>
+              <a:cs typeface="Consolas" panose="020B0609020204030204" pitchFamily="49" charset="0"/>
+            </a:endParaRPr>
+          </a:p>
+          <a:p>
+            <a:r>
+              <a:rPr lang="de-DE" sz="2400" dirty="0" err="1">
+                <a:solidFill>
+                  <a:srgbClr val="FFC66D"/>
+                </a:solidFill>
+                <a:latin typeface="Consolas" panose="020B0609020204030204" pitchFamily="49" charset="0"/>
+                <a:cs typeface="Consolas" panose="020B0609020204030204" pitchFamily="49" charset="0"/>
+              </a:rPr>
+              <a:t>say_hello_to</a:t>
+            </a:r>
+            <a:r>
+              <a:rPr lang="de-DE" sz="2400" dirty="0">
+                <a:latin typeface="Consolas" panose="020B0609020204030204" pitchFamily="49" charset="0"/>
+                <a:cs typeface="Consolas" panose="020B0609020204030204" pitchFamily="49" charset="0"/>
+              </a:rPr>
+              <a:t>(</a:t>
+            </a:r>
+            <a:r>
+              <a:rPr lang="de-DE" sz="2400" dirty="0">
+                <a:solidFill>
+                  <a:srgbClr val="6A8759"/>
+                </a:solidFill>
+                <a:latin typeface="Consolas" panose="020B0609020204030204" pitchFamily="49" charset="0"/>
+                <a:cs typeface="Consolas" panose="020B0609020204030204" pitchFamily="49" charset="0"/>
+              </a:rPr>
+              <a:t>"Peter"</a:t>
+            </a:r>
+            <a:r>
+              <a:rPr lang="de-DE" sz="2400" dirty="0">
+                <a:latin typeface="Consolas" panose="020B0609020204030204" pitchFamily="49" charset="0"/>
+                <a:cs typeface="Consolas" panose="020B0609020204030204" pitchFamily="49" charset="0"/>
+              </a:rPr>
+              <a:t>)</a:t>
+            </a:r>
+          </a:p>
+          <a:p>
+            <a:r>
+              <a:rPr lang="de-DE" sz="2400" dirty="0" err="1">
+                <a:solidFill>
+                  <a:srgbClr val="FFC66D"/>
+                </a:solidFill>
+                <a:latin typeface="Consolas" panose="020B0609020204030204" pitchFamily="49" charset="0"/>
+                <a:cs typeface="Consolas" panose="020B0609020204030204" pitchFamily="49" charset="0"/>
+              </a:rPr>
+              <a:t>say_hello_to</a:t>
+            </a:r>
+            <a:r>
+              <a:rPr lang="de-DE" sz="2400" dirty="0">
+                <a:latin typeface="Consolas" panose="020B0609020204030204" pitchFamily="49" charset="0"/>
+                <a:cs typeface="Consolas" panose="020B0609020204030204" pitchFamily="49" charset="0"/>
+              </a:rPr>
+              <a:t>()</a:t>
+            </a:r>
+          </a:p>
+        </p:txBody>
+      </p:sp>
+      <p:sp>
+        <p:nvSpPr>
+          <p:cNvPr id="11" name="Rechteck 10">
+            <a:extLst>
+              <a:ext uri="{FF2B5EF4-FFF2-40B4-BE49-F238E27FC236}">
+                <a16:creationId xmlns:a16="http://schemas.microsoft.com/office/drawing/2014/main" id="{E413E77B-3598-FB4F-BBB6-1EBA38E20264}"/>
+              </a:ext>
+            </a:extLst>
+          </p:cNvPr>
+          <p:cNvSpPr/>
+          <p:nvPr/>
+        </p:nvSpPr>
+        <p:spPr>
+          <a:xfrm>
+            <a:off x="1670461" y="4754188"/>
+            <a:ext cx="6940139" cy="830997"/>
+          </a:xfrm>
+          <a:prstGeom prst="rect">
+            <a:avLst/>
+          </a:prstGeom>
+          <a:solidFill>
+            <a:schemeClr val="tx1">
+              <a:lumMod val="75000"/>
+            </a:schemeClr>
+          </a:solidFill>
+          <a:ln w="38100">
+            <a:solidFill>
+              <a:schemeClr val="tx1">
+                <a:lumMod val="50000"/>
+              </a:schemeClr>
+            </a:solidFill>
+          </a:ln>
+        </p:spPr>
+        <p:style>
+          <a:lnRef idx="2">
+            <a:schemeClr val="dk1">
+              <a:shade val="50000"/>
+            </a:schemeClr>
+          </a:lnRef>
+          <a:fillRef idx="1">
+            <a:schemeClr val="dk1"/>
+          </a:fillRef>
+          <a:effectRef idx="0">
+            <a:schemeClr val="dk1"/>
+          </a:effectRef>
+          <a:fontRef idx="minor">
+            <a:schemeClr val="lt1"/>
+          </a:fontRef>
+        </p:style>
+        <p:txBody>
+          <a:bodyPr wrap="square">
+            <a:spAutoFit/>
+          </a:bodyPr>
+          <a:lstStyle/>
+          <a:p>
+            <a:r>
+              <a:rPr lang="de-DE" sz="2400" dirty="0">
+                <a:solidFill>
+                  <a:schemeClr val="bg1"/>
+                </a:solidFill>
+                <a:latin typeface="Consolas" panose="020B0609020204030204" pitchFamily="49" charset="0"/>
+                <a:cs typeface="Consolas" panose="020B0609020204030204" pitchFamily="49" charset="0"/>
+              </a:rPr>
+              <a:t>Hallo, Peter!</a:t>
+            </a:r>
+          </a:p>
+          <a:p>
+            <a:r>
+              <a:rPr lang="de-DE" sz="2400" dirty="0">
+                <a:solidFill>
+                  <a:schemeClr val="bg1"/>
+                </a:solidFill>
+                <a:latin typeface="Consolas" panose="020B0609020204030204" pitchFamily="49" charset="0"/>
+                <a:cs typeface="Consolas" panose="020B0609020204030204" pitchFamily="49" charset="0"/>
+              </a:rPr>
+              <a:t>Hallo, Hans!</a:t>
+            </a:r>
+          </a:p>
+        </p:txBody>
+      </p:sp>
+    </p:spTree>
+    <p:extLst>
+      <p:ext uri="{BB962C8B-B14F-4D97-AF65-F5344CB8AC3E}">
+        <p14:creationId xmlns:p14="http://schemas.microsoft.com/office/powerpoint/2010/main" val="1784461887"/>
+      </p:ext>
+    </p:extLst>
+  </p:cSld>
+  <p:clrMapOvr>
+    <a:masterClrMapping/>
+  </p:clrMapOvr>
+  <p:timing>
+    <p:tnLst>
+      <p:par>
+        <p:cTn id="1" dur="indefinite" restart="never" nodeType="tmRoot">
+          <p:childTnLst>
+            <p:seq concurrent="1" nextAc="seek">
+              <p:cTn id="2" dur="indefinite" nodeType="mainSeq">
+                <p:childTnLst>
+                  <p:par>
+                    <p:cTn id="3" fill="hold">
+                      <p:stCondLst>
+                        <p:cond delay="indefinite"/>
+                      </p:stCondLst>
+                      <p:childTnLst>
+                        <p:par>
+                          <p:cTn id="4" fill="hold">
+                            <p:stCondLst>
+                              <p:cond delay="0"/>
+                            </p:stCondLst>
+                            <p:childTnLst>
+                              <p:par>
+                                <p:cTn id="5" presetID="10" presetClass="entr" presetSubtype="0" fill="hold" nodeType="clickEffect">
+                                  <p:stCondLst>
+                                    <p:cond delay="0"/>
+                                  </p:stCondLst>
+                                  <p:childTnLst>
+                                    <p:set>
+                                      <p:cBhvr>
+                                        <p:cTn id="6" dur="1" fill="hold">
+                                          <p:stCondLst>
+                                            <p:cond delay="0"/>
+                                          </p:stCondLst>
+                                        </p:cTn>
+                                        <p:tgtEl>
+                                          <p:spTgt spid="6">
+                                            <p:txEl>
+                                              <p:pRg st="0" end="0"/>
+                                            </p:txEl>
+                                          </p:spTgt>
+                                        </p:tgtEl>
+                                        <p:attrNameLst>
+                                          <p:attrName>style.visibility</p:attrName>
+                                        </p:attrNameLst>
+                                      </p:cBhvr>
+                                      <p:to>
+                                        <p:strVal val="visible"/>
+                                      </p:to>
+                                    </p:set>
+                                    <p:animEffect transition="in" filter="fade">
+                                      <p:cBhvr>
+                                        <p:cTn id="7" dur="500"/>
+                                        <p:tgtEl>
+                                          <p:spTgt spid="6">
+                                            <p:txEl>
+                                              <p:pRg st="0" end="0"/>
+                                            </p:txEl>
+                                          </p:spTgt>
+                                        </p:tgtEl>
+                                      </p:cBhvr>
+                                    </p:animEffect>
+                                  </p:childTnLst>
+                                </p:cTn>
+                              </p:par>
+                            </p:childTnLst>
+                          </p:cTn>
+                        </p:par>
+                      </p:childTnLst>
+                    </p:cTn>
+                  </p:par>
+                  <p:par>
+                    <p:cTn id="8" fill="hold">
+                      <p:stCondLst>
+                        <p:cond delay="indefinite"/>
+                      </p:stCondLst>
+                      <p:childTnLst>
+                        <p:par>
+                          <p:cTn id="9" fill="hold">
+                            <p:stCondLst>
+                              <p:cond delay="0"/>
+                            </p:stCondLst>
+                            <p:childTnLst>
+                              <p:par>
+                                <p:cTn id="10" presetID="10" presetClass="entr" presetSubtype="0" fill="hold" grpId="0" nodeType="clickEffect">
+                                  <p:stCondLst>
+                                    <p:cond delay="0"/>
+                                  </p:stCondLst>
+                                  <p:childTnLst>
+                                    <p:set>
+                                      <p:cBhvr>
+                                        <p:cTn id="11" dur="1" fill="hold">
+                                          <p:stCondLst>
+                                            <p:cond delay="0"/>
+                                          </p:stCondLst>
+                                        </p:cTn>
+                                        <p:tgtEl>
+                                          <p:spTgt spid="10"/>
+                                        </p:tgtEl>
+                                        <p:attrNameLst>
+                                          <p:attrName>style.visibility</p:attrName>
+                                        </p:attrNameLst>
+                                      </p:cBhvr>
+                                      <p:to>
+                                        <p:strVal val="visible"/>
+                                      </p:to>
+                                    </p:set>
+                                    <p:animEffect transition="in" filter="fade">
+                                      <p:cBhvr>
+                                        <p:cTn id="12" dur="500"/>
+                                        <p:tgtEl>
+                                          <p:spTgt spid="10"/>
+                                        </p:tgtEl>
+                                      </p:cBhvr>
+                                    </p:animEffect>
+                                  </p:childTnLst>
+                                </p:cTn>
+                              </p:par>
+                            </p:childTnLst>
+                          </p:cTn>
+                        </p:par>
+                      </p:childTnLst>
+                    </p:cTn>
+                  </p:par>
+                  <p:par>
+                    <p:cTn id="13" fill="hold">
+                      <p:stCondLst>
+                        <p:cond delay="indefinite"/>
+                      </p:stCondLst>
+                      <p:childTnLst>
+                        <p:par>
+                          <p:cTn id="14" fill="hold">
+                            <p:stCondLst>
+                              <p:cond delay="0"/>
+                            </p:stCondLst>
+                            <p:childTnLst>
+                              <p:par>
+                                <p:cTn id="15" presetID="10" presetClass="entr" presetSubtype="0" fill="hold" grpId="0" nodeType="clickEffect">
+                                  <p:stCondLst>
+                                    <p:cond delay="0"/>
+                                  </p:stCondLst>
+                                  <p:childTnLst>
+                                    <p:set>
+                                      <p:cBhvr>
+                                        <p:cTn id="16" dur="1" fill="hold">
+                                          <p:stCondLst>
+                                            <p:cond delay="0"/>
+                                          </p:stCondLst>
+                                        </p:cTn>
+                                        <p:tgtEl>
+                                          <p:spTgt spid="11"/>
+                                        </p:tgtEl>
+                                        <p:attrNameLst>
+                                          <p:attrName>style.visibility</p:attrName>
+                                        </p:attrNameLst>
+                                      </p:cBhvr>
+                                      <p:to>
+                                        <p:strVal val="visible"/>
+                                      </p:to>
+                                    </p:set>
+                                    <p:animEffect transition="in" filter="fade">
+                                      <p:cBhvr>
+                                        <p:cTn id="17" dur="500"/>
+                                        <p:tgtEl>
+                                          <p:spTgt spid="11"/>
+                                        </p:tgtEl>
+                                      </p:cBhvr>
+                                    </p:animEffect>
+                                  </p:childTnLst>
+                                </p:cTn>
+                              </p:par>
+                            </p:childTnLst>
+                          </p:cTn>
+                        </p:par>
+                      </p:childTnLst>
+                    </p:cTn>
+                  </p:par>
+                </p:childTnLst>
+              </p:cTn>
+              <p:prevCondLst>
+                <p:cond evt="onPrev" delay="0">
+                  <p:tgtEl>
+                    <p:sldTgt/>
+                  </p:tgtEl>
+                </p:cond>
+              </p:prevCondLst>
+              <p:nextCondLst>
+                <p:cond evt="onNext" delay="0">
+                  <p:tgtEl>
+                    <p:sldTgt/>
+                  </p:tgtEl>
+                </p:cond>
+              </p:nextCondLst>
+            </p:seq>
+          </p:childTnLst>
+        </p:cTn>
+      </p:par>
+    </p:tnLst>
+    <p:bldLst>
+      <p:bldP spid="10" grpId="0" animBg="1"/>
+      <p:bldP spid="11" grpId="0" animBg="1"/>
+    </p:bldLst>
+  </p:timing>
+</p:sld>
+</file>
+
+<file path=ppt/slides/slide8.xml><?xml version="1.0" encoding="utf-8"?>
+<p:sld xmlns:a="http://schemas.openxmlformats.org/drawingml/2006/main" xmlns:r="http://schemas.openxmlformats.org/officeDocument/2006/relationships" xmlns:p="http://schemas.openxmlformats.org/presentationml/2006/main">
+  <p:cSld>
+    <p:spTree>
+      <p:nvGrpSpPr>
+        <p:cNvPr id="1" name=""/>
+        <p:cNvGrpSpPr/>
+        <p:nvPr/>
+      </p:nvGrpSpPr>
+      <p:grpSpPr>
+        <a:xfrm>
+          <a:off x="0" y="0"/>
+          <a:ext cx="0" cy="0"/>
+          <a:chOff x="0" y="0"/>
+          <a:chExt cx="0" cy="0"/>
+        </a:xfrm>
+      </p:grpSpPr>
+      <p:sp>
+        <p:nvSpPr>
+          <p:cNvPr id="5" name="Titel 4">
+            <a:extLst>
+              <a:ext uri="{FF2B5EF4-FFF2-40B4-BE49-F238E27FC236}">
+                <a16:creationId xmlns:a16="http://schemas.microsoft.com/office/drawing/2014/main" id="{BDF2C912-E02F-4E1F-82DF-351A88BA5B31}"/>
+              </a:ext>
+            </a:extLst>
+          </p:cNvPr>
+          <p:cNvSpPr>
+            <a:spLocks noGrp="1"/>
+          </p:cNvSpPr>
+          <p:nvPr>
+            <p:ph type="title"/>
+          </p:nvPr>
+        </p:nvSpPr>
+        <p:spPr>
+          <a:xfrm>
+            <a:off x="838200" y="365125"/>
+            <a:ext cx="7958667" cy="1137104"/>
+          </a:xfrm>
+        </p:spPr>
+        <p:txBody>
+          <a:bodyPr anchor="b">
+            <a:normAutofit/>
+          </a:bodyPr>
+          <a:lstStyle/>
+          <a:p>
+            <a:r>
+              <a:rPr lang="de-DE" sz="4400" dirty="0">
+                <a:solidFill>
+                  <a:schemeClr val="tx1">
+                    <a:lumMod val="95000"/>
+                  </a:schemeClr>
+                </a:solidFill>
+              </a:rPr>
+              <a:t>Variable-Parameter</a:t>
+            </a:r>
+          </a:p>
+        </p:txBody>
+      </p:sp>
+      <p:sp>
+        <p:nvSpPr>
+          <p:cNvPr id="6" name="Inhaltsplatzhalter 5">
+            <a:extLst>
+              <a:ext uri="{FF2B5EF4-FFF2-40B4-BE49-F238E27FC236}">
+                <a16:creationId xmlns:a16="http://schemas.microsoft.com/office/drawing/2014/main" id="{67FD4DD5-46C1-4974-A569-BB95F27DCC4F}"/>
+              </a:ext>
+            </a:extLst>
+          </p:cNvPr>
+          <p:cNvSpPr>
+            <a:spLocks noGrp="1"/>
+          </p:cNvSpPr>
+          <p:nvPr>
+            <p:ph idx="1"/>
+          </p:nvPr>
+        </p:nvSpPr>
+        <p:spPr>
+          <a:xfrm>
+            <a:off x="838200" y="1825625"/>
+            <a:ext cx="9469582" cy="4351338"/>
+          </a:xfrm>
+        </p:spPr>
+        <p:txBody>
+          <a:bodyPr>
+            <a:normAutofit/>
+          </a:bodyPr>
+          <a:lstStyle/>
+          <a:p>
+            <a:r>
+              <a:rPr lang="de-DE" sz="2400" dirty="0">
+                <a:solidFill>
+                  <a:schemeClr val="tx1">
+                    <a:lumMod val="95000"/>
+                  </a:schemeClr>
+                </a:solidFill>
+              </a:rPr>
+              <a:t>Manchmal variiert die Anzahl der werte die man übergeben kann, dies kann mit Variablen Parametern lösen</a:t>
+            </a:r>
+          </a:p>
+        </p:txBody>
+      </p:sp>
+      <p:sp>
+        <p:nvSpPr>
+          <p:cNvPr id="7" name="Date Placeholder 3">
+            <a:extLst>
+              <a:ext uri="{FF2B5EF4-FFF2-40B4-BE49-F238E27FC236}">
+                <a16:creationId xmlns:a16="http://schemas.microsoft.com/office/drawing/2014/main" id="{18705B3C-262D-45A3-8C90-9FC26244A8CC}"/>
+              </a:ext>
+            </a:extLst>
+          </p:cNvPr>
+          <p:cNvSpPr>
+            <a:spLocks noGrp="1"/>
+          </p:cNvSpPr>
+          <p:nvPr>
+            <p:ph type="dt" sz="half" idx="10"/>
+          </p:nvPr>
+        </p:nvSpPr>
+        <p:spPr>
+          <a:xfrm>
+            <a:off x="838200" y="6356350"/>
+            <a:ext cx="2743200" cy="365125"/>
+          </a:xfrm>
+        </p:spPr>
+        <p:txBody>
+          <a:bodyPr/>
+          <a:lstStyle/>
+          <a:p>
+            <a:fld id="{D4AD37E9-5A10-49A7-855D-CAA2D2E848B6}" type="datetimeFigureOut">
+              <a:rPr lang="de-DE" smtClean="0"/>
+              <a:t>28.07.21</a:t>
+            </a:fld>
+            <a:endParaRPr lang="de-DE"/>
+          </a:p>
+        </p:txBody>
+      </p:sp>
+      <p:sp>
+        <p:nvSpPr>
+          <p:cNvPr id="8" name="Footer Placeholder 4">
+            <a:extLst>
+              <a:ext uri="{FF2B5EF4-FFF2-40B4-BE49-F238E27FC236}">
+                <a16:creationId xmlns:a16="http://schemas.microsoft.com/office/drawing/2014/main" id="{6833897F-8945-43C1-8EE1-2E83FF8331D9}"/>
+              </a:ext>
+            </a:extLst>
+          </p:cNvPr>
+          <p:cNvSpPr>
+            <a:spLocks noGrp="1"/>
+          </p:cNvSpPr>
+          <p:nvPr>
+            <p:ph type="ftr" sz="quarter" idx="11"/>
+          </p:nvPr>
+        </p:nvSpPr>
+        <p:spPr>
+          <a:xfrm>
+            <a:off x="4038600" y="6356350"/>
+            <a:ext cx="4114800" cy="365125"/>
+          </a:xfrm>
+        </p:spPr>
+        <p:txBody>
+          <a:bodyPr/>
+          <a:lstStyle/>
+          <a:p>
+            <a:r>
+              <a:rPr lang="de-DE" sz="1200" dirty="0">
+                <a:solidFill>
+                  <a:schemeClr val="tx1">
+                    <a:lumMod val="95000"/>
+                  </a:schemeClr>
+                </a:solidFill>
+              </a:rPr>
+              <a:t>Funktionen </a:t>
+            </a:r>
+            <a:endParaRPr lang="en-US" sz="1200" dirty="0">
+              <a:solidFill>
+                <a:schemeClr val="tx1">
+                  <a:lumMod val="95000"/>
+                </a:schemeClr>
+              </a:solidFill>
+              <a:latin typeface="+mj-lt"/>
+            </a:endParaRPr>
+          </a:p>
+        </p:txBody>
+      </p:sp>
+      <p:sp>
+        <p:nvSpPr>
+          <p:cNvPr id="9" name="Slide Number Placeholder 5">
+            <a:extLst>
+              <a:ext uri="{FF2B5EF4-FFF2-40B4-BE49-F238E27FC236}">
+                <a16:creationId xmlns:a16="http://schemas.microsoft.com/office/drawing/2014/main" id="{4CB1546C-41E9-4CE9-A31D-18CB078FE5F0}"/>
+              </a:ext>
+            </a:extLst>
+          </p:cNvPr>
+          <p:cNvSpPr>
+            <a:spLocks noGrp="1"/>
+          </p:cNvSpPr>
+          <p:nvPr>
+            <p:ph type="sldNum" sz="quarter" idx="12"/>
+          </p:nvPr>
+        </p:nvSpPr>
+        <p:spPr>
+          <a:xfrm>
+            <a:off x="8610600" y="6356350"/>
+            <a:ext cx="2743200" cy="365125"/>
+          </a:xfrm>
+        </p:spPr>
+        <p:txBody>
+          <a:bodyPr/>
+          <a:lstStyle/>
+          <a:p>
+            <a:fld id="{312A73BE-F097-4DBB-AEB2-4CC070160BA0}" type="slidenum">
+              <a:rPr lang="de-DE" smtClean="0"/>
+              <a:t>8</a:t>
+            </a:fld>
+            <a:endParaRPr lang="de-DE"/>
+          </a:p>
+        </p:txBody>
+      </p:sp>
+      <p:sp>
+        <p:nvSpPr>
+          <p:cNvPr id="10" name="Rechteck 9">
+            <a:extLst>
+              <a:ext uri="{FF2B5EF4-FFF2-40B4-BE49-F238E27FC236}">
+                <a16:creationId xmlns:a16="http://schemas.microsoft.com/office/drawing/2014/main" id="{42BE9060-73B9-CC4A-9B94-409FFC1271F9}"/>
+              </a:ext>
+            </a:extLst>
+          </p:cNvPr>
+          <p:cNvSpPr/>
+          <p:nvPr/>
+        </p:nvSpPr>
+        <p:spPr>
+          <a:xfrm>
+            <a:off x="1682337" y="2697825"/>
+            <a:ext cx="8287988" cy="3046988"/>
+          </a:xfrm>
+          <a:prstGeom prst="rect">
+            <a:avLst/>
+          </a:prstGeom>
+          <a:solidFill>
+            <a:schemeClr val="bg1">
+              <a:lumMod val="85000"/>
+              <a:lumOff val="15000"/>
+            </a:schemeClr>
+          </a:solidFill>
+          <a:ln w="76200">
+            <a:solidFill>
+              <a:schemeClr val="tx1">
+                <a:lumMod val="50000"/>
+              </a:schemeClr>
+            </a:solidFill>
+          </a:ln>
+        </p:spPr>
+        <p:style>
+          <a:lnRef idx="2">
+            <a:schemeClr val="dk1">
+              <a:shade val="50000"/>
+            </a:schemeClr>
+          </a:lnRef>
+          <a:fillRef idx="1">
+            <a:schemeClr val="dk1"/>
+          </a:fillRef>
+          <a:effectRef idx="0">
+            <a:schemeClr val="dk1"/>
+          </a:effectRef>
+          <a:fontRef idx="minor">
+            <a:schemeClr val="lt1"/>
+          </a:fontRef>
+        </p:style>
+        <p:txBody>
+          <a:bodyPr wrap="square">
+            <a:spAutoFit/>
+          </a:bodyPr>
+          <a:lstStyle/>
+          <a:p>
+            <a:r>
+              <a:rPr lang="de-DE" sz="2400" dirty="0" err="1">
+                <a:solidFill>
+                  <a:srgbClr val="CC7832"/>
+                </a:solidFill>
+                <a:latin typeface="Consolas" panose="020B0609020204030204" pitchFamily="49" charset="0"/>
+                <a:cs typeface="Consolas" panose="020B0609020204030204" pitchFamily="49" charset="0"/>
+              </a:rPr>
+              <a:t>def</a:t>
+            </a:r>
+            <a:r>
+              <a:rPr lang="de-DE" sz="2400" dirty="0">
+                <a:solidFill>
+                  <a:srgbClr val="CC7832"/>
+                </a:solidFill>
+                <a:latin typeface="Consolas" panose="020B0609020204030204" pitchFamily="49" charset="0"/>
+                <a:cs typeface="Consolas" panose="020B0609020204030204" pitchFamily="49" charset="0"/>
+              </a:rPr>
+              <a:t> </a:t>
+            </a:r>
+            <a:r>
+              <a:rPr lang="de-DE" sz="2400" dirty="0" err="1">
+                <a:solidFill>
+                  <a:srgbClr val="FFC66D"/>
+                </a:solidFill>
+                <a:latin typeface="Consolas" panose="020B0609020204030204" pitchFamily="49" charset="0"/>
+                <a:cs typeface="Consolas" panose="020B0609020204030204" pitchFamily="49" charset="0"/>
+              </a:rPr>
+              <a:t>max</a:t>
+            </a:r>
+            <a:r>
+              <a:rPr lang="de-DE" sz="2400" dirty="0">
+                <a:latin typeface="Consolas" panose="020B0609020204030204" pitchFamily="49" charset="0"/>
+                <a:cs typeface="Consolas" panose="020B0609020204030204" pitchFamily="49" charset="0"/>
+              </a:rPr>
+              <a:t>(*</a:t>
+            </a:r>
+            <a:r>
+              <a:rPr lang="de-DE" sz="2400" dirty="0" err="1">
+                <a:latin typeface="Consolas" panose="020B0609020204030204" pitchFamily="49" charset="0"/>
+                <a:cs typeface="Consolas" panose="020B0609020204030204" pitchFamily="49" charset="0"/>
+              </a:rPr>
+              <a:t>numbers</a:t>
+            </a:r>
+            <a:r>
+              <a:rPr lang="de-DE" sz="2400" dirty="0">
+                <a:latin typeface="Consolas" panose="020B0609020204030204" pitchFamily="49" charset="0"/>
+                <a:cs typeface="Consolas" panose="020B0609020204030204" pitchFamily="49" charset="0"/>
+              </a:rPr>
+              <a:t>) -&gt; </a:t>
+            </a:r>
+            <a:r>
+              <a:rPr lang="de-DE" sz="2400" dirty="0">
+                <a:solidFill>
+                  <a:srgbClr val="CC7832"/>
+                </a:solidFill>
+                <a:latin typeface="Consolas" panose="020B0609020204030204" pitchFamily="49" charset="0"/>
+                <a:cs typeface="Consolas" panose="020B0609020204030204" pitchFamily="49" charset="0"/>
+              </a:rPr>
+              <a:t>None</a:t>
+            </a:r>
+            <a:r>
+              <a:rPr lang="de-DE" sz="2400" dirty="0">
+                <a:latin typeface="Consolas" panose="020B0609020204030204" pitchFamily="49" charset="0"/>
+                <a:cs typeface="Consolas" panose="020B0609020204030204" pitchFamily="49" charset="0"/>
+              </a:rPr>
+              <a:t>:</a:t>
+            </a:r>
+            <a:r>
+              <a:rPr lang="de-DE" sz="2400" dirty="0"/>
+              <a:t>   </a:t>
+            </a:r>
+          </a:p>
+          <a:p>
+            <a:r>
+              <a:rPr lang="de-DE" sz="2400" dirty="0"/>
+              <a:t>	</a:t>
+            </a:r>
+            <a:r>
+              <a:rPr lang="de-DE" sz="2400" dirty="0" err="1"/>
+              <a:t>result</a:t>
+            </a:r>
+            <a:r>
+              <a:rPr lang="de-DE" sz="2400" dirty="0"/>
+              <a:t> = </a:t>
+            </a:r>
+            <a:r>
+              <a:rPr lang="de-DE" sz="2400" dirty="0" err="1">
+                <a:latin typeface="Consolas" panose="020B0609020204030204" pitchFamily="49" charset="0"/>
+                <a:cs typeface="Consolas" panose="020B0609020204030204" pitchFamily="49" charset="0"/>
+              </a:rPr>
+              <a:t>numbers</a:t>
+            </a:r>
+            <a:r>
+              <a:rPr lang="de-DE" sz="2400" dirty="0"/>
+              <a:t>[</a:t>
+            </a:r>
+            <a:r>
+              <a:rPr lang="de-DE" sz="2400" dirty="0">
+                <a:solidFill>
+                  <a:srgbClr val="6897BB"/>
+                </a:solidFill>
+              </a:rPr>
+              <a:t>0</a:t>
+            </a:r>
+            <a:r>
+              <a:rPr lang="de-DE" sz="2400" dirty="0"/>
+              <a:t>]</a:t>
+            </a:r>
+            <a:br>
+              <a:rPr lang="de-DE" sz="2400" dirty="0"/>
+            </a:br>
+            <a:r>
+              <a:rPr lang="de-DE" sz="2400" dirty="0"/>
+              <a:t>	</a:t>
+            </a:r>
+            <a:r>
+              <a:rPr lang="de-DE" sz="2400" dirty="0" err="1">
+                <a:solidFill>
+                  <a:srgbClr val="CC7832"/>
+                </a:solidFill>
+              </a:rPr>
+              <a:t>for</a:t>
+            </a:r>
+            <a:r>
+              <a:rPr lang="de-DE" sz="2400" dirty="0">
+                <a:solidFill>
+                  <a:srgbClr val="CC7832"/>
+                </a:solidFill>
+              </a:rPr>
+              <a:t> </a:t>
+            </a:r>
+            <a:r>
+              <a:rPr lang="de-DE" sz="2400" dirty="0"/>
+              <a:t>zahl </a:t>
+            </a:r>
+            <a:r>
+              <a:rPr lang="de-DE" sz="2400" dirty="0">
+                <a:solidFill>
+                  <a:srgbClr val="CC7832"/>
+                </a:solidFill>
+              </a:rPr>
+              <a:t>in </a:t>
+            </a:r>
+            <a:r>
+              <a:rPr lang="de-DE" sz="2400" dirty="0" err="1">
+                <a:latin typeface="Consolas" panose="020B0609020204030204" pitchFamily="49" charset="0"/>
+                <a:cs typeface="Consolas" panose="020B0609020204030204" pitchFamily="49" charset="0"/>
+              </a:rPr>
+              <a:t>numbers</a:t>
+            </a:r>
+            <a:r>
+              <a:rPr lang="de-DE" sz="2400" dirty="0"/>
+              <a:t>:</a:t>
+            </a:r>
+            <a:br>
+              <a:rPr lang="de-DE" sz="2400" dirty="0"/>
+            </a:br>
+            <a:r>
+              <a:rPr lang="de-DE" sz="2400" dirty="0"/>
+              <a:t>        	</a:t>
+            </a:r>
+            <a:r>
+              <a:rPr lang="de-DE" sz="2400" dirty="0" err="1">
+                <a:solidFill>
+                  <a:srgbClr val="CC7832"/>
+                </a:solidFill>
+              </a:rPr>
+              <a:t>if</a:t>
+            </a:r>
+            <a:r>
+              <a:rPr lang="de-DE" sz="2400" dirty="0">
+                <a:solidFill>
+                  <a:srgbClr val="CC7832"/>
+                </a:solidFill>
+              </a:rPr>
+              <a:t> </a:t>
+            </a:r>
+            <a:r>
+              <a:rPr lang="de-DE" sz="2400" dirty="0"/>
+              <a:t>zahl &gt; </a:t>
+            </a:r>
+            <a:r>
+              <a:rPr lang="de-DE" sz="2400" dirty="0" err="1"/>
+              <a:t>result</a:t>
+            </a:r>
+            <a:r>
+              <a:rPr lang="de-DE" sz="2400" dirty="0"/>
+              <a:t>:</a:t>
+            </a:r>
+            <a:br>
+              <a:rPr lang="de-DE" sz="2400" dirty="0"/>
+            </a:br>
+            <a:r>
+              <a:rPr lang="de-DE" sz="2400" dirty="0"/>
+              <a:t>            		</a:t>
+            </a:r>
+            <a:r>
+              <a:rPr lang="de-DE" sz="2400" dirty="0" err="1"/>
+              <a:t>result</a:t>
+            </a:r>
+            <a:r>
+              <a:rPr lang="de-DE" sz="2400" dirty="0"/>
+              <a:t> = zahl</a:t>
+            </a:r>
+            <a:br>
+              <a:rPr lang="de-DE" sz="2400" dirty="0"/>
+            </a:br>
+            <a:r>
+              <a:rPr lang="de-DE" sz="2400" dirty="0"/>
+              <a:t>	</a:t>
+            </a:r>
+            <a:r>
+              <a:rPr lang="de-DE" sz="2400" dirty="0" err="1">
+                <a:solidFill>
+                  <a:srgbClr val="CC7832"/>
+                </a:solidFill>
+              </a:rPr>
+              <a:t>return</a:t>
+            </a:r>
+            <a:r>
+              <a:rPr lang="de-DE" sz="2400" dirty="0">
+                <a:solidFill>
+                  <a:srgbClr val="CC7832"/>
+                </a:solidFill>
+              </a:rPr>
+              <a:t> </a:t>
+            </a:r>
+            <a:r>
+              <a:rPr lang="de-DE" sz="2400" dirty="0" err="1"/>
+              <a:t>result</a:t>
+            </a:r>
+            <a:endParaRPr lang="de-DE" sz="2400" dirty="0">
+              <a:latin typeface="Consolas" panose="020B0609020204030204" pitchFamily="49" charset="0"/>
+              <a:cs typeface="Consolas" panose="020B0609020204030204" pitchFamily="49" charset="0"/>
+            </a:endParaRPr>
+          </a:p>
+          <a:p>
+            <a:endParaRPr lang="de-DE" sz="2400" dirty="0">
+              <a:latin typeface="Consolas" panose="020B0609020204030204" pitchFamily="49" charset="0"/>
+              <a:cs typeface="Consolas" panose="020B0609020204030204" pitchFamily="49" charset="0"/>
+            </a:endParaRPr>
+          </a:p>
+          <a:p>
+            <a:r>
+              <a:rPr lang="de-DE" sz="2400" dirty="0" err="1">
+                <a:solidFill>
+                  <a:srgbClr val="FFC66D"/>
+                </a:solidFill>
+                <a:latin typeface="Consolas" panose="020B0609020204030204" pitchFamily="49" charset="0"/>
+                <a:cs typeface="Consolas" panose="020B0609020204030204" pitchFamily="49" charset="0"/>
+              </a:rPr>
+              <a:t>print</a:t>
+            </a:r>
+            <a:r>
+              <a:rPr lang="de-DE" sz="2400" dirty="0">
+                <a:latin typeface="Consolas" panose="020B0609020204030204" pitchFamily="49" charset="0"/>
+                <a:cs typeface="Consolas" panose="020B0609020204030204" pitchFamily="49" charset="0"/>
+              </a:rPr>
+              <a:t>(</a:t>
+            </a:r>
+            <a:r>
+              <a:rPr lang="de-DE" sz="2400" dirty="0" err="1">
+                <a:latin typeface="Consolas" panose="020B0609020204030204" pitchFamily="49" charset="0"/>
+                <a:cs typeface="Consolas" panose="020B0609020204030204" pitchFamily="49" charset="0"/>
+              </a:rPr>
+              <a:t>f</a:t>
+            </a:r>
+            <a:r>
+              <a:rPr lang="de-DE" sz="2400" dirty="0" err="1">
+                <a:solidFill>
+                  <a:srgbClr val="6A8759"/>
+                </a:solidFill>
+                <a:latin typeface="Consolas" panose="020B0609020204030204" pitchFamily="49" charset="0"/>
+                <a:cs typeface="Consolas" panose="020B0609020204030204" pitchFamily="49" charset="0"/>
+              </a:rPr>
+              <a:t>“höchstezahl</a:t>
+            </a:r>
+            <a:r>
+              <a:rPr lang="de-DE" sz="2400" dirty="0">
+                <a:solidFill>
+                  <a:srgbClr val="6A8759"/>
+                </a:solidFill>
+                <a:latin typeface="Consolas" panose="020B0609020204030204" pitchFamily="49" charset="0"/>
+                <a:cs typeface="Consolas" panose="020B0609020204030204" pitchFamily="49" charset="0"/>
+              </a:rPr>
+              <a:t> = {</a:t>
+            </a:r>
+            <a:r>
+              <a:rPr lang="de-DE" sz="2400" dirty="0" err="1">
+                <a:solidFill>
+                  <a:srgbClr val="FFC66D"/>
+                </a:solidFill>
+                <a:latin typeface="Consolas" panose="020B0609020204030204" pitchFamily="49" charset="0"/>
+                <a:cs typeface="Consolas" panose="020B0609020204030204" pitchFamily="49" charset="0"/>
+              </a:rPr>
+              <a:t>max</a:t>
+            </a:r>
+            <a:r>
+              <a:rPr lang="de-DE" sz="2400" dirty="0">
+                <a:latin typeface="Consolas" panose="020B0609020204030204" pitchFamily="49" charset="0"/>
+                <a:cs typeface="Consolas" panose="020B0609020204030204" pitchFamily="49" charset="0"/>
+              </a:rPr>
+              <a:t>(</a:t>
+            </a:r>
+            <a:r>
+              <a:rPr lang="de-DE" sz="2400" dirty="0">
+                <a:solidFill>
+                  <a:srgbClr val="6A8759"/>
+                </a:solidFill>
+                <a:latin typeface="Consolas" panose="020B0609020204030204" pitchFamily="49" charset="0"/>
+                <a:cs typeface="Consolas" panose="020B0609020204030204" pitchFamily="49" charset="0"/>
+              </a:rPr>
+              <a:t>1,2,3,4,5,6,7,8,9</a:t>
+            </a:r>
+            <a:r>
+              <a:rPr lang="de-DE" sz="2400" dirty="0">
+                <a:latin typeface="Consolas" panose="020B0609020204030204" pitchFamily="49" charset="0"/>
+                <a:cs typeface="Consolas" panose="020B0609020204030204" pitchFamily="49" charset="0"/>
+              </a:rPr>
+              <a:t>)</a:t>
+            </a:r>
+            <a:r>
+              <a:rPr lang="de-DE" sz="2400" dirty="0">
+                <a:solidFill>
+                  <a:srgbClr val="6A8759"/>
+                </a:solidFill>
+                <a:latin typeface="Consolas" panose="020B0609020204030204" pitchFamily="49" charset="0"/>
+                <a:cs typeface="Consolas" panose="020B0609020204030204" pitchFamily="49" charset="0"/>
+              </a:rPr>
+              <a:t>}</a:t>
+            </a:r>
+            <a:r>
+              <a:rPr lang="de-DE" sz="2400" dirty="0">
+                <a:latin typeface="Consolas" panose="020B0609020204030204" pitchFamily="49" charset="0"/>
+                <a:cs typeface="Consolas" panose="020B0609020204030204" pitchFamily="49" charset="0"/>
+              </a:rPr>
+              <a:t>)</a:t>
+            </a:r>
+          </a:p>
+        </p:txBody>
+      </p:sp>
+      <p:sp>
+        <p:nvSpPr>
+          <p:cNvPr id="11" name="Rechteck 10">
+            <a:extLst>
+              <a:ext uri="{FF2B5EF4-FFF2-40B4-BE49-F238E27FC236}">
+                <a16:creationId xmlns:a16="http://schemas.microsoft.com/office/drawing/2014/main" id="{E413E77B-3598-FB4F-BBB6-1EBA38E20264}"/>
+              </a:ext>
+            </a:extLst>
+          </p:cNvPr>
+          <p:cNvSpPr/>
+          <p:nvPr/>
+        </p:nvSpPr>
+        <p:spPr>
+          <a:xfrm>
+            <a:off x="1682337" y="5798426"/>
+            <a:ext cx="8308990" cy="461665"/>
+          </a:xfrm>
+          <a:prstGeom prst="rect">
+            <a:avLst/>
+          </a:prstGeom>
+          <a:solidFill>
+            <a:schemeClr val="tx1">
+              <a:lumMod val="75000"/>
+            </a:schemeClr>
+          </a:solidFill>
+          <a:ln w="38100">
+            <a:solidFill>
+              <a:schemeClr val="tx1">
+                <a:lumMod val="50000"/>
+              </a:schemeClr>
+            </a:solidFill>
+          </a:ln>
+        </p:spPr>
+        <p:style>
+          <a:lnRef idx="2">
+            <a:schemeClr val="dk1">
+              <a:shade val="50000"/>
+            </a:schemeClr>
+          </a:lnRef>
+          <a:fillRef idx="1">
+            <a:schemeClr val="dk1"/>
+          </a:fillRef>
+          <a:effectRef idx="0">
+            <a:schemeClr val="dk1"/>
+          </a:effectRef>
+          <a:fontRef idx="minor">
+            <a:schemeClr val="lt1"/>
+          </a:fontRef>
+        </p:style>
+        <p:txBody>
+          <a:bodyPr wrap="square">
+            <a:spAutoFit/>
+          </a:bodyPr>
+          <a:lstStyle/>
+          <a:p>
+            <a:r>
+              <a:rPr lang="de-DE" sz="2400" dirty="0" err="1">
+                <a:solidFill>
+                  <a:schemeClr val="bg1"/>
+                </a:solidFill>
+                <a:latin typeface="Consolas" panose="020B0609020204030204" pitchFamily="49" charset="0"/>
+                <a:cs typeface="Consolas" panose="020B0609020204030204" pitchFamily="49" charset="0"/>
+              </a:rPr>
+              <a:t>höchstezahl</a:t>
+            </a:r>
+            <a:r>
+              <a:rPr lang="de-DE" sz="2400" dirty="0">
+                <a:solidFill>
+                  <a:schemeClr val="bg1"/>
+                </a:solidFill>
+                <a:latin typeface="Consolas" panose="020B0609020204030204" pitchFamily="49" charset="0"/>
+                <a:cs typeface="Consolas" panose="020B0609020204030204" pitchFamily="49" charset="0"/>
+              </a:rPr>
+              <a:t> = 9</a:t>
+            </a:r>
+          </a:p>
+        </p:txBody>
+      </p:sp>
+    </p:spTree>
+    <p:extLst>
+      <p:ext uri="{BB962C8B-B14F-4D97-AF65-F5344CB8AC3E}">
+        <p14:creationId xmlns:p14="http://schemas.microsoft.com/office/powerpoint/2010/main" val="1550116303"/>
+      </p:ext>
+    </p:extLst>
+  </p:cSld>
+  <p:clrMapOvr>
+    <a:masterClrMapping/>
+  </p:clrMapOvr>
+  <p:timing>
+    <p:tnLst>
+      <p:par>
+        <p:cTn id="1" dur="indefinite" restart="never" nodeType="tmRoot">
+          <p:childTnLst>
+            <p:seq concurrent="1" nextAc="seek">
+              <p:cTn id="2" dur="indefinite" nodeType="mainSeq">
+                <p:childTnLst>
+                  <p:par>
+                    <p:cTn id="3" fill="hold">
+                      <p:stCondLst>
+                        <p:cond delay="indefinite"/>
+                      </p:stCondLst>
+                      <p:childTnLst>
+                        <p:par>
+                          <p:cTn id="4" fill="hold">
+                            <p:stCondLst>
+                              <p:cond delay="0"/>
+                            </p:stCondLst>
+                            <p:childTnLst>
+                              <p:par>
+                                <p:cTn id="5" presetID="10" presetClass="entr" presetSubtype="0" fill="hold" nodeType="clickEffect">
+                                  <p:stCondLst>
+                                    <p:cond delay="0"/>
+                                  </p:stCondLst>
+                                  <p:childTnLst>
+                                    <p:set>
+                                      <p:cBhvr>
+                                        <p:cTn id="6" dur="1" fill="hold">
+                                          <p:stCondLst>
+                                            <p:cond delay="0"/>
+                                          </p:stCondLst>
+                                        </p:cTn>
+                                        <p:tgtEl>
+                                          <p:spTgt spid="6">
+                                            <p:txEl>
+                                              <p:pRg st="0" end="0"/>
+                                            </p:txEl>
+                                          </p:spTgt>
+                                        </p:tgtEl>
+                                        <p:attrNameLst>
+                                          <p:attrName>style.visibility</p:attrName>
+                                        </p:attrNameLst>
+                                      </p:cBhvr>
+                                      <p:to>
+                                        <p:strVal val="visible"/>
+                                      </p:to>
+                                    </p:set>
+                                    <p:animEffect transition="in" filter="fade">
+                                      <p:cBhvr>
+                                        <p:cTn id="7" dur="500"/>
+                                        <p:tgtEl>
+                                          <p:spTgt spid="6">
+                                            <p:txEl>
+                                              <p:pRg st="0" end="0"/>
+                                            </p:txEl>
+                                          </p:spTgt>
+                                        </p:tgtEl>
+                                      </p:cBhvr>
+                                    </p:animEffect>
+                                  </p:childTnLst>
+                                </p:cTn>
+                              </p:par>
+                            </p:childTnLst>
+                          </p:cTn>
+                        </p:par>
+                      </p:childTnLst>
+                    </p:cTn>
+                  </p:par>
+                  <p:par>
+                    <p:cTn id="8" fill="hold">
+                      <p:stCondLst>
+                        <p:cond delay="indefinite"/>
+                      </p:stCondLst>
+                      <p:childTnLst>
+                        <p:par>
+                          <p:cTn id="9" fill="hold">
+                            <p:stCondLst>
+                              <p:cond delay="0"/>
+                            </p:stCondLst>
+                            <p:childTnLst>
+                              <p:par>
+                                <p:cTn id="10" presetID="10" presetClass="entr" presetSubtype="0" fill="hold" grpId="0" nodeType="clickEffect">
+                                  <p:stCondLst>
+                                    <p:cond delay="0"/>
+                                  </p:stCondLst>
+                                  <p:childTnLst>
+                                    <p:set>
+                                      <p:cBhvr>
+                                        <p:cTn id="11" dur="1" fill="hold">
+                                          <p:stCondLst>
+                                            <p:cond delay="0"/>
+                                          </p:stCondLst>
+                                        </p:cTn>
+                                        <p:tgtEl>
+                                          <p:spTgt spid="10"/>
+                                        </p:tgtEl>
+                                        <p:attrNameLst>
+                                          <p:attrName>style.visibility</p:attrName>
+                                        </p:attrNameLst>
+                                      </p:cBhvr>
+                                      <p:to>
+                                        <p:strVal val="visible"/>
+                                      </p:to>
+                                    </p:set>
+                                    <p:animEffect transition="in" filter="fade">
+                                      <p:cBhvr>
+                                        <p:cTn id="12" dur="500"/>
+                                        <p:tgtEl>
+                                          <p:spTgt spid="10"/>
+                                        </p:tgtEl>
+                                      </p:cBhvr>
+                                    </p:animEffect>
+                                  </p:childTnLst>
+                                </p:cTn>
+                              </p:par>
+                            </p:childTnLst>
+                          </p:cTn>
+                        </p:par>
+                      </p:childTnLst>
+                    </p:cTn>
+                  </p:par>
+                  <p:par>
+                    <p:cTn id="13" fill="hold">
+                      <p:stCondLst>
+                        <p:cond delay="indefinite"/>
+                      </p:stCondLst>
+                      <p:childTnLst>
+                        <p:par>
+                          <p:cTn id="14" fill="hold">
+                            <p:stCondLst>
+                              <p:cond delay="0"/>
+                            </p:stCondLst>
+                            <p:childTnLst>
+                              <p:par>
+                                <p:cTn id="15" presetID="10" presetClass="entr" presetSubtype="0" fill="hold" grpId="0" nodeType="clickEffect">
+                                  <p:stCondLst>
+                                    <p:cond delay="0"/>
+                                  </p:stCondLst>
+                                  <p:childTnLst>
+                                    <p:set>
+                                      <p:cBhvr>
+                                        <p:cTn id="16" dur="1" fill="hold">
+                                          <p:stCondLst>
+                                            <p:cond delay="0"/>
+                                          </p:stCondLst>
+                                        </p:cTn>
+                                        <p:tgtEl>
+                                          <p:spTgt spid="11"/>
+                                        </p:tgtEl>
+                                        <p:attrNameLst>
+                                          <p:attrName>style.visibility</p:attrName>
+                                        </p:attrNameLst>
+                                      </p:cBhvr>
+                                      <p:to>
+                                        <p:strVal val="visible"/>
+                                      </p:to>
+                                    </p:set>
+                                    <p:animEffect transition="in" filter="fade">
+                                      <p:cBhvr>
+                                        <p:cTn id="17" dur="500"/>
+                                        <p:tgtEl>
+                                          <p:spTgt spid="11"/>
+                                        </p:tgtEl>
+                                      </p:cBhvr>
+                                    </p:animEffect>
+                                  </p:childTnLst>
+                                </p:cTn>
+                              </p:par>
+                            </p:childTnLst>
+                          </p:cTn>
+                        </p:par>
+                      </p:childTnLst>
+                    </p:cTn>
+                  </p:par>
+                </p:childTnLst>
+              </p:cTn>
+              <p:prevCondLst>
+                <p:cond evt="onPrev" delay="0">
+                  <p:tgtEl>
+                    <p:sldTgt/>
+                  </p:tgtEl>
+                </p:cond>
+              </p:prevCondLst>
+              <p:nextCondLst>
+                <p:cond evt="onNext" delay="0">
+                  <p:tgtEl>
+                    <p:sldTgt/>
+                  </p:tgtEl>
+                </p:cond>
+              </p:nextCondLst>
+            </p:seq>
+          </p:childTnLst>
+        </p:cTn>
+      </p:par>
+    </p:tnLst>
+    <p:bldLst>
+      <p:bldP spid="10" grpId="0" animBg="1"/>
+      <p:bldP spid="11" grpId="0" animBg="1"/>
     </p:bldLst>
   </p:timing>
 </p:sld>
@@ -8703,4 +13877,299 @@
     </a:ext>
   </a:extLst>
 </a:theme>
+</file>
+
+<file path=ppt/theme/theme2.xml><?xml version="1.0" encoding="utf-8"?>
+<a:theme xmlns:a="http://schemas.openxmlformats.org/drawingml/2006/main" name="Office">
+  <a:themeElements>
+    <a:clrScheme name="Office">
+      <a:dk1>
+        <a:sysClr val="windowText" lastClr="000000"/>
+      </a:dk1>
+      <a:lt1>
+        <a:sysClr val="window" lastClr="FFFFFF"/>
+      </a:lt1>
+      <a:dk2>
+        <a:srgbClr val="44546A"/>
+      </a:dk2>
+      <a:lt2>
+        <a:srgbClr val="E7E6E6"/>
+      </a:lt2>
+      <a:accent1>
+        <a:srgbClr val="4472C4"/>
+      </a:accent1>
+      <a:accent2>
+        <a:srgbClr val="ED7D31"/>
+      </a:accent2>
+      <a:accent3>
+        <a:srgbClr val="A5A5A5"/>
+      </a:accent3>
+      <a:accent4>
+        <a:srgbClr val="FFC000"/>
+      </a:accent4>
+      <a:accent5>
+        <a:srgbClr val="5B9BD5"/>
+      </a:accent5>
+      <a:accent6>
+        <a:srgbClr val="70AD47"/>
+      </a:accent6>
+      <a:hlink>
+        <a:srgbClr val="0563C1"/>
+      </a:hlink>
+      <a:folHlink>
+        <a:srgbClr val="954F72"/>
+      </a:folHlink>
+    </a:clrScheme>
+    <a:fontScheme name="Office">
+      <a:majorFont>
+        <a:latin typeface="Calibri Light" panose="020F0302020204030204"/>
+        <a:ea typeface=""/>
+        <a:cs typeface=""/>
+        <a:font script="Jpan" typeface="游ゴシック Light"/>
+        <a:font script="Hang" typeface="맑은 고딕"/>
+        <a:font script="Hans" typeface="等线 Light"/>
+        <a:font script="Hant" typeface="新細明體"/>
+        <a:font script="Arab" typeface="Times New Roman"/>
+        <a:font script="Hebr" typeface="Times New Roman"/>
+        <a:font script="Thai" typeface="Angsana New"/>
+        <a:font script="Ethi" typeface="Nyala"/>
+        <a:font script="Beng" typeface="Vrinda"/>
+        <a:font script="Gujr" typeface="Shruti"/>
+        <a:font script="Khmr" typeface="MoolBoran"/>
+        <a:font script="Knda" typeface="Tunga"/>
+        <a:font script="Guru" typeface="Raavi"/>
+        <a:font script="Cans" typeface="Euphemia"/>
+        <a:font script="Cher" typeface="Plantagenet Cherokee"/>
+        <a:font script="Yiii" typeface="Microsoft Yi Baiti"/>
+        <a:font script="Tibt" typeface="Microsoft Himalaya"/>
+        <a:font script="Thaa" typeface="MV Boli"/>
+        <a:font script="Deva" typeface="Mangal"/>
+        <a:font script="Telu" typeface="Gautami"/>
+        <a:font script="Taml" typeface="Latha"/>
+        <a:font script="Syrc" typeface="Estrangelo Edessa"/>
+        <a:font script="Orya" typeface="Kalinga"/>
+        <a:font script="Mlym" typeface="Kartika"/>
+        <a:font script="Laoo" typeface="DokChampa"/>
+        <a:font script="Sinh" typeface="Iskoola Pota"/>
+        <a:font script="Mong" typeface="Mongolian Baiti"/>
+        <a:font script="Viet" typeface="Times New Roman"/>
+        <a:font script="Uigh" typeface="Microsoft Uighur"/>
+        <a:font script="Geor" typeface="Sylfaen"/>
+        <a:font script="Armn" typeface="Arial"/>
+        <a:font script="Bugi" typeface="Leelawadee UI"/>
+        <a:font script="Bopo" typeface="Microsoft JhengHei"/>
+        <a:font script="Java" typeface="Javanese Text"/>
+        <a:font script="Lisu" typeface="Segoe UI"/>
+        <a:font script="Mymr" typeface="Myanmar Text"/>
+        <a:font script="Nkoo" typeface="Ebrima"/>
+        <a:font script="Olck" typeface="Nirmala UI"/>
+        <a:font script="Osma" typeface="Ebrima"/>
+        <a:font script="Phag" typeface="Phagspa"/>
+        <a:font script="Syrn" typeface="Estrangelo Edessa"/>
+        <a:font script="Syrj" typeface="Estrangelo Edessa"/>
+        <a:font script="Syre" typeface="Estrangelo Edessa"/>
+        <a:font script="Sora" typeface="Nirmala UI"/>
+        <a:font script="Tale" typeface="Microsoft Tai Le"/>
+        <a:font script="Talu" typeface="Microsoft New Tai Lue"/>
+        <a:font script="Tfng" typeface="Ebrima"/>
+      </a:majorFont>
+      <a:minorFont>
+        <a:latin typeface="Calibri" panose="020F0502020204030204"/>
+        <a:ea typeface=""/>
+        <a:cs typeface=""/>
+        <a:font script="Jpan" typeface="游ゴシック"/>
+        <a:font script="Hang" typeface="맑은 고딕"/>
+        <a:font script="Hans" typeface="等线"/>
+        <a:font script="Hant" typeface="新細明體"/>
+        <a:font script="Arab" typeface="Arial"/>
+        <a:font script="Hebr" typeface="Arial"/>
+        <a:font script="Thai" typeface="Cordia New"/>
+        <a:font script="Ethi" typeface="Nyala"/>
+        <a:font script="Beng" typeface="Vrinda"/>
+        <a:font script="Gujr" typeface="Shruti"/>
+        <a:font script="Khmr" typeface="DaunPenh"/>
+        <a:font script="Knda" typeface="Tunga"/>
+        <a:font script="Guru" typeface="Raavi"/>
+        <a:font script="Cans" typeface="Euphemia"/>
+        <a:font script="Cher" typeface="Plantagenet Cherokee"/>
+        <a:font script="Yiii" typeface="Microsoft Yi Baiti"/>
+        <a:font script="Tibt" typeface="Microsoft Himalaya"/>
+        <a:font script="Thaa" typeface="MV Boli"/>
+        <a:font script="Deva" typeface="Mangal"/>
+        <a:font script="Telu" typeface="Gautami"/>
+        <a:font script="Taml" typeface="Latha"/>
+        <a:font script="Syrc" typeface="Estrangelo Edessa"/>
+        <a:font script="Orya" typeface="Kalinga"/>
+        <a:font script="Mlym" typeface="Kartika"/>
+        <a:font script="Laoo" typeface="DokChampa"/>
+        <a:font script="Sinh" typeface="Iskoola Pota"/>
+        <a:font script="Mong" typeface="Mongolian Baiti"/>
+        <a:font script="Viet" typeface="Arial"/>
+        <a:font script="Uigh" typeface="Microsoft Uighur"/>
+        <a:font script="Geor" typeface="Sylfaen"/>
+        <a:font script="Armn" typeface="Arial"/>
+        <a:font script="Bugi" typeface="Leelawadee UI"/>
+        <a:font script="Bopo" typeface="Microsoft JhengHei"/>
+        <a:font script="Java" typeface="Javanese Text"/>
+        <a:font script="Lisu" typeface="Segoe UI"/>
+        <a:font script="Mymr" typeface="Myanmar Text"/>
+        <a:font script="Nkoo" typeface="Ebrima"/>
+        <a:font script="Olck" typeface="Nirmala UI"/>
+        <a:font script="Osma" typeface="Ebrima"/>
+        <a:font script="Phag" typeface="Phagspa"/>
+        <a:font script="Syrn" typeface="Estrangelo Edessa"/>
+        <a:font script="Syrj" typeface="Estrangelo Edessa"/>
+        <a:font script="Syre" typeface="Estrangelo Edessa"/>
+        <a:font script="Sora" typeface="Nirmala UI"/>
+        <a:font script="Tale" typeface="Microsoft Tai Le"/>
+        <a:font script="Talu" typeface="Microsoft New Tai Lue"/>
+        <a:font script="Tfng" typeface="Ebrima"/>
+      </a:minorFont>
+    </a:fontScheme>
+    <a:fmtScheme name="Office">
+      <a:fillStyleLst>
+        <a:solidFill>
+          <a:schemeClr val="phClr"/>
+        </a:solidFill>
+        <a:gradFill rotWithShape="1">
+          <a:gsLst>
+            <a:gs pos="0">
+              <a:schemeClr val="phClr">
+                <a:lumMod val="110000"/>
+                <a:satMod val="105000"/>
+                <a:tint val="67000"/>
+              </a:schemeClr>
+            </a:gs>
+            <a:gs pos="50000">
+              <a:schemeClr val="phClr">
+                <a:lumMod val="105000"/>
+                <a:satMod val="103000"/>
+                <a:tint val="73000"/>
+              </a:schemeClr>
+            </a:gs>
+            <a:gs pos="100000">
+              <a:schemeClr val="phClr">
+                <a:lumMod val="105000"/>
+                <a:satMod val="109000"/>
+                <a:tint val="81000"/>
+              </a:schemeClr>
+            </a:gs>
+          </a:gsLst>
+          <a:lin ang="5400000" scaled="0"/>
+        </a:gradFill>
+        <a:gradFill rotWithShape="1">
+          <a:gsLst>
+            <a:gs pos="0">
+              <a:schemeClr val="phClr">
+                <a:satMod val="103000"/>
+                <a:lumMod val="102000"/>
+                <a:tint val="94000"/>
+              </a:schemeClr>
+            </a:gs>
+            <a:gs pos="50000">
+              <a:schemeClr val="phClr">
+                <a:satMod val="110000"/>
+                <a:lumMod val="100000"/>
+                <a:shade val="100000"/>
+              </a:schemeClr>
+            </a:gs>
+            <a:gs pos="100000">
+              <a:schemeClr val="phClr">
+                <a:lumMod val="99000"/>
+                <a:satMod val="120000"/>
+                <a:shade val="78000"/>
+              </a:schemeClr>
+            </a:gs>
+          </a:gsLst>
+          <a:lin ang="5400000" scaled="0"/>
+        </a:gradFill>
+      </a:fillStyleLst>
+      <a:lnStyleLst>
+        <a:ln w="6350" cap="flat" cmpd="sng" algn="ctr">
+          <a:solidFill>
+            <a:schemeClr val="phClr"/>
+          </a:solidFill>
+          <a:prstDash val="solid"/>
+          <a:miter lim="800000"/>
+        </a:ln>
+        <a:ln w="12700" cap="flat" cmpd="sng" algn="ctr">
+          <a:solidFill>
+            <a:schemeClr val="phClr"/>
+          </a:solidFill>
+          <a:prstDash val="solid"/>
+          <a:miter lim="800000"/>
+        </a:ln>
+        <a:ln w="19050" cap="flat" cmpd="sng" algn="ctr">
+          <a:solidFill>
+            <a:schemeClr val="phClr"/>
+          </a:solidFill>
+          <a:prstDash val="solid"/>
+          <a:miter lim="800000"/>
+        </a:ln>
+      </a:lnStyleLst>
+      <a:effectStyleLst>
+        <a:effectStyle>
+          <a:effectLst/>
+        </a:effectStyle>
+        <a:effectStyle>
+          <a:effectLst/>
+        </a:effectStyle>
+        <a:effectStyle>
+          <a:effectLst>
+            <a:outerShdw blurRad="57150" dist="19050" dir="5400000" algn="ctr" rotWithShape="0">
+              <a:srgbClr val="000000">
+                <a:alpha val="63000"/>
+              </a:srgbClr>
+            </a:outerShdw>
+          </a:effectLst>
+        </a:effectStyle>
+      </a:effectStyleLst>
+      <a:bgFillStyleLst>
+        <a:solidFill>
+          <a:schemeClr val="phClr"/>
+        </a:solidFill>
+        <a:solidFill>
+          <a:schemeClr val="phClr">
+            <a:tint val="95000"/>
+            <a:satMod val="170000"/>
+          </a:schemeClr>
+        </a:solidFill>
+        <a:gradFill rotWithShape="1">
+          <a:gsLst>
+            <a:gs pos="0">
+              <a:schemeClr val="phClr">
+                <a:tint val="93000"/>
+                <a:satMod val="150000"/>
+                <a:shade val="98000"/>
+                <a:lumMod val="102000"/>
+              </a:schemeClr>
+            </a:gs>
+            <a:gs pos="50000">
+              <a:schemeClr val="phClr">
+                <a:tint val="98000"/>
+                <a:satMod val="130000"/>
+                <a:shade val="90000"/>
+                <a:lumMod val="103000"/>
+              </a:schemeClr>
+            </a:gs>
+            <a:gs pos="100000">
+              <a:schemeClr val="phClr">
+                <a:shade val="63000"/>
+                <a:satMod val="120000"/>
+              </a:schemeClr>
+            </a:gs>
+          </a:gsLst>
+          <a:lin ang="5400000" scaled="0"/>
+        </a:gradFill>
+      </a:bgFillStyleLst>
+    </a:fmtScheme>
+  </a:themeElements>
+  <a:objectDefaults/>
+  <a:extraClrSchemeLst/>
+  <a:extLst>
+    <a:ext uri="{05A4C25C-085E-4340-85A3-A5531E510DB2}">
+      <thm15:themeFamily xmlns:thm15="http://schemas.microsoft.com/office/thememl/2012/main" name="Office Theme" id="{62F939B6-93AF-4DB8-9C6B-D6C7DFDC589F}" vid="{4A3C46E8-61CC-4603-A589-7422A47A8E4A}"/>
+    </a:ext>
+  </a:extLst>
+</a:theme>
 </file>